--- a/ADP-PROJECT-PPT-TEMPLATE.pptx
+++ b/ADP-PROJECT-PPT-TEMPLATE.pptx
@@ -11511,6 +11511,29 @@
                 <a:latin typeface="Times New Roman" pitchFamily="18" charset="0"/>
                 <a:cs typeface="Times New Roman" pitchFamily="18" charset="0"/>
               </a:rPr>
+              <a:t>CSS and </a:t>
+            </a:r>
+            <a:r>
+              <a:rPr lang="en-IN" dirty="0" err="1">
+                <a:latin typeface="Times New Roman" pitchFamily="18" charset="0"/>
+                <a:cs typeface="Times New Roman" pitchFamily="18" charset="0"/>
+              </a:rPr>
+              <a:t>javascript</a:t>
+            </a:r>
+            <a:r>
+              <a:rPr lang="en-IN" dirty="0">
+                <a:latin typeface="Times New Roman" pitchFamily="18" charset="0"/>
+                <a:cs typeface="Times New Roman" pitchFamily="18" charset="0"/>
+              </a:rPr>
+              <a:t> will be utilized to create attractive and informational visual elements</a:t>
+            </a:r>
+          </a:p>
+          <a:p>
+            <a:r>
+              <a:rPr lang="en-IN" dirty="0">
+                <a:latin typeface="Times New Roman" pitchFamily="18" charset="0"/>
+                <a:cs typeface="Times New Roman" pitchFamily="18" charset="0"/>
+              </a:rPr>
               <a:t>Java scripting will be utilized to process frontend backend connectivity</a:t>
             </a:r>
           </a:p>

--- a/ADP-PROJECT-PPT-TEMPLATE.pptx
+++ b/ADP-PROJECT-PPT-TEMPLATE.pptx
@@ -11300,8 +11300,46 @@
         </p:nvSpPr>
         <p:spPr/>
         <p:txBody>
-          <a:bodyPr/>
-          <a:lstStyle/>
+          <a:bodyPr>
+            <a:normAutofit lnSpcReduction="10000"/>
+          </a:bodyPr>
+          <a:lstStyle/>
+          <a:p>
+            <a:r>
+              <a:rPr lang="en-IN" dirty="0">
+                <a:latin typeface="Times New Roman" pitchFamily="18" charset="0"/>
+                <a:cs typeface="Times New Roman" pitchFamily="18" charset="0"/>
+              </a:rPr>
+              <a:t>This is an information/awareness creating site about the Global Warming and Climatic changes around us. This mainly focuses on how we exploit our surroundings and are indirectly and directly responsible for our own ends.</a:t>
+            </a:r>
+          </a:p>
+          <a:p>
+            <a:r>
+              <a:rPr lang="en-IN" dirty="0">
+                <a:latin typeface="Times New Roman" pitchFamily="18" charset="0"/>
+                <a:cs typeface="Times New Roman" pitchFamily="18" charset="0"/>
+              </a:rPr>
+              <a:t>Here we discuss about the various reasons and as well as the ways in which we can try to protect our environment by following simple methods such as using eco friendly objects and following other such practices.</a:t>
+            </a:r>
+          </a:p>
+          <a:p>
+            <a:r>
+              <a:rPr lang="en-IN" dirty="0">
+                <a:latin typeface="Times New Roman" pitchFamily="18" charset="0"/>
+                <a:cs typeface="Times New Roman" pitchFamily="18" charset="0"/>
+              </a:rPr>
+              <a:t>Thus, we also sell eco friendly products like jute bags, re-usable products, products obtained by recycling, etc.</a:t>
+            </a:r>
+          </a:p>
+          <a:p>
+            <a:r>
+              <a:rPr lang="en-IN">
+                <a:latin typeface="Times New Roman" pitchFamily="18" charset="0"/>
+                <a:cs typeface="Times New Roman" pitchFamily="18" charset="0"/>
+              </a:rPr>
+              <a:t>With this site, we try to make this place a better place to live.</a:t>
+            </a:r>
+          </a:p>
           <a:p>
             <a:endParaRPr lang="en-IN" dirty="0">
               <a:latin typeface="Times New Roman" pitchFamily="18" charset="0"/>

--- a/ADP-PROJECT-PPT-TEMPLATE.pptx
+++ b/ADP-PROJECT-PPT-TEMPLATE.pptx
@@ -5,32 +5,33 @@
     <p:sldMasterId id="2147483660" r:id="rId1"/>
   </p:sldMasterIdLst>
   <p:notesMasterIdLst>
-    <p:notesMasterId r:id="rId25"/>
+    <p:notesMasterId r:id="rId26"/>
   </p:notesMasterIdLst>
   <p:sldIdLst>
     <p:sldId id="256" r:id="rId2"/>
     <p:sldId id="257" r:id="rId3"/>
     <p:sldId id="260" r:id="rId4"/>
-    <p:sldId id="258" r:id="rId5"/>
-    <p:sldId id="263" r:id="rId6"/>
-    <p:sldId id="264" r:id="rId7"/>
-    <p:sldId id="265" r:id="rId8"/>
-    <p:sldId id="266" r:id="rId9"/>
-    <p:sldId id="275" r:id="rId10"/>
-    <p:sldId id="276" r:id="rId11"/>
-    <p:sldId id="279" r:id="rId12"/>
-    <p:sldId id="280" r:id="rId13"/>
-    <p:sldId id="281" r:id="rId14"/>
-    <p:sldId id="282" r:id="rId15"/>
-    <p:sldId id="267" r:id="rId16"/>
-    <p:sldId id="277" r:id="rId17"/>
-    <p:sldId id="268" r:id="rId18"/>
-    <p:sldId id="278" r:id="rId19"/>
-    <p:sldId id="269" r:id="rId20"/>
-    <p:sldId id="271" r:id="rId21"/>
-    <p:sldId id="272" r:id="rId22"/>
-    <p:sldId id="274" r:id="rId23"/>
-    <p:sldId id="273" r:id="rId24"/>
+    <p:sldId id="283" r:id="rId5"/>
+    <p:sldId id="258" r:id="rId6"/>
+    <p:sldId id="263" r:id="rId7"/>
+    <p:sldId id="264" r:id="rId8"/>
+    <p:sldId id="265" r:id="rId9"/>
+    <p:sldId id="266" r:id="rId10"/>
+    <p:sldId id="275" r:id="rId11"/>
+    <p:sldId id="276" r:id="rId12"/>
+    <p:sldId id="279" r:id="rId13"/>
+    <p:sldId id="280" r:id="rId14"/>
+    <p:sldId id="281" r:id="rId15"/>
+    <p:sldId id="282" r:id="rId16"/>
+    <p:sldId id="267" r:id="rId17"/>
+    <p:sldId id="277" r:id="rId18"/>
+    <p:sldId id="268" r:id="rId19"/>
+    <p:sldId id="278" r:id="rId20"/>
+    <p:sldId id="269" r:id="rId21"/>
+    <p:sldId id="271" r:id="rId22"/>
+    <p:sldId id="272" r:id="rId23"/>
+    <p:sldId id="274" r:id="rId24"/>
+    <p:sldId id="273" r:id="rId25"/>
   </p:sldIdLst>
   <p:sldSz cx="9144000" cy="6858000" type="screen4x3"/>
   <p:notesSz cx="6858000" cy="9144000"/>
@@ -5333,7 +5334,7 @@
             <a:fld id="{F27AAD9C-9DDF-48B4-ABF7-FCAF8C04F572}" type="datetimeFigureOut">
               <a:rPr lang="en-US" smtClean="0"/>
               <a:pPr/>
-              <a:t>7/19/2021</a:t>
+              <a:t>7/20/2021</a:t>
             </a:fld>
             <a:endParaRPr lang="en-IN"/>
           </a:p>
@@ -5741,7 +5742,7 @@
             <a:fld id="{C200336E-73F8-430A-8B45-18ECFA608B54}" type="datetime1">
               <a:rPr lang="en-US" smtClean="0"/>
               <a:pPr/>
-              <a:t>7/19/2021</a:t>
+              <a:t>7/20/2021</a:t>
             </a:fld>
             <a:endParaRPr lang="en-US" sz="1600" dirty="0"/>
           </a:p>
@@ -6101,7 +6102,7 @@
             <a:fld id="{A734055C-2B1D-4A5C-928F-A45DAA0A05D2}" type="datetime1">
               <a:rPr lang="en-US" smtClean="0"/>
               <a:pPr/>
-              <a:t>7/19/2021</a:t>
+              <a:t>7/20/2021</a:t>
             </a:fld>
             <a:endParaRPr lang="en-US"/>
           </a:p>
@@ -6277,7 +6278,7 @@
             <a:fld id="{A83A4D08-7CC6-40BC-A291-21DAE0F36945}" type="datetime1">
               <a:rPr lang="en-US" smtClean="0"/>
               <a:pPr/>
-              <a:t>7/19/2021</a:t>
+              <a:t>7/20/2021</a:t>
             </a:fld>
             <a:endParaRPr lang="en-US"/>
           </a:p>
@@ -6513,7 +6514,7 @@
             <a:fld id="{11356598-0696-4407-9BB4-05D9C81E90C3}" type="datetime1">
               <a:rPr lang="en-US" smtClean="0"/>
               <a:pPr/>
-              <a:t>7/19/2021</a:t>
+              <a:t>7/20/2021</a:t>
             </a:fld>
             <a:endParaRPr lang="en-US" dirty="0"/>
           </a:p>
@@ -6783,7 +6784,7 @@
             <a:fld id="{1C4F2B70-17BA-44E4-9244-27A36DB1B0F1}" type="datetime1">
               <a:rPr lang="en-US" smtClean="0"/>
               <a:pPr/>
-              <a:t>7/19/2021</a:t>
+              <a:t>7/20/2021</a:t>
             </a:fld>
             <a:endParaRPr lang="en-US" dirty="0"/>
           </a:p>
@@ -7004,7 +7005,7 @@
             <a:fld id="{25A71C28-A4F1-4DC1-9B01-F9EA2C56F5C1}" type="datetime1">
               <a:rPr lang="en-US" smtClean="0"/>
               <a:pPr/>
-              <a:t>7/19/2021</a:t>
+              <a:t>7/20/2021</a:t>
             </a:fld>
             <a:endParaRPr lang="en-US"/>
           </a:p>
@@ -7357,7 +7358,7 @@
             <a:fld id="{88F4A2B3-312F-41A5-945B-1E124B15A312}" type="datetime1">
               <a:rPr lang="en-US" smtClean="0"/>
               <a:pPr/>
-              <a:t>7/19/2021</a:t>
+              <a:t>7/20/2021</a:t>
             </a:fld>
             <a:endParaRPr lang="en-US"/>
           </a:p>
@@ -7590,7 +7591,7 @@
             <a:fld id="{691A1543-0E0D-4D5D-A22D-12238C61E279}" type="datetime1">
               <a:rPr lang="en-US" smtClean="0"/>
               <a:pPr/>
-              <a:t>7/19/2021</a:t>
+              <a:t>7/20/2021</a:t>
             </a:fld>
             <a:endParaRPr lang="en-US"/>
           </a:p>
@@ -7732,7 +7733,7 @@
             <a:fld id="{F76272FD-8479-4688-AD68-53E82E38B5D8}" type="datetime1">
               <a:rPr lang="en-US" smtClean="0"/>
               <a:pPr/>
-              <a:t>7/19/2021</a:t>
+              <a:t>7/20/2021</a:t>
             </a:fld>
             <a:endParaRPr lang="en-US"/>
           </a:p>
@@ -8010,7 +8011,7 @@
             <a:fld id="{F24A03B5-A167-4480-BCD9-ED86A221F8A5}" type="datetime1">
               <a:rPr lang="en-US" smtClean="0"/>
               <a:pPr/>
-              <a:t>7/19/2021</a:t>
+              <a:t>7/20/2021</a:t>
             </a:fld>
             <a:endParaRPr lang="en-US"/>
           </a:p>
@@ -8418,7 +8419,7 @@
             <a:fld id="{711CDFD0-093C-4BF7-A124-A6DBF259E0FD}" type="datetime1">
               <a:rPr lang="en-US" smtClean="0"/>
               <a:pPr/>
-              <a:t>7/19/2021</a:t>
+              <a:t>7/20/2021</a:t>
             </a:fld>
             <a:endParaRPr lang="en-US"/>
           </a:p>
@@ -8756,7 +8757,7 @@
             <a:fld id="{C8AC8CFF-E862-4F7E-83B0-E11040CB47E9}" type="datetime1">
               <a:rPr lang="en-US" smtClean="0"/>
               <a:pPr/>
-              <a:t>7/19/2021</a:t>
+              <a:t>7/20/2021</a:t>
             </a:fld>
             <a:endParaRPr lang="en-US" sz="1400" dirty="0">
               <a:solidFill>
@@ -9316,19 +9317,35 @@
         <p:spPr>
           <a:xfrm>
             <a:off x="1285852" y="785794"/>
-            <a:ext cx="6858000" cy="990600"/>
+            <a:ext cx="6958556" cy="1275054"/>
           </a:xfrm>
         </p:spPr>
         <p:txBody>
-          <a:bodyPr/>
+          <a:bodyPr>
+            <a:normAutofit fontScale="90000"/>
+          </a:bodyPr>
           <a:lstStyle/>
           <a:p>
             <a:pPr algn="ctr"/>
             <a:r>
+              <a:rPr lang="en-IN" sz="2700" dirty="0">
+                <a:solidFill>
+                  <a:srgbClr val="FF0000"/>
+                </a:solidFill>
+              </a:rPr>
+              <a:t>Global Warming Info/Eco-Friendly products shopping site</a:t>
+            </a:r>
+            <a:br>
               <a:rPr lang="en-IN" sz="3600" dirty="0"/>
-              <a:t>Eco Friendly shopping site</a:t>
-            </a:r>
-            <a:endParaRPr lang="en-IN" dirty="0"/>
+            </a:br>
+            <a:r>
+              <a:rPr lang="en-IN" sz="3600" dirty="0">
+                <a:solidFill>
+                  <a:srgbClr val="00602B"/>
+                </a:solidFill>
+              </a:rPr>
+              <a:t>GREEN WORLD</a:t>
+            </a:r>
           </a:p>
         </p:txBody>
       </p:sp>
@@ -9344,28 +9361,28 @@
         </p:nvSpPr>
         <p:spPr>
           <a:xfrm>
-            <a:off x="1214414" y="3857628"/>
+            <a:off x="1214462" y="3773268"/>
             <a:ext cx="6858000" cy="533400"/>
           </a:xfrm>
         </p:spPr>
         <p:txBody>
-          <a:bodyPr/>
+          <a:bodyPr>
+            <a:noAutofit/>
+          </a:bodyPr>
           <a:lstStyle/>
           <a:p>
             <a:pPr algn="ctr"/>
             <a:r>
-              <a:rPr lang="en-IN" sz="2400" dirty="0"/>
+              <a:rPr lang="en-IN" sz="2800" dirty="0"/>
               <a:t>Easwer ALU </a:t>
             </a:r>
-            <a:r>
-              <a:rPr lang="en-IN" sz="2400" dirty="0" err="1"/>
-              <a:t>Sailesh</a:t>
-            </a:r>
-            <a:r>
-              <a:rPr lang="en-IN" sz="2400" dirty="0"/>
-              <a:t> R</a:t>
-            </a:r>
-            <a:endParaRPr lang="en-IN" dirty="0"/>
+          </a:p>
+          <a:p>
+            <a:pPr algn="ctr"/>
+            <a:r>
+              <a:rPr lang="en-IN" sz="2800" dirty="0"/>
+              <a:t>Sailesh R</a:t>
+            </a:r>
           </a:p>
         </p:txBody>
       </p:sp>
@@ -9430,7 +9447,7 @@
         </p:nvSpPr>
         <p:spPr>
           <a:xfrm>
-            <a:off x="2143108" y="2428868"/>
+            <a:off x="2123728" y="2420888"/>
             <a:ext cx="5000660" cy="707886"/>
           </a:xfrm>
           <a:prstGeom prst="rect">
@@ -9506,7 +9523,7 @@
                 <a:latin typeface="Calibri" pitchFamily="34" charset="0"/>
                 <a:cs typeface="Arial" pitchFamily="34" charset="0"/>
               </a:rPr>
-              <a:t>User account/ login module</a:t>
+              <a:t>Modules </a:t>
             </a:r>
           </a:p>
         </p:txBody>
@@ -9531,7 +9548,7 @@
                 <a:latin typeface="Times New Roman" pitchFamily="18" charset="0"/>
                 <a:cs typeface="Times New Roman" pitchFamily="18" charset="0"/>
               </a:rPr>
-              <a:t>This module will handle user login and account sign up.</a:t>
+              <a:t>User account /login module</a:t>
             </a:r>
           </a:p>
           <a:p>
@@ -9540,7 +9557,7 @@
                 <a:latin typeface="Times New Roman" pitchFamily="18" charset="0"/>
                 <a:cs typeface="Times New Roman" pitchFamily="18" charset="0"/>
               </a:rPr>
-              <a:t>The user data will be stored in a database</a:t>
+              <a:t>User data management module</a:t>
             </a:r>
           </a:p>
           <a:p>
@@ -9549,8 +9566,53 @@
                 <a:latin typeface="Times New Roman" pitchFamily="18" charset="0"/>
                 <a:cs typeface="Times New Roman" pitchFamily="18" charset="0"/>
               </a:rPr>
-              <a:t>The module will receive and authenticate user logins</a:t>
-            </a:r>
+              <a:t>Inventory module</a:t>
+            </a:r>
+          </a:p>
+          <a:p>
+            <a:r>
+              <a:rPr lang="en-IN" dirty="0">
+                <a:latin typeface="Times New Roman" pitchFamily="18" charset="0"/>
+                <a:cs typeface="Times New Roman" pitchFamily="18" charset="0"/>
+              </a:rPr>
+              <a:t>Product info module</a:t>
+            </a:r>
+          </a:p>
+          <a:p>
+            <a:r>
+              <a:rPr lang="en-IN" dirty="0">
+                <a:latin typeface="Times New Roman" pitchFamily="18" charset="0"/>
+                <a:cs typeface="Times New Roman" pitchFamily="18" charset="0"/>
+              </a:rPr>
+              <a:t>Payment processing module</a:t>
+            </a:r>
+          </a:p>
+          <a:p>
+            <a:r>
+              <a:rPr lang="en-IN" dirty="0">
+                <a:latin typeface="Times New Roman" pitchFamily="18" charset="0"/>
+                <a:cs typeface="Times New Roman" pitchFamily="18" charset="0"/>
+              </a:rPr>
+              <a:t>Order management module</a:t>
+            </a:r>
+          </a:p>
+          <a:p>
+            <a:endParaRPr lang="en-IN" dirty="0">
+              <a:latin typeface="Times New Roman" pitchFamily="18" charset="0"/>
+              <a:cs typeface="Times New Roman" pitchFamily="18" charset="0"/>
+            </a:endParaRPr>
+          </a:p>
+          <a:p>
+            <a:endParaRPr lang="en-IN" dirty="0">
+              <a:latin typeface="Times New Roman" pitchFamily="18" charset="0"/>
+              <a:cs typeface="Times New Roman" pitchFamily="18" charset="0"/>
+            </a:endParaRPr>
+          </a:p>
+          <a:p>
+            <a:endParaRPr lang="en-IN" dirty="0">
+              <a:latin typeface="Times New Roman" pitchFamily="18" charset="0"/>
+              <a:cs typeface="Times New Roman" pitchFamily="18" charset="0"/>
+            </a:endParaRPr>
           </a:p>
         </p:txBody>
       </p:sp>
@@ -9627,7 +9689,7 @@
                 <a:latin typeface="Calibri" pitchFamily="34" charset="0"/>
                 <a:cs typeface="Arial" pitchFamily="34" charset="0"/>
               </a:rPr>
-              <a:t>User data management module</a:t>
+              <a:t>User account/ login module</a:t>
             </a:r>
           </a:p>
         </p:txBody>
@@ -9652,7 +9714,7 @@
                 <a:latin typeface="Times New Roman" pitchFamily="18" charset="0"/>
                 <a:cs typeface="Times New Roman" pitchFamily="18" charset="0"/>
               </a:rPr>
-              <a:t>The information regarding user’s contact, address, order details, and other information will be organized by this module.</a:t>
+              <a:t>This module will handle user login and account sign up.</a:t>
             </a:r>
           </a:p>
           <a:p>
@@ -9661,14 +9723,17 @@
                 <a:latin typeface="Times New Roman" pitchFamily="18" charset="0"/>
                 <a:cs typeface="Times New Roman" pitchFamily="18" charset="0"/>
               </a:rPr>
-              <a:t>The module will pull information from the stored data upon request </a:t>
-            </a:r>
-          </a:p>
-          <a:p>
-            <a:endParaRPr lang="en-IN" dirty="0">
-              <a:latin typeface="Times New Roman" pitchFamily="18" charset="0"/>
-              <a:cs typeface="Times New Roman" pitchFamily="18" charset="0"/>
-            </a:endParaRPr>
+              <a:t>The user data will be stored in a database</a:t>
+            </a:r>
+          </a:p>
+          <a:p>
+            <a:r>
+              <a:rPr lang="en-IN" dirty="0">
+                <a:latin typeface="Times New Roman" pitchFamily="18" charset="0"/>
+                <a:cs typeface="Times New Roman" pitchFamily="18" charset="0"/>
+              </a:rPr>
+              <a:t>The module will receive and authenticate user logins</a:t>
+            </a:r>
           </a:p>
         </p:txBody>
       </p:sp>
@@ -9697,11 +9762,6 @@
         </p:txBody>
       </p:sp>
     </p:spTree>
-    <p:extLst>
-      <p:ext uri="{BB962C8B-B14F-4D97-AF65-F5344CB8AC3E}">
-        <p14:creationId xmlns:p14="http://schemas.microsoft.com/office/powerpoint/2010/main" val="2374788507"/>
-      </p:ext>
-    </p:extLst>
   </p:cSld>
   <p:clrMapOvr>
     <a:masterClrMapping/>
@@ -9750,7 +9810,7 @@
                 <a:latin typeface="Calibri" pitchFamily="34" charset="0"/>
                 <a:cs typeface="Arial" pitchFamily="34" charset="0"/>
               </a:rPr>
-              <a:t>Inventory module</a:t>
+              <a:t>User data management module</a:t>
             </a:r>
           </a:p>
         </p:txBody>
@@ -9775,7 +9835,7 @@
                 <a:latin typeface="Times New Roman" pitchFamily="18" charset="0"/>
                 <a:cs typeface="Times New Roman" pitchFamily="18" charset="0"/>
               </a:rPr>
-              <a:t>Inventory module will process the inventory stocking data.</a:t>
+              <a:t>The information regarding user’s contact, address, order details, and other information will be organized by this module.</a:t>
             </a:r>
           </a:p>
           <a:p>
@@ -9784,7 +9844,7 @@
                 <a:latin typeface="Times New Roman" pitchFamily="18" charset="0"/>
                 <a:cs typeface="Times New Roman" pitchFamily="18" charset="0"/>
               </a:rPr>
-              <a:t>It will responsible for maintaining the inventory details</a:t>
+              <a:t>The module will pull information from the stored data upon request </a:t>
             </a:r>
           </a:p>
           <a:p>
@@ -9822,7 +9882,7 @@
     </p:spTree>
     <p:extLst>
       <p:ext uri="{BB962C8B-B14F-4D97-AF65-F5344CB8AC3E}">
-        <p14:creationId xmlns:p14="http://schemas.microsoft.com/office/powerpoint/2010/main" val="1420427835"/>
+        <p14:creationId xmlns:p14="http://schemas.microsoft.com/office/powerpoint/2010/main" val="2374788507"/>
       </p:ext>
     </p:extLst>
   </p:cSld>
@@ -9873,7 +9933,7 @@
                 <a:latin typeface="Calibri" pitchFamily="34" charset="0"/>
                 <a:cs typeface="Arial" pitchFamily="34" charset="0"/>
               </a:rPr>
-              <a:t>Payment module</a:t>
+              <a:t>Inventory module</a:t>
             </a:r>
           </a:p>
         </p:txBody>
@@ -9898,7 +9958,7 @@
                 <a:latin typeface="Times New Roman" pitchFamily="18" charset="0"/>
                 <a:cs typeface="Times New Roman" pitchFamily="18" charset="0"/>
               </a:rPr>
-              <a:t>This will handle the order placement and payment confirmation process</a:t>
+              <a:t>Inventory module will process the inventory stocking data.</a:t>
             </a:r>
           </a:p>
           <a:p>
@@ -9907,8 +9967,14 @@
                 <a:latin typeface="Times New Roman" pitchFamily="18" charset="0"/>
                 <a:cs typeface="Times New Roman" pitchFamily="18" charset="0"/>
               </a:rPr>
-              <a:t>It will link an order to a customer’s account</a:t>
-            </a:r>
+              <a:t>It will responsible for maintaining the inventory details</a:t>
+            </a:r>
+          </a:p>
+          <a:p>
+            <a:endParaRPr lang="en-IN" dirty="0">
+              <a:latin typeface="Times New Roman" pitchFamily="18" charset="0"/>
+              <a:cs typeface="Times New Roman" pitchFamily="18" charset="0"/>
+            </a:endParaRPr>
           </a:p>
         </p:txBody>
       </p:sp>
@@ -9939,7 +10005,7 @@
     </p:spTree>
     <p:extLst>
       <p:ext uri="{BB962C8B-B14F-4D97-AF65-F5344CB8AC3E}">
-        <p14:creationId xmlns:p14="http://schemas.microsoft.com/office/powerpoint/2010/main" val="2982415876"/>
+        <p14:creationId xmlns:p14="http://schemas.microsoft.com/office/powerpoint/2010/main" val="1420427835"/>
       </p:ext>
     </p:extLst>
   </p:cSld>
@@ -9990,7 +10056,7 @@
                 <a:latin typeface="Calibri" pitchFamily="34" charset="0"/>
                 <a:cs typeface="Arial" pitchFamily="34" charset="0"/>
               </a:rPr>
-              <a:t>Order management module</a:t>
+              <a:t>Payment module</a:t>
             </a:r>
           </a:p>
         </p:txBody>
@@ -10015,14 +10081,17 @@
                 <a:latin typeface="Times New Roman" pitchFamily="18" charset="0"/>
                 <a:cs typeface="Times New Roman" pitchFamily="18" charset="0"/>
               </a:rPr>
-              <a:t>This module will be responsible for handling order tracking, cancellation, and other issues</a:t>
-            </a:r>
-          </a:p>
-          <a:p>
-            <a:endParaRPr lang="en-IN" dirty="0">
-              <a:latin typeface="Times New Roman" pitchFamily="18" charset="0"/>
-              <a:cs typeface="Times New Roman" pitchFamily="18" charset="0"/>
-            </a:endParaRPr>
+              <a:t>This will handle the order placement and payment confirmation process</a:t>
+            </a:r>
+          </a:p>
+          <a:p>
+            <a:r>
+              <a:rPr lang="en-IN" dirty="0">
+                <a:latin typeface="Times New Roman" pitchFamily="18" charset="0"/>
+                <a:cs typeface="Times New Roman" pitchFamily="18" charset="0"/>
+              </a:rPr>
+              <a:t>It will link an order to a customer’s account</a:t>
+            </a:r>
           </a:p>
         </p:txBody>
       </p:sp>
@@ -10053,7 +10122,7 @@
     </p:spTree>
     <p:extLst>
       <p:ext uri="{BB962C8B-B14F-4D97-AF65-F5344CB8AC3E}">
-        <p14:creationId xmlns:p14="http://schemas.microsoft.com/office/powerpoint/2010/main" val="1798096664"/>
+        <p14:creationId xmlns:p14="http://schemas.microsoft.com/office/powerpoint/2010/main" val="2982415876"/>
       </p:ext>
     </p:extLst>
   </p:cSld>
@@ -10104,7 +10173,7 @@
                 <a:latin typeface="Calibri" pitchFamily="34" charset="0"/>
                 <a:cs typeface="Arial" pitchFamily="34" charset="0"/>
               </a:rPr>
-              <a:t>Front-End Code (font-32)</a:t>
+              <a:t>Order management module</a:t>
             </a:r>
           </a:p>
         </p:txBody>
@@ -10123,6 +10192,15 @@
         <p:txBody>
           <a:bodyPr/>
           <a:lstStyle/>
+          <a:p>
+            <a:r>
+              <a:rPr lang="en-IN" dirty="0">
+                <a:latin typeface="Times New Roman" pitchFamily="18" charset="0"/>
+                <a:cs typeface="Times New Roman" pitchFamily="18" charset="0"/>
+              </a:rPr>
+              <a:t>This module will be responsible for handling order tracking, cancellation, and other issues</a:t>
+            </a:r>
+          </a:p>
           <a:p>
             <a:endParaRPr lang="en-IN" dirty="0">
               <a:latin typeface="Times New Roman" pitchFamily="18" charset="0"/>
@@ -10156,6 +10234,11 @@
         </p:txBody>
       </p:sp>
     </p:spTree>
+    <p:extLst>
+      <p:ext uri="{BB962C8B-B14F-4D97-AF65-F5344CB8AC3E}">
+        <p14:creationId xmlns:p14="http://schemas.microsoft.com/office/powerpoint/2010/main" val="1798096664"/>
+      </p:ext>
+    </p:extLst>
   </p:cSld>
   <p:clrMapOvr>
     <a:masterClrMapping/>
@@ -10204,7 +10287,7 @@
                 <a:latin typeface="Calibri" pitchFamily="34" charset="0"/>
                 <a:cs typeface="Arial" pitchFamily="34" charset="0"/>
               </a:rPr>
-              <a:t>Front-End Code (font-32)</a:t>
+              <a:t>Front-End Code </a:t>
             </a:r>
           </a:p>
         </p:txBody>
@@ -10304,7 +10387,7 @@
                 <a:latin typeface="Calibri" pitchFamily="34" charset="0"/>
                 <a:cs typeface="Arial" pitchFamily="34" charset="0"/>
               </a:rPr>
-              <a:t>Backend/Database Code (font-32)</a:t>
+              <a:t>Front-End Code </a:t>
             </a:r>
           </a:p>
         </p:txBody>
@@ -10404,7 +10487,7 @@
                 <a:latin typeface="Calibri" pitchFamily="34" charset="0"/>
                 <a:cs typeface="Arial" pitchFamily="34" charset="0"/>
               </a:rPr>
-              <a:t>Backend/Database Code (font-32)</a:t>
+              <a:t>Backend/Database Code </a:t>
             </a:r>
           </a:p>
         </p:txBody>
@@ -10504,7 +10587,7 @@
                 <a:latin typeface="Calibri" pitchFamily="34" charset="0"/>
                 <a:cs typeface="Arial" pitchFamily="34" charset="0"/>
               </a:rPr>
-              <a:t>Output/Screen Shots(font-32)</a:t>
+              <a:t>Backend/Database Code</a:t>
             </a:r>
           </a:p>
         </p:txBody>
@@ -10524,13 +10607,10 @@
           <a:bodyPr/>
           <a:lstStyle/>
           <a:p>
-            <a:r>
-              <a:rPr lang="en-IN" dirty="0">
-                <a:latin typeface="Times New Roman" pitchFamily="18" charset="0"/>
-                <a:cs typeface="Times New Roman" pitchFamily="18" charset="0"/>
-              </a:rPr>
-              <a:t>Both front end and backend</a:t>
-            </a:r>
+            <a:endParaRPr lang="en-IN" dirty="0">
+              <a:latin typeface="Times New Roman" pitchFamily="18" charset="0"/>
+              <a:cs typeface="Times New Roman" pitchFamily="18" charset="0"/>
+            </a:endParaRPr>
           </a:p>
         </p:txBody>
       </p:sp>
@@ -10730,7 +10810,7 @@
                 <a:latin typeface="Calibri" pitchFamily="34" charset="0"/>
                 <a:cs typeface="Arial" pitchFamily="34" charset="0"/>
               </a:rPr>
-              <a:t>Output/Screen Shots(font-32)</a:t>
+              <a:t>Output/Screen Shots</a:t>
             </a:r>
           </a:p>
         </p:txBody>
@@ -10750,10 +10830,13 @@
           <a:bodyPr/>
           <a:lstStyle/>
           <a:p>
-            <a:endParaRPr lang="en-IN" dirty="0">
-              <a:latin typeface="Times New Roman" pitchFamily="18" charset="0"/>
-              <a:cs typeface="Times New Roman" pitchFamily="18" charset="0"/>
-            </a:endParaRPr>
+            <a:r>
+              <a:rPr lang="en-IN" dirty="0">
+                <a:latin typeface="Times New Roman" pitchFamily="18" charset="0"/>
+                <a:cs typeface="Times New Roman" pitchFamily="18" charset="0"/>
+              </a:rPr>
+              <a:t>Both front end and backend</a:t>
+            </a:r>
           </a:p>
         </p:txBody>
       </p:sp>
@@ -10830,7 +10913,7 @@
                 <a:latin typeface="Calibri" pitchFamily="34" charset="0"/>
                 <a:cs typeface="Arial" pitchFamily="34" charset="0"/>
               </a:rPr>
-              <a:t>Conclusion(font-32)</a:t>
+              <a:t>Output/Screen Shots</a:t>
             </a:r>
           </a:p>
         </p:txBody>
@@ -10850,13 +10933,10 @@
           <a:bodyPr/>
           <a:lstStyle/>
           <a:p>
-            <a:r>
-              <a:rPr lang="en-IN" dirty="0">
-                <a:latin typeface="Times New Roman" pitchFamily="18" charset="0"/>
-                <a:cs typeface="Times New Roman" pitchFamily="18" charset="0"/>
-              </a:rPr>
-              <a:t>Summary (font-24)</a:t>
-            </a:r>
+            <a:endParaRPr lang="en-IN" dirty="0">
+              <a:latin typeface="Times New Roman" pitchFamily="18" charset="0"/>
+              <a:cs typeface="Times New Roman" pitchFamily="18" charset="0"/>
+            </a:endParaRPr>
           </a:p>
         </p:txBody>
       </p:sp>
@@ -10893,6 +10973,109 @@
 </file>
 
 <file path=ppt/slides/slide22.xml><?xml version="1.0" encoding="utf-8"?>
+<p:sld xmlns:a="http://schemas.openxmlformats.org/drawingml/2006/main" xmlns:r="http://schemas.openxmlformats.org/officeDocument/2006/relationships" xmlns:p="http://schemas.openxmlformats.org/presentationml/2006/main">
+  <p:cSld>
+    <p:spTree>
+      <p:nvGrpSpPr>
+        <p:cNvPr id="1" name=""/>
+        <p:cNvGrpSpPr/>
+        <p:nvPr/>
+      </p:nvGrpSpPr>
+      <p:grpSpPr>
+        <a:xfrm>
+          <a:off x="0" y="0"/>
+          <a:ext cx="0" cy="0"/>
+          <a:chOff x="0" y="0"/>
+          <a:chExt cx="0" cy="0"/>
+        </a:xfrm>
+      </p:grpSpPr>
+      <p:sp>
+        <p:nvSpPr>
+          <p:cNvPr id="2" name="Title 1"/>
+          <p:cNvSpPr>
+            <a:spLocks noGrp="1"/>
+          </p:cNvSpPr>
+          <p:nvPr>
+            <p:ph type="title"/>
+          </p:nvPr>
+        </p:nvSpPr>
+        <p:spPr/>
+        <p:txBody>
+          <a:bodyPr/>
+          <a:lstStyle/>
+          <a:p>
+            <a:pPr algn="ctr"/>
+            <a:r>
+              <a:rPr lang="en-IN" dirty="0">
+                <a:solidFill>
+                  <a:schemeClr val="tx1"/>
+                </a:solidFill>
+                <a:latin typeface="Calibri" pitchFamily="34" charset="0"/>
+                <a:cs typeface="Arial" pitchFamily="34" charset="0"/>
+              </a:rPr>
+              <a:t>Conclusion</a:t>
+            </a:r>
+          </a:p>
+        </p:txBody>
+      </p:sp>
+      <p:sp>
+        <p:nvSpPr>
+          <p:cNvPr id="3" name="Content Placeholder 2"/>
+          <p:cNvSpPr>
+            <a:spLocks noGrp="1"/>
+          </p:cNvSpPr>
+          <p:nvPr>
+            <p:ph sz="quarter" idx="1"/>
+          </p:nvPr>
+        </p:nvSpPr>
+        <p:spPr/>
+        <p:txBody>
+          <a:bodyPr/>
+          <a:lstStyle/>
+          <a:p>
+            <a:r>
+              <a:rPr lang="en-IN" dirty="0">
+                <a:latin typeface="Times New Roman" pitchFamily="18" charset="0"/>
+                <a:cs typeface="Times New Roman" pitchFamily="18" charset="0"/>
+              </a:rPr>
+              <a:t>Summary (font-24)</a:t>
+            </a:r>
+          </a:p>
+        </p:txBody>
+      </p:sp>
+      <p:sp>
+        <p:nvSpPr>
+          <p:cNvPr id="4" name="Slide Number Placeholder 3"/>
+          <p:cNvSpPr>
+            <a:spLocks noGrp="1"/>
+          </p:cNvSpPr>
+          <p:nvPr>
+            <p:ph type="sldNum" sz="quarter" idx="12"/>
+          </p:nvPr>
+        </p:nvSpPr>
+        <p:spPr/>
+        <p:txBody>
+          <a:bodyPr/>
+          <a:lstStyle/>
+          <a:p>
+            <a:fld id="{EA7C8D44-3667-46F6-9772-CC52308E2A7F}" type="slidenum">
+              <a:rPr kumimoji="0" lang="en-US" smtClean="0"/>
+              <a:pPr/>
+              <a:t>22</a:t>
+            </a:fld>
+            <a:endParaRPr kumimoji="0" lang="en-US" dirty="0"/>
+          </a:p>
+        </p:txBody>
+      </p:sp>
+    </p:spTree>
+  </p:cSld>
+  <p:clrMapOvr>
+    <a:masterClrMapping/>
+  </p:clrMapOvr>
+</p:sld>
+</file>
+
+<file path=ppt/slides/slide23.xml><?xml version="1.0" encoding="utf-8"?>
 <p:sld xmlns:a="http://schemas.openxmlformats.org/drawingml/2006/main" xmlns:r="http://schemas.openxmlformats.org/officeDocument/2006/relationships" xmlns:p="http://schemas.openxmlformats.org/presentationml/2006/main">
   <p:cSld>
     <p:spTree>
@@ -11003,7 +11186,7 @@
             <a:fld id="{EA7C8D44-3667-46F6-9772-CC52308E2A7F}" type="slidenum">
               <a:rPr kumimoji="0" lang="en-US" smtClean="0"/>
               <a:pPr/>
-              <a:t>22</a:t>
+              <a:t>23</a:t>
             </a:fld>
             <a:endParaRPr kumimoji="0" lang="en-US" dirty="0"/>
           </a:p>
@@ -11017,7 +11200,7 @@
 </p:sld>
 </file>
 
-<file path=ppt/slides/slide23.xml><?xml version="1.0" encoding="utf-8"?>
+<file path=ppt/slides/slide24.xml><?xml version="1.0" encoding="utf-8"?>
 <p:sld xmlns:a="http://schemas.openxmlformats.org/drawingml/2006/main" xmlns:r="http://schemas.openxmlformats.org/officeDocument/2006/relationships" xmlns:p="http://schemas.openxmlformats.org/presentationml/2006/main">
   <p:cSld>
     <p:spTree>
@@ -11128,7 +11311,7 @@
             <a:fld id="{EA7C8D44-3667-46F6-9772-CC52308E2A7F}" type="slidenum">
               <a:rPr kumimoji="0" lang="en-US" smtClean="0"/>
               <a:pPr/>
-              <a:t>23</a:t>
+              <a:t>24</a:t>
             </a:fld>
             <a:endParaRPr kumimoji="0" lang="en-US" dirty="0"/>
           </a:p>
@@ -11183,7 +11366,7 @@
                 <a:latin typeface="Calibri" pitchFamily="34" charset="0"/>
                 <a:cs typeface="Arial" pitchFamily="34" charset="0"/>
               </a:rPr>
-              <a:t>Abstract(font-32)</a:t>
+              <a:t>Abstract</a:t>
             </a:r>
           </a:p>
         </p:txBody>
@@ -11203,6 +11386,29 @@
           <a:bodyPr/>
           <a:lstStyle/>
           <a:p>
+            <a:r>
+              <a:rPr lang="en-US" dirty="0">
+                <a:latin typeface="Times New Roman" pitchFamily="18" charset="0"/>
+                <a:cs typeface="Times New Roman" pitchFamily="18" charset="0"/>
+              </a:rPr>
+              <a:t>This is an informative site, to educate the users regarding climate change and eco-friendly practices.</a:t>
+            </a:r>
+          </a:p>
+          <a:p>
+            <a:r>
+              <a:rPr lang="en-US" dirty="0">
+                <a:latin typeface="Times New Roman" pitchFamily="18" charset="0"/>
+                <a:cs typeface="Times New Roman" pitchFamily="18" charset="0"/>
+              </a:rPr>
+              <a:t>It also offers the users alternative products they can </a:t>
+            </a:r>
+            <a:r>
+              <a:rPr lang="en-US">
+                <a:latin typeface="Times New Roman" pitchFamily="18" charset="0"/>
+                <a:cs typeface="Times New Roman" pitchFamily="18" charset="0"/>
+              </a:rPr>
+              <a:t>buy from the site.</a:t>
+            </a:r>
             <a:endParaRPr lang="en-IN" dirty="0">
               <a:latin typeface="Times New Roman" pitchFamily="18" charset="0"/>
               <a:cs typeface="Times New Roman" pitchFamily="18" charset="0"/>
@@ -11261,7 +11467,13 @@
       </p:grpSpPr>
       <p:sp>
         <p:nvSpPr>
-          <p:cNvPr id="2" name="Title 1"/>
+          <p:cNvPr id="2" name="Title 1">
+            <a:extLst>
+              <a:ext uri="{FF2B5EF4-FFF2-40B4-BE49-F238E27FC236}">
+                <a16:creationId xmlns:a16="http://schemas.microsoft.com/office/drawing/2014/main" id="{AF3E124A-FEC3-409D-A12C-A3420F632FFE}"/>
+              </a:ext>
+            </a:extLst>
+          </p:cNvPr>
           <p:cNvSpPr>
             <a:spLocks noGrp="1"/>
           </p:cNvSpPr>
@@ -11276,81 +11488,22 @@
           <a:p>
             <a:pPr algn="ctr"/>
             <a:r>
-              <a:rPr lang="en-IN" dirty="0">
-                <a:solidFill>
-                  <a:schemeClr val="tx1"/>
-                </a:solidFill>
-                <a:latin typeface="Calibri" pitchFamily="34" charset="0"/>
-                <a:cs typeface="Arial" pitchFamily="34" charset="0"/>
-              </a:rPr>
-              <a:t>Introduction</a:t>
-            </a:r>
-          </a:p>
-        </p:txBody>
-      </p:sp>
-      <p:sp>
-        <p:nvSpPr>
-          <p:cNvPr id="3" name="Content Placeholder 2"/>
-          <p:cNvSpPr>
-            <a:spLocks noGrp="1"/>
-          </p:cNvSpPr>
-          <p:nvPr>
-            <p:ph sz="quarter" idx="1"/>
-          </p:nvPr>
-        </p:nvSpPr>
-        <p:spPr/>
-        <p:txBody>
-          <a:bodyPr>
-            <a:normAutofit lnSpcReduction="10000"/>
-          </a:bodyPr>
-          <a:lstStyle/>
-          <a:p>
-            <a:r>
-              <a:rPr lang="en-IN" dirty="0">
-                <a:latin typeface="Times New Roman" pitchFamily="18" charset="0"/>
-                <a:cs typeface="Times New Roman" pitchFamily="18" charset="0"/>
-              </a:rPr>
-              <a:t>This is an information/awareness creating site about the Global Warming and Climatic changes around us. This mainly focuses on how we exploit our surroundings and are indirectly and directly responsible for our own ends.</a:t>
-            </a:r>
-          </a:p>
-          <a:p>
-            <a:r>
-              <a:rPr lang="en-IN" dirty="0">
-                <a:latin typeface="Times New Roman" pitchFamily="18" charset="0"/>
-                <a:cs typeface="Times New Roman" pitchFamily="18" charset="0"/>
-              </a:rPr>
-              <a:t>Here we discuss about the various reasons and as well as the ways in which we can try to protect our environment by following simple methods such as using eco friendly objects and following other such practices.</a:t>
-            </a:r>
-          </a:p>
-          <a:p>
-            <a:r>
-              <a:rPr lang="en-IN" dirty="0">
-                <a:latin typeface="Times New Roman" pitchFamily="18" charset="0"/>
-                <a:cs typeface="Times New Roman" pitchFamily="18" charset="0"/>
-              </a:rPr>
-              <a:t>Thus, we also sell eco friendly products like jute bags, re-usable products, products obtained by recycling, etc.</a:t>
-            </a:r>
-          </a:p>
-          <a:p>
-            <a:r>
-              <a:rPr lang="en-IN">
-                <a:latin typeface="Times New Roman" pitchFamily="18" charset="0"/>
-                <a:cs typeface="Times New Roman" pitchFamily="18" charset="0"/>
-              </a:rPr>
-              <a:t>With this site, we try to make this place a better place to live.</a:t>
-            </a:r>
-          </a:p>
-          <a:p>
-            <a:endParaRPr lang="en-IN" dirty="0">
-              <a:latin typeface="Times New Roman" pitchFamily="18" charset="0"/>
-              <a:cs typeface="Times New Roman" pitchFamily="18" charset="0"/>
-            </a:endParaRPr>
-          </a:p>
-        </p:txBody>
-      </p:sp>
-      <p:sp>
-        <p:nvSpPr>
-          <p:cNvPr id="4" name="Slide Number Placeholder 3"/>
+              <a:rPr lang="en-US" dirty="0"/>
+              <a:t>Literary survey</a:t>
+            </a:r>
+            <a:endParaRPr lang="en-IN" dirty="0"/>
+          </a:p>
+        </p:txBody>
+      </p:sp>
+      <p:sp>
+        <p:nvSpPr>
+          <p:cNvPr id="3" name="Slide Number Placeholder 2">
+            <a:extLst>
+              <a:ext uri="{FF2B5EF4-FFF2-40B4-BE49-F238E27FC236}">
+                <a16:creationId xmlns:a16="http://schemas.microsoft.com/office/drawing/2014/main" id="{770979CB-40FD-4B95-AC8F-F55CADAB60FC}"/>
+              </a:ext>
+            </a:extLst>
+          </p:cNvPr>
           <p:cNvSpPr>
             <a:spLocks noGrp="1"/>
           </p:cNvSpPr>
@@ -11372,7 +11525,47 @@
           </a:p>
         </p:txBody>
       </p:sp>
+      <p:sp>
+        <p:nvSpPr>
+          <p:cNvPr id="4" name="Content Placeholder 3">
+            <a:extLst>
+              <a:ext uri="{FF2B5EF4-FFF2-40B4-BE49-F238E27FC236}">
+                <a16:creationId xmlns:a16="http://schemas.microsoft.com/office/drawing/2014/main" id="{0682C14A-171F-47EC-9E96-8384F9C5F28C}"/>
+              </a:ext>
+            </a:extLst>
+          </p:cNvPr>
+          <p:cNvSpPr>
+            <a:spLocks noGrp="1"/>
+          </p:cNvSpPr>
+          <p:nvPr>
+            <p:ph sz="quarter" idx="1"/>
+          </p:nvPr>
+        </p:nvSpPr>
+        <p:spPr/>
+        <p:txBody>
+          <a:bodyPr/>
+          <a:lstStyle/>
+          <a:p>
+            <a:r>
+              <a:rPr lang="en-US" dirty="0"/>
+              <a:t>Nrdc.org</a:t>
+            </a:r>
+          </a:p>
+          <a:p>
+            <a:r>
+              <a:rPr lang="en-US" dirty="0"/>
+              <a:t>Joboneforhumanity.org</a:t>
+            </a:r>
+            <a:endParaRPr lang="en-IN" dirty="0"/>
+          </a:p>
+        </p:txBody>
+      </p:sp>
     </p:spTree>
+    <p:extLst>
+      <p:ext uri="{BB962C8B-B14F-4D97-AF65-F5344CB8AC3E}">
+        <p14:creationId xmlns:p14="http://schemas.microsoft.com/office/powerpoint/2010/main" val="2679113072"/>
+      </p:ext>
+    </p:extLst>
   </p:cSld>
   <p:clrMapOvr>
     <a:masterClrMapping/>
@@ -11421,7 +11614,7 @@
                 <a:latin typeface="Calibri" pitchFamily="34" charset="0"/>
                 <a:cs typeface="Arial" pitchFamily="34" charset="0"/>
               </a:rPr>
-              <a:t>Existing System(font-32)</a:t>
+              <a:t>Introduction</a:t>
             </a:r>
           </a:p>
         </p:txBody>
@@ -11438,7 +11631,9 @@
         </p:nvSpPr>
         <p:spPr/>
         <p:txBody>
-          <a:bodyPr/>
+          <a:bodyPr>
+            <a:normAutofit lnSpcReduction="10000"/>
+          </a:bodyPr>
           <a:lstStyle/>
           <a:p>
             <a:r>
@@ -11446,8 +11641,58 @@
                 <a:latin typeface="Times New Roman" pitchFamily="18" charset="0"/>
                 <a:cs typeface="Times New Roman" pitchFamily="18" charset="0"/>
               </a:rPr>
-              <a:t>Summary (font-24)</a:t>
-            </a:r>
+              <a:t>This is an information/awareness creating site about the Global Warming and Climatic changes around us. This mainly focuses on how we exploit our surroundings and are indirectly and directly responsible for our own ends.</a:t>
+            </a:r>
+          </a:p>
+          <a:p>
+            <a:r>
+              <a:rPr lang="en-IN" dirty="0">
+                <a:latin typeface="Times New Roman" pitchFamily="18" charset="0"/>
+                <a:cs typeface="Times New Roman" pitchFamily="18" charset="0"/>
+              </a:rPr>
+              <a:t>Here we discuss about the various reasons and as well as the ways in which we can try to protect our environment by following simple methods such as using eco friendly objects and following other such practices.</a:t>
+            </a:r>
+          </a:p>
+          <a:p>
+            <a:r>
+              <a:rPr lang="en-IN" dirty="0">
+                <a:latin typeface="Times New Roman" pitchFamily="18" charset="0"/>
+                <a:cs typeface="Times New Roman" pitchFamily="18" charset="0"/>
+              </a:rPr>
+              <a:t>Thus, we also sell eco friendly products like jute bags, re-usable products, products obtained by recycling, etc.</a:t>
+            </a:r>
+          </a:p>
+          <a:p>
+            <a:r>
+              <a:rPr lang="en-IN" dirty="0">
+                <a:latin typeface="Times New Roman" pitchFamily="18" charset="0"/>
+                <a:cs typeface="Times New Roman" pitchFamily="18" charset="0"/>
+              </a:rPr>
+              <a:t>With this site, we try to make this place a </a:t>
+            </a:r>
+            <a:r>
+              <a:rPr lang="en-IN">
+                <a:latin typeface="Times New Roman" pitchFamily="18" charset="0"/>
+                <a:cs typeface="Times New Roman" pitchFamily="18" charset="0"/>
+              </a:rPr>
+              <a:t>better place to live.</a:t>
+            </a:r>
+            <a:endParaRPr lang="en-IN" dirty="0">
+              <a:latin typeface="Times New Roman" pitchFamily="18" charset="0"/>
+              <a:cs typeface="Times New Roman" pitchFamily="18" charset="0"/>
+            </a:endParaRPr>
+          </a:p>
+          <a:p>
+            <a:endParaRPr lang="en-IN" dirty="0">
+              <a:latin typeface="Times New Roman" pitchFamily="18" charset="0"/>
+              <a:cs typeface="Times New Roman" pitchFamily="18" charset="0"/>
+            </a:endParaRPr>
+          </a:p>
+          <a:p>
+            <a:endParaRPr lang="en-IN" dirty="0">
+              <a:latin typeface="Times New Roman" pitchFamily="18" charset="0"/>
+              <a:cs typeface="Times New Roman" pitchFamily="18" charset="0"/>
+            </a:endParaRPr>
           </a:p>
         </p:txBody>
       </p:sp>
@@ -11524,7 +11769,7 @@
                 <a:latin typeface="Calibri" pitchFamily="34" charset="0"/>
                 <a:cs typeface="Arial" pitchFamily="34" charset="0"/>
               </a:rPr>
-              <a:t>Proposed System</a:t>
+              <a:t>Existing System</a:t>
             </a:r>
           </a:p>
         </p:txBody>
@@ -11549,48 +11794,16 @@
                 <a:latin typeface="Times New Roman" pitchFamily="18" charset="0"/>
                 <a:cs typeface="Times New Roman" pitchFamily="18" charset="0"/>
               </a:rPr>
-              <a:t>CSS and </a:t>
-            </a:r>
-            <a:r>
-              <a:rPr lang="en-IN" dirty="0" err="1">
-                <a:latin typeface="Times New Roman" pitchFamily="18" charset="0"/>
-                <a:cs typeface="Times New Roman" pitchFamily="18" charset="0"/>
-              </a:rPr>
-              <a:t>javascript</a:t>
-            </a:r>
+              <a:t>Many websites that champion eco friendly practices, hardly give users useful alternatives.</a:t>
+            </a:r>
+          </a:p>
+          <a:p>
             <a:r>
               <a:rPr lang="en-IN" dirty="0">
                 <a:latin typeface="Times New Roman" pitchFamily="18" charset="0"/>
                 <a:cs typeface="Times New Roman" pitchFamily="18" charset="0"/>
               </a:rPr>
-              <a:t> will be utilized to create attractive and informational visual elements</a:t>
-            </a:r>
-          </a:p>
-          <a:p>
-            <a:r>
-              <a:rPr lang="en-IN" dirty="0">
-                <a:latin typeface="Times New Roman" pitchFamily="18" charset="0"/>
-                <a:cs typeface="Times New Roman" pitchFamily="18" charset="0"/>
-              </a:rPr>
-              <a:t>Java scripting will be utilized to process frontend backend connectivity</a:t>
-            </a:r>
-          </a:p>
-          <a:p>
-            <a:r>
-              <a:rPr lang="en-IN" dirty="0">
-                <a:latin typeface="Times New Roman" pitchFamily="18" charset="0"/>
-                <a:cs typeface="Times New Roman" pitchFamily="18" charset="0"/>
-              </a:rPr>
-              <a:t>SQL will be used to maintain the databases required for the project </a:t>
-            </a:r>
-          </a:p>
-          <a:p>
-            <a:r>
-              <a:rPr lang="en-IN" dirty="0">
-                <a:latin typeface="Times New Roman" pitchFamily="18" charset="0"/>
-                <a:cs typeface="Times New Roman" pitchFamily="18" charset="0"/>
-              </a:rPr>
-              <a:t>The Frontend will be made with HTML and CSS </a:t>
+              <a:t>The onset of climate change is not portrayed effectively </a:t>
             </a:r>
           </a:p>
         </p:txBody>
@@ -11668,42 +11881,77 @@
                 <a:latin typeface="Calibri" pitchFamily="34" charset="0"/>
                 <a:cs typeface="Arial" pitchFamily="34" charset="0"/>
               </a:rPr>
-              <a:t>System Diagram/Flow Diagram(font-32)</a:t>
-            </a:r>
-          </a:p>
-        </p:txBody>
-      </p:sp>
-      <p:graphicFrame>
-        <p:nvGraphicFramePr>
-          <p:cNvPr id="5" name="Content Placeholder 4">
-            <a:extLst>
-              <a:ext uri="{FF2B5EF4-FFF2-40B4-BE49-F238E27FC236}">
-                <a16:creationId xmlns:a16="http://schemas.microsoft.com/office/drawing/2014/main" id="{2A86AB80-0778-43F8-AD5D-1C1FA34EB12F}"/>
-              </a:ext>
-            </a:extLst>
-          </p:cNvPr>
-          <p:cNvGraphicFramePr>
-            <a:graphicFrameLocks noGrp="1"/>
-          </p:cNvGraphicFramePr>
+              <a:t>Proposed System</a:t>
+            </a:r>
+          </a:p>
+        </p:txBody>
+      </p:sp>
+      <p:sp>
+        <p:nvSpPr>
+          <p:cNvPr id="3" name="Content Placeholder 2"/>
+          <p:cNvSpPr>
+            <a:spLocks noGrp="1"/>
+          </p:cNvSpPr>
           <p:nvPr>
             <p:ph sz="quarter" idx="1"/>
-            <p:extLst>
-              <p:ext uri="{D42A27DB-BD31-4B8C-83A1-F6EECF244321}">
-                <p14:modId xmlns:p14="http://schemas.microsoft.com/office/powerpoint/2010/main" val="3222394400"/>
-              </p:ext>
-            </p:extLst>
-          </p:nvPr>
-        </p:nvGraphicFramePr>
-        <p:xfrm>
-          <a:off x="457200" y="1219200"/>
-          <a:ext cx="8229600" cy="4937125"/>
-        </p:xfrm>
-        <a:graphic>
-          <a:graphicData uri="http://schemas.openxmlformats.org/drawingml/2006/diagram">
-            <dgm:relIds xmlns:dgm="http://schemas.openxmlformats.org/drawingml/2006/diagram" xmlns:r="http://schemas.openxmlformats.org/officeDocument/2006/relationships" r:dm="rId2" r:lo="rId3" r:qs="rId4" r:cs="rId5"/>
-          </a:graphicData>
-        </a:graphic>
-      </p:graphicFrame>
+          </p:nvPr>
+        </p:nvSpPr>
+        <p:spPr/>
+        <p:txBody>
+          <a:bodyPr/>
+          <a:lstStyle/>
+          <a:p>
+            <a:r>
+              <a:rPr lang="en-IN" dirty="0">
+                <a:latin typeface="Times New Roman" pitchFamily="18" charset="0"/>
+                <a:cs typeface="Times New Roman" pitchFamily="18" charset="0"/>
+              </a:rPr>
+              <a:t>CSS and </a:t>
+            </a:r>
+            <a:r>
+              <a:rPr lang="en-IN" dirty="0" err="1">
+                <a:latin typeface="Times New Roman" pitchFamily="18" charset="0"/>
+                <a:cs typeface="Times New Roman" pitchFamily="18" charset="0"/>
+              </a:rPr>
+              <a:t>javascript</a:t>
+            </a:r>
+            <a:r>
+              <a:rPr lang="en-IN" dirty="0">
+                <a:latin typeface="Times New Roman" pitchFamily="18" charset="0"/>
+                <a:cs typeface="Times New Roman" pitchFamily="18" charset="0"/>
+              </a:rPr>
+              <a:t> will be utilized to create infographics and visual elements </a:t>
+            </a:r>
+          </a:p>
+          <a:p>
+            <a:r>
+              <a:rPr lang="en-IN" dirty="0">
+                <a:latin typeface="Times New Roman" pitchFamily="18" charset="0"/>
+                <a:cs typeface="Times New Roman" pitchFamily="18" charset="0"/>
+              </a:rPr>
+              <a:t>Java scripting will be utilized to process frontend backend connectivity</a:t>
+            </a:r>
+          </a:p>
+          <a:p>
+            <a:r>
+              <a:rPr lang="en-IN" dirty="0">
+                <a:latin typeface="Times New Roman" pitchFamily="18" charset="0"/>
+                <a:cs typeface="Times New Roman" pitchFamily="18" charset="0"/>
+              </a:rPr>
+              <a:t>SQL will be used to maintain the databases required for the project </a:t>
+            </a:r>
+          </a:p>
+          <a:p>
+            <a:r>
+              <a:rPr lang="en-IN" dirty="0">
+                <a:latin typeface="Times New Roman" pitchFamily="18" charset="0"/>
+                <a:cs typeface="Times New Roman" pitchFamily="18" charset="0"/>
+              </a:rPr>
+              <a:t>The Frontend will be made with HTML and CSS </a:t>
+            </a:r>
+          </a:p>
+        </p:txBody>
+      </p:sp>
       <p:sp>
         <p:nvSpPr>
           <p:cNvPr id="4" name="Slide Number Placeholder 3"/>
@@ -11777,45 +12025,42 @@
                 <a:latin typeface="Calibri" pitchFamily="34" charset="0"/>
                 <a:cs typeface="Arial" pitchFamily="34" charset="0"/>
               </a:rPr>
-              <a:t>System Requirements(font-32)</a:t>
-            </a:r>
-          </a:p>
-        </p:txBody>
-      </p:sp>
-      <p:sp>
-        <p:nvSpPr>
-          <p:cNvPr id="3" name="Content Placeholder 2"/>
-          <p:cNvSpPr>
-            <a:spLocks noGrp="1"/>
-          </p:cNvSpPr>
+              <a:t>System Diagram/Flow Diagram</a:t>
+            </a:r>
+          </a:p>
+        </p:txBody>
+      </p:sp>
+      <p:graphicFrame>
+        <p:nvGraphicFramePr>
+          <p:cNvPr id="5" name="Content Placeholder 4">
+            <a:extLst>
+              <a:ext uri="{FF2B5EF4-FFF2-40B4-BE49-F238E27FC236}">
+                <a16:creationId xmlns:a16="http://schemas.microsoft.com/office/drawing/2014/main" id="{2A86AB80-0778-43F8-AD5D-1C1FA34EB12F}"/>
+              </a:ext>
+            </a:extLst>
+          </p:cNvPr>
+          <p:cNvGraphicFramePr>
+            <a:graphicFrameLocks noGrp="1"/>
+          </p:cNvGraphicFramePr>
           <p:nvPr>
             <p:ph sz="quarter" idx="1"/>
-          </p:nvPr>
-        </p:nvSpPr>
-        <p:spPr/>
-        <p:txBody>
-          <a:bodyPr/>
-          <a:lstStyle/>
-          <a:p>
-            <a:r>
-              <a:rPr lang="en-IN" dirty="0">
-                <a:latin typeface="Times New Roman" pitchFamily="18" charset="0"/>
-                <a:cs typeface="Times New Roman" pitchFamily="18" charset="0"/>
-              </a:rPr>
-              <a:t>Hardware (font-24)</a:t>
-            </a:r>
-          </a:p>
-          <a:p>
-            <a:r>
-              <a:rPr lang="en-IN" dirty="0">
-                <a:latin typeface="Times New Roman" pitchFamily="18" charset="0"/>
-                <a:cs typeface="Times New Roman" pitchFamily="18" charset="0"/>
-              </a:rPr>
-              <a:t>Software ,,</a:t>
-            </a:r>
-          </a:p>
-        </p:txBody>
-      </p:sp>
+            <p:extLst>
+              <p:ext uri="{D42A27DB-BD31-4B8C-83A1-F6EECF244321}">
+                <p14:modId xmlns:p14="http://schemas.microsoft.com/office/powerpoint/2010/main" val="3222394400"/>
+              </p:ext>
+            </p:extLst>
+          </p:nvPr>
+        </p:nvGraphicFramePr>
+        <p:xfrm>
+          <a:off x="457200" y="1219200"/>
+          <a:ext cx="8229600" cy="4937125"/>
+        </p:xfrm>
+        <a:graphic>
+          <a:graphicData uri="http://schemas.openxmlformats.org/drawingml/2006/diagram">
+            <dgm:relIds xmlns:dgm="http://schemas.openxmlformats.org/drawingml/2006/diagram" xmlns:r="http://schemas.openxmlformats.org/officeDocument/2006/relationships" r:dm="rId2" r:lo="rId3" r:qs="rId4" r:cs="rId5"/>
+          </a:graphicData>
+        </a:graphic>
+      </p:graphicFrame>
       <p:sp>
         <p:nvSpPr>
           <p:cNvPr id="4" name="Slide Number Placeholder 3"/>
@@ -11889,7 +12134,7 @@
                 <a:latin typeface="Calibri" pitchFamily="34" charset="0"/>
                 <a:cs typeface="Arial" pitchFamily="34" charset="0"/>
               </a:rPr>
-              <a:t>Modules </a:t>
+              <a:t>System Requirements</a:t>
             </a:r>
           </a:p>
         </p:txBody>
@@ -11914,7 +12159,7 @@
                 <a:latin typeface="Times New Roman" pitchFamily="18" charset="0"/>
                 <a:cs typeface="Times New Roman" pitchFamily="18" charset="0"/>
               </a:rPr>
-              <a:t>User account /login module</a:t>
+              <a:t>Hardware: Any system that can run a browser</a:t>
             </a:r>
           </a:p>
           <a:p>
@@ -11923,73 +12168,8 @@
                 <a:latin typeface="Times New Roman" pitchFamily="18" charset="0"/>
                 <a:cs typeface="Times New Roman" pitchFamily="18" charset="0"/>
               </a:rPr>
-              <a:t>User data management module</a:t>
-            </a:r>
-          </a:p>
-          <a:p>
-            <a:r>
-              <a:rPr lang="en-IN" dirty="0">
-                <a:latin typeface="Times New Roman" pitchFamily="18" charset="0"/>
-                <a:cs typeface="Times New Roman" pitchFamily="18" charset="0"/>
-              </a:rPr>
-              <a:t>Inventory module</a:t>
-            </a:r>
-          </a:p>
-          <a:p>
-            <a:r>
-              <a:rPr lang="en-IN" dirty="0">
-                <a:latin typeface="Times New Roman" pitchFamily="18" charset="0"/>
-                <a:cs typeface="Times New Roman" pitchFamily="18" charset="0"/>
-              </a:rPr>
-              <a:t>Product info module</a:t>
-            </a:r>
-          </a:p>
-          <a:p>
-            <a:r>
-              <a:rPr lang="en-IN" dirty="0">
-                <a:latin typeface="Times New Roman" pitchFamily="18" charset="0"/>
-                <a:cs typeface="Times New Roman" pitchFamily="18" charset="0"/>
-              </a:rPr>
-              <a:t>Payment processing module</a:t>
-            </a:r>
-          </a:p>
-          <a:p>
-            <a:r>
-              <a:rPr lang="en-IN" dirty="0">
-                <a:latin typeface="Times New Roman" pitchFamily="18" charset="0"/>
-                <a:cs typeface="Times New Roman" pitchFamily="18" charset="0"/>
-              </a:rPr>
-              <a:t>Order </a:t>
-            </a:r>
-            <a:r>
-              <a:rPr lang="en-IN">
-                <a:latin typeface="Times New Roman" pitchFamily="18" charset="0"/>
-                <a:cs typeface="Times New Roman" pitchFamily="18" charset="0"/>
-              </a:rPr>
-              <a:t>management module</a:t>
-            </a:r>
-            <a:endParaRPr lang="en-IN" dirty="0">
-              <a:latin typeface="Times New Roman" pitchFamily="18" charset="0"/>
-              <a:cs typeface="Times New Roman" pitchFamily="18" charset="0"/>
-            </a:endParaRPr>
-          </a:p>
-          <a:p>
-            <a:endParaRPr lang="en-IN" dirty="0">
-              <a:latin typeface="Times New Roman" pitchFamily="18" charset="0"/>
-              <a:cs typeface="Times New Roman" pitchFamily="18" charset="0"/>
-            </a:endParaRPr>
-          </a:p>
-          <a:p>
-            <a:endParaRPr lang="en-IN" dirty="0">
-              <a:latin typeface="Times New Roman" pitchFamily="18" charset="0"/>
-              <a:cs typeface="Times New Roman" pitchFamily="18" charset="0"/>
-            </a:endParaRPr>
-          </a:p>
-          <a:p>
-            <a:endParaRPr lang="en-IN" dirty="0">
-              <a:latin typeface="Times New Roman" pitchFamily="18" charset="0"/>
-              <a:cs typeface="Times New Roman" pitchFamily="18" charset="0"/>
-            </a:endParaRPr>
+              <a:t>Software : HTML supported browser</a:t>
+            </a:r>
           </a:p>
         </p:txBody>
       </p:sp>

--- a/ADP-PROJECT-PPT-TEMPLATE.pptx
+++ b/ADP-PROJECT-PPT-TEMPLATE.pptx
@@ -5,7 +5,7 @@
     <p:sldMasterId id="2147483660" r:id="rId1"/>
   </p:sldMasterIdLst>
   <p:notesMasterIdLst>
-    <p:notesMasterId r:id="rId26"/>
+    <p:notesMasterId r:id="rId25"/>
   </p:notesMasterIdLst>
   <p:sldIdLst>
     <p:sldId id="256" r:id="rId2"/>
@@ -15,23 +15,22 @@
     <p:sldId id="258" r:id="rId6"/>
     <p:sldId id="263" r:id="rId7"/>
     <p:sldId id="264" r:id="rId8"/>
-    <p:sldId id="265" r:id="rId9"/>
+    <p:sldId id="284" r:id="rId9"/>
     <p:sldId id="266" r:id="rId10"/>
     <p:sldId id="275" r:id="rId11"/>
     <p:sldId id="276" r:id="rId12"/>
     <p:sldId id="279" r:id="rId13"/>
-    <p:sldId id="280" r:id="rId14"/>
-    <p:sldId id="281" r:id="rId15"/>
-    <p:sldId id="282" r:id="rId16"/>
-    <p:sldId id="267" r:id="rId17"/>
-    <p:sldId id="277" r:id="rId18"/>
-    <p:sldId id="268" r:id="rId19"/>
-    <p:sldId id="278" r:id="rId20"/>
-    <p:sldId id="269" r:id="rId21"/>
-    <p:sldId id="271" r:id="rId22"/>
-    <p:sldId id="272" r:id="rId23"/>
-    <p:sldId id="274" r:id="rId24"/>
-    <p:sldId id="273" r:id="rId25"/>
+    <p:sldId id="281" r:id="rId14"/>
+    <p:sldId id="282" r:id="rId15"/>
+    <p:sldId id="267" r:id="rId16"/>
+    <p:sldId id="277" r:id="rId17"/>
+    <p:sldId id="268" r:id="rId18"/>
+    <p:sldId id="278" r:id="rId19"/>
+    <p:sldId id="269" r:id="rId20"/>
+    <p:sldId id="271" r:id="rId21"/>
+    <p:sldId id="272" r:id="rId22"/>
+    <p:sldId id="274" r:id="rId23"/>
+    <p:sldId id="273" r:id="rId24"/>
   </p:sldIdLst>
   <p:sldSz cx="9144000" cy="6858000" type="screen4x3"/>
   <p:notesSz cx="6858000" cy="9144000"/>
@@ -149,5106 +148,16 @@
 </p:presentation>
 </file>
 
-<file path=ppt/diagrams/colors1.xml><?xml version="1.0" encoding="utf-8"?>
-<dgm:colorsDef xmlns:dgm="http://schemas.openxmlformats.org/drawingml/2006/diagram" xmlns:a="http://schemas.openxmlformats.org/drawingml/2006/main" uniqueId="urn:microsoft.com/office/officeart/2005/8/colors/accent1_2">
-  <dgm:title val=""/>
-  <dgm:desc val=""/>
-  <dgm:catLst>
-    <dgm:cat type="accent1" pri="11200"/>
-  </dgm:catLst>
-  <dgm:styleLbl name="node0">
-    <dgm:fillClrLst meth="repeat">
-      <a:schemeClr val="accent1"/>
-    </dgm:fillClrLst>
-    <dgm:linClrLst meth="repeat">
-      <a:schemeClr val="lt1"/>
-    </dgm:linClrLst>
-    <dgm:effectClrLst/>
-    <dgm:txLinClrLst/>
-    <dgm:txFillClrLst/>
-    <dgm:txEffectClrLst/>
-  </dgm:styleLbl>
-  <dgm:styleLbl name="alignNode1">
-    <dgm:fillClrLst meth="repeat">
-      <a:schemeClr val="accent1"/>
-    </dgm:fillClrLst>
-    <dgm:linClrLst meth="repeat">
-      <a:schemeClr val="accent1"/>
-    </dgm:linClrLst>
-    <dgm:effectClrLst/>
-    <dgm:txLinClrLst/>
-    <dgm:txFillClrLst/>
-    <dgm:txEffectClrLst/>
-  </dgm:styleLbl>
-  <dgm:styleLbl name="node1">
-    <dgm:fillClrLst meth="repeat">
-      <a:schemeClr val="accent1"/>
-    </dgm:fillClrLst>
-    <dgm:linClrLst meth="repeat">
-      <a:schemeClr val="lt1"/>
-    </dgm:linClrLst>
-    <dgm:effectClrLst/>
-    <dgm:txLinClrLst/>
-    <dgm:txFillClrLst/>
-    <dgm:txEffectClrLst/>
-  </dgm:styleLbl>
-  <dgm:styleLbl name="lnNode1">
-    <dgm:fillClrLst meth="repeat">
-      <a:schemeClr val="accent1"/>
-    </dgm:fillClrLst>
-    <dgm:linClrLst meth="repeat">
-      <a:schemeClr val="lt1"/>
-    </dgm:linClrLst>
-    <dgm:effectClrLst/>
-    <dgm:txLinClrLst/>
-    <dgm:txFillClrLst/>
-    <dgm:txEffectClrLst/>
-  </dgm:styleLbl>
-  <dgm:styleLbl name="vennNode1">
-    <dgm:fillClrLst meth="repeat">
-      <a:schemeClr val="accent1">
-        <a:alpha val="50000"/>
-      </a:schemeClr>
-    </dgm:fillClrLst>
-    <dgm:linClrLst meth="repeat">
-      <a:schemeClr val="lt1"/>
-    </dgm:linClrLst>
-    <dgm:effectClrLst/>
-    <dgm:txLinClrLst/>
-    <dgm:txFillClrLst/>
-    <dgm:txEffectClrLst/>
-  </dgm:styleLbl>
-  <dgm:styleLbl name="node2">
-    <dgm:fillClrLst meth="repeat">
-      <a:schemeClr val="accent1"/>
-    </dgm:fillClrLst>
-    <dgm:linClrLst meth="repeat">
-      <a:schemeClr val="lt1"/>
-    </dgm:linClrLst>
-    <dgm:effectClrLst/>
-    <dgm:txLinClrLst/>
-    <dgm:txFillClrLst/>
-    <dgm:txEffectClrLst/>
-  </dgm:styleLbl>
-  <dgm:styleLbl name="node3">
-    <dgm:fillClrLst meth="repeat">
-      <a:schemeClr val="accent1"/>
-    </dgm:fillClrLst>
-    <dgm:linClrLst meth="repeat">
-      <a:schemeClr val="lt1"/>
-    </dgm:linClrLst>
-    <dgm:effectClrLst/>
-    <dgm:txLinClrLst/>
-    <dgm:txFillClrLst/>
-    <dgm:txEffectClrLst/>
-  </dgm:styleLbl>
-  <dgm:styleLbl name="node4">
-    <dgm:fillClrLst meth="repeat">
-      <a:schemeClr val="accent1"/>
-    </dgm:fillClrLst>
-    <dgm:linClrLst meth="repeat">
-      <a:schemeClr val="lt1"/>
-    </dgm:linClrLst>
-    <dgm:effectClrLst/>
-    <dgm:txLinClrLst/>
-    <dgm:txFillClrLst/>
-    <dgm:txEffectClrLst/>
-  </dgm:styleLbl>
-  <dgm:styleLbl name="fgImgPlace1">
-    <dgm:fillClrLst meth="repeat">
-      <a:schemeClr val="accent1">
-        <a:tint val="50000"/>
-      </a:schemeClr>
-    </dgm:fillClrLst>
-    <dgm:linClrLst meth="repeat">
-      <a:schemeClr val="lt1"/>
-    </dgm:linClrLst>
-    <dgm:effectClrLst/>
-    <dgm:txLinClrLst/>
-    <dgm:txFillClrLst meth="repeat">
-      <a:schemeClr val="lt1"/>
-    </dgm:txFillClrLst>
-    <dgm:txEffectClrLst/>
-  </dgm:styleLbl>
-  <dgm:styleLbl name="alignImgPlace1">
-    <dgm:fillClrLst meth="repeat">
-      <a:schemeClr val="accent1">
-        <a:tint val="50000"/>
-      </a:schemeClr>
-    </dgm:fillClrLst>
-    <dgm:linClrLst meth="repeat">
-      <a:schemeClr val="lt1"/>
-    </dgm:linClrLst>
-    <dgm:effectClrLst/>
-    <dgm:txLinClrLst/>
-    <dgm:txFillClrLst meth="repeat">
-      <a:schemeClr val="lt1"/>
-    </dgm:txFillClrLst>
-    <dgm:txEffectClrLst/>
-  </dgm:styleLbl>
-  <dgm:styleLbl name="bgImgPlace1">
-    <dgm:fillClrLst meth="repeat">
-      <a:schemeClr val="accent1">
-        <a:tint val="50000"/>
-      </a:schemeClr>
-    </dgm:fillClrLst>
-    <dgm:linClrLst meth="repeat">
-      <a:schemeClr val="lt1"/>
-    </dgm:linClrLst>
-    <dgm:effectClrLst/>
-    <dgm:txLinClrLst/>
-    <dgm:txFillClrLst meth="repeat">
-      <a:schemeClr val="lt1"/>
-    </dgm:txFillClrLst>
-    <dgm:txEffectClrLst/>
-  </dgm:styleLbl>
-  <dgm:styleLbl name="sibTrans2D1">
-    <dgm:fillClrLst meth="repeat">
-      <a:schemeClr val="accent1">
-        <a:tint val="60000"/>
-      </a:schemeClr>
-    </dgm:fillClrLst>
-    <dgm:linClrLst meth="repeat">
-      <a:schemeClr val="accent1">
-        <a:tint val="60000"/>
-      </a:schemeClr>
-    </dgm:linClrLst>
-    <dgm:effectClrLst/>
-    <dgm:txLinClrLst/>
-    <dgm:txFillClrLst/>
-    <dgm:txEffectClrLst/>
-  </dgm:styleLbl>
-  <dgm:styleLbl name="fgSibTrans2D1">
-    <dgm:fillClrLst meth="repeat">
-      <a:schemeClr val="accent1">
-        <a:tint val="60000"/>
-      </a:schemeClr>
-    </dgm:fillClrLst>
-    <dgm:linClrLst meth="repeat">
-      <a:schemeClr val="accent1">
-        <a:tint val="60000"/>
-      </a:schemeClr>
-    </dgm:linClrLst>
-    <dgm:effectClrLst/>
-    <dgm:txLinClrLst/>
-    <dgm:txFillClrLst/>
-    <dgm:txEffectClrLst/>
-  </dgm:styleLbl>
-  <dgm:styleLbl name="bgSibTrans2D1">
-    <dgm:fillClrLst meth="repeat">
-      <a:schemeClr val="accent1">
-        <a:tint val="60000"/>
-      </a:schemeClr>
-    </dgm:fillClrLst>
-    <dgm:linClrLst meth="repeat">
-      <a:schemeClr val="accent1">
-        <a:tint val="60000"/>
-      </a:schemeClr>
-    </dgm:linClrLst>
-    <dgm:effectClrLst/>
-    <dgm:txLinClrLst/>
-    <dgm:txFillClrLst/>
-    <dgm:txEffectClrLst/>
-  </dgm:styleLbl>
-  <dgm:styleLbl name="sibTrans1D1">
-    <dgm:fillClrLst meth="repeat">
-      <a:schemeClr val="accent1"/>
-    </dgm:fillClrLst>
-    <dgm:linClrLst meth="repeat">
-      <a:schemeClr val="accent1"/>
-    </dgm:linClrLst>
-    <dgm:effectClrLst/>
-    <dgm:txLinClrLst/>
-    <dgm:txFillClrLst meth="repeat">
-      <a:schemeClr val="tx1"/>
-    </dgm:txFillClrLst>
-    <dgm:txEffectClrLst/>
-  </dgm:styleLbl>
-  <dgm:styleLbl name="callout">
-    <dgm:fillClrLst meth="repeat">
-      <a:schemeClr val="accent1"/>
-    </dgm:fillClrLst>
-    <dgm:linClrLst meth="repeat">
-      <a:schemeClr val="accent1">
-        <a:tint val="50000"/>
-      </a:schemeClr>
-    </dgm:linClrLst>
-    <dgm:effectClrLst/>
-    <dgm:txLinClrLst/>
-    <dgm:txFillClrLst meth="repeat">
-      <a:schemeClr val="tx1"/>
-    </dgm:txFillClrLst>
-    <dgm:txEffectClrLst/>
-  </dgm:styleLbl>
-  <dgm:styleLbl name="asst0">
-    <dgm:fillClrLst meth="repeat">
-      <a:schemeClr val="accent1"/>
-    </dgm:fillClrLst>
-    <dgm:linClrLst meth="repeat">
-      <a:schemeClr val="lt1"/>
-    </dgm:linClrLst>
-    <dgm:effectClrLst/>
-    <dgm:txLinClrLst/>
-    <dgm:txFillClrLst/>
-    <dgm:txEffectClrLst/>
-  </dgm:styleLbl>
-  <dgm:styleLbl name="asst1">
-    <dgm:fillClrLst meth="repeat">
-      <a:schemeClr val="accent1"/>
-    </dgm:fillClrLst>
-    <dgm:linClrLst meth="repeat">
-      <a:schemeClr val="lt1"/>
-    </dgm:linClrLst>
-    <dgm:effectClrLst/>
-    <dgm:txLinClrLst/>
-    <dgm:txFillClrLst/>
-    <dgm:txEffectClrLst/>
-  </dgm:styleLbl>
-  <dgm:styleLbl name="asst2">
-    <dgm:fillClrLst meth="repeat">
-      <a:schemeClr val="accent1"/>
-    </dgm:fillClrLst>
-    <dgm:linClrLst meth="repeat">
-      <a:schemeClr val="lt1"/>
-    </dgm:linClrLst>
-    <dgm:effectClrLst/>
-    <dgm:txLinClrLst/>
-    <dgm:txFillClrLst/>
-    <dgm:txEffectClrLst/>
-  </dgm:styleLbl>
-  <dgm:styleLbl name="asst3">
-    <dgm:fillClrLst meth="repeat">
-      <a:schemeClr val="accent1"/>
-    </dgm:fillClrLst>
-    <dgm:linClrLst meth="repeat">
-      <a:schemeClr val="lt1"/>
-    </dgm:linClrLst>
-    <dgm:effectClrLst/>
-    <dgm:txLinClrLst/>
-    <dgm:txFillClrLst/>
-    <dgm:txEffectClrLst/>
-  </dgm:styleLbl>
-  <dgm:styleLbl name="asst4">
-    <dgm:fillClrLst meth="repeat">
-      <a:schemeClr val="accent1"/>
-    </dgm:fillClrLst>
-    <dgm:linClrLst meth="repeat">
-      <a:schemeClr val="lt1"/>
-    </dgm:linClrLst>
-    <dgm:effectClrLst/>
-    <dgm:txLinClrLst/>
-    <dgm:txFillClrLst/>
-    <dgm:txEffectClrLst/>
-  </dgm:styleLbl>
-  <dgm:styleLbl name="parChTrans2D1">
-    <dgm:fillClrLst meth="repeat">
-      <a:schemeClr val="accent1">
-        <a:tint val="60000"/>
-      </a:schemeClr>
-    </dgm:fillClrLst>
-    <dgm:linClrLst meth="repeat">
-      <a:schemeClr val="accent1">
-        <a:tint val="60000"/>
-      </a:schemeClr>
-    </dgm:linClrLst>
-    <dgm:effectClrLst/>
-    <dgm:txLinClrLst/>
-    <dgm:txFillClrLst meth="repeat">
-      <a:schemeClr val="lt1"/>
-    </dgm:txFillClrLst>
-    <dgm:txEffectClrLst/>
-  </dgm:styleLbl>
-  <dgm:styleLbl name="parChTrans2D2">
-    <dgm:fillClrLst meth="repeat">
-      <a:schemeClr val="accent1"/>
-    </dgm:fillClrLst>
-    <dgm:linClrLst meth="repeat">
-      <a:schemeClr val="accent1"/>
-    </dgm:linClrLst>
-    <dgm:effectClrLst/>
-    <dgm:txLinClrLst/>
-    <dgm:txFillClrLst meth="repeat">
-      <a:schemeClr val="lt1"/>
-    </dgm:txFillClrLst>
-    <dgm:txEffectClrLst/>
-  </dgm:styleLbl>
-  <dgm:styleLbl name="parChTrans2D3">
-    <dgm:fillClrLst meth="repeat">
-      <a:schemeClr val="accent1"/>
-    </dgm:fillClrLst>
-    <dgm:linClrLst meth="repeat">
-      <a:schemeClr val="accent1"/>
-    </dgm:linClrLst>
-    <dgm:effectClrLst/>
-    <dgm:txLinClrLst/>
-    <dgm:txFillClrLst meth="repeat">
-      <a:schemeClr val="lt1"/>
-    </dgm:txFillClrLst>
-    <dgm:txEffectClrLst/>
-  </dgm:styleLbl>
-  <dgm:styleLbl name="parChTrans2D4">
-    <dgm:fillClrLst meth="repeat">
-      <a:schemeClr val="accent1"/>
-    </dgm:fillClrLst>
-    <dgm:linClrLst meth="repeat">
-      <a:schemeClr val="accent1"/>
-    </dgm:linClrLst>
-    <dgm:effectClrLst/>
-    <dgm:txLinClrLst/>
-    <dgm:txFillClrLst meth="repeat">
-      <a:schemeClr val="lt1"/>
-    </dgm:txFillClrLst>
-    <dgm:txEffectClrLst/>
-  </dgm:styleLbl>
-  <dgm:styleLbl name="parChTrans1D1">
-    <dgm:fillClrLst meth="repeat">
-      <a:schemeClr val="accent1"/>
-    </dgm:fillClrLst>
-    <dgm:linClrLst meth="repeat">
-      <a:schemeClr val="accent1">
-        <a:shade val="60000"/>
-      </a:schemeClr>
-    </dgm:linClrLst>
-    <dgm:effectClrLst/>
-    <dgm:txLinClrLst/>
-    <dgm:txFillClrLst meth="repeat">
-      <a:schemeClr val="tx1"/>
-    </dgm:txFillClrLst>
-    <dgm:txEffectClrLst/>
-  </dgm:styleLbl>
-  <dgm:styleLbl name="parChTrans1D2">
-    <dgm:fillClrLst meth="repeat">
-      <a:schemeClr val="accent1"/>
-    </dgm:fillClrLst>
-    <dgm:linClrLst meth="repeat">
-      <a:schemeClr val="accent1">
-        <a:shade val="60000"/>
-      </a:schemeClr>
-    </dgm:linClrLst>
-    <dgm:effectClrLst/>
-    <dgm:txLinClrLst/>
-    <dgm:txFillClrLst meth="repeat">
-      <a:schemeClr val="tx1"/>
-    </dgm:txFillClrLst>
-    <dgm:txEffectClrLst/>
-  </dgm:styleLbl>
-  <dgm:styleLbl name="parChTrans1D3">
-    <dgm:fillClrLst meth="repeat">
-      <a:schemeClr val="accent1"/>
-    </dgm:fillClrLst>
-    <dgm:linClrLst meth="repeat">
-      <a:schemeClr val="accent1">
-        <a:shade val="80000"/>
-      </a:schemeClr>
-    </dgm:linClrLst>
-    <dgm:effectClrLst/>
-    <dgm:txLinClrLst/>
-    <dgm:txFillClrLst meth="repeat">
-      <a:schemeClr val="tx1"/>
-    </dgm:txFillClrLst>
-    <dgm:txEffectClrLst/>
-  </dgm:styleLbl>
-  <dgm:styleLbl name="parChTrans1D4">
-    <dgm:fillClrLst meth="repeat">
-      <a:schemeClr val="accent1"/>
-    </dgm:fillClrLst>
-    <dgm:linClrLst meth="repeat">
-      <a:schemeClr val="accent1">
-        <a:shade val="80000"/>
-      </a:schemeClr>
-    </dgm:linClrLst>
-    <dgm:effectClrLst/>
-    <dgm:txLinClrLst/>
-    <dgm:txFillClrLst meth="repeat">
-      <a:schemeClr val="tx1"/>
-    </dgm:txFillClrLst>
-    <dgm:txEffectClrLst/>
-  </dgm:styleLbl>
-  <dgm:styleLbl name="fgAcc1">
-    <dgm:fillClrLst meth="repeat">
-      <a:schemeClr val="lt1">
-        <a:alpha val="90000"/>
-      </a:schemeClr>
-    </dgm:fillClrLst>
-    <dgm:linClrLst meth="repeat">
-      <a:schemeClr val="accent1"/>
-    </dgm:linClrLst>
-    <dgm:effectClrLst/>
-    <dgm:txLinClrLst/>
-    <dgm:txFillClrLst meth="repeat">
-      <a:schemeClr val="dk1"/>
-    </dgm:txFillClrLst>
-    <dgm:txEffectClrLst/>
-  </dgm:styleLbl>
-  <dgm:styleLbl name="conFgAcc1">
-    <dgm:fillClrLst meth="repeat">
-      <a:schemeClr val="lt1">
-        <a:alpha val="90000"/>
-      </a:schemeClr>
-    </dgm:fillClrLst>
-    <dgm:linClrLst meth="repeat">
-      <a:schemeClr val="accent1"/>
-    </dgm:linClrLst>
-    <dgm:effectClrLst/>
-    <dgm:txLinClrLst/>
-    <dgm:txFillClrLst meth="repeat">
-      <a:schemeClr val="dk1"/>
-    </dgm:txFillClrLst>
-    <dgm:txEffectClrLst/>
-  </dgm:styleLbl>
-  <dgm:styleLbl name="alignAcc1">
-    <dgm:fillClrLst meth="repeat">
-      <a:schemeClr val="lt1">
-        <a:alpha val="90000"/>
-      </a:schemeClr>
-    </dgm:fillClrLst>
-    <dgm:linClrLst meth="repeat">
-      <a:schemeClr val="accent1"/>
-    </dgm:linClrLst>
-    <dgm:effectClrLst/>
-    <dgm:txLinClrLst/>
-    <dgm:txFillClrLst meth="repeat">
-      <a:schemeClr val="dk1"/>
-    </dgm:txFillClrLst>
-    <dgm:txEffectClrLst/>
-  </dgm:styleLbl>
-  <dgm:styleLbl name="trAlignAcc1">
-    <dgm:fillClrLst meth="repeat">
-      <a:schemeClr val="lt1">
-        <a:alpha val="40000"/>
-      </a:schemeClr>
-    </dgm:fillClrLst>
-    <dgm:linClrLst meth="repeat">
-      <a:schemeClr val="accent1"/>
-    </dgm:linClrLst>
-    <dgm:effectClrLst/>
-    <dgm:txLinClrLst/>
-    <dgm:txFillClrLst meth="repeat">
-      <a:schemeClr val="dk1"/>
-    </dgm:txFillClrLst>
-    <dgm:txEffectClrLst/>
-  </dgm:styleLbl>
-  <dgm:styleLbl name="bgAcc1">
-    <dgm:fillClrLst meth="repeat">
-      <a:schemeClr val="lt1">
-        <a:alpha val="90000"/>
-      </a:schemeClr>
-    </dgm:fillClrLst>
-    <dgm:linClrLst meth="repeat">
-      <a:schemeClr val="accent1"/>
-    </dgm:linClrLst>
-    <dgm:effectClrLst/>
-    <dgm:txLinClrLst/>
-    <dgm:txFillClrLst meth="repeat">
-      <a:schemeClr val="dk1"/>
-    </dgm:txFillClrLst>
-    <dgm:txEffectClrLst/>
-  </dgm:styleLbl>
-  <dgm:styleLbl name="solidFgAcc1">
-    <dgm:fillClrLst meth="repeat">
-      <a:schemeClr val="lt1"/>
-    </dgm:fillClrLst>
-    <dgm:linClrLst meth="repeat">
-      <a:schemeClr val="accent1"/>
-    </dgm:linClrLst>
-    <dgm:effectClrLst/>
-    <dgm:txLinClrLst/>
-    <dgm:txFillClrLst meth="repeat">
-      <a:schemeClr val="dk1"/>
-    </dgm:txFillClrLst>
-    <dgm:txEffectClrLst/>
-  </dgm:styleLbl>
-  <dgm:styleLbl name="solidAlignAcc1">
-    <dgm:fillClrLst meth="repeat">
-      <a:schemeClr val="lt1"/>
-    </dgm:fillClrLst>
-    <dgm:linClrLst meth="repeat">
-      <a:schemeClr val="accent1"/>
-    </dgm:linClrLst>
-    <dgm:effectClrLst/>
-    <dgm:txLinClrLst/>
-    <dgm:txFillClrLst meth="repeat">
-      <a:schemeClr val="dk1"/>
-    </dgm:txFillClrLst>
-    <dgm:txEffectClrLst/>
-  </dgm:styleLbl>
-  <dgm:styleLbl name="solidBgAcc1">
-    <dgm:fillClrLst meth="repeat">
-      <a:schemeClr val="lt1"/>
-    </dgm:fillClrLst>
-    <dgm:linClrLst meth="repeat">
-      <a:schemeClr val="accent1"/>
-    </dgm:linClrLst>
-    <dgm:effectClrLst/>
-    <dgm:txLinClrLst/>
-    <dgm:txFillClrLst meth="repeat">
-      <a:schemeClr val="dk1"/>
-    </dgm:txFillClrLst>
-    <dgm:txEffectClrLst/>
-  </dgm:styleLbl>
-  <dgm:styleLbl name="fgAccFollowNode1">
-    <dgm:fillClrLst meth="repeat">
-      <a:schemeClr val="accent1">
-        <a:alpha val="90000"/>
-        <a:tint val="40000"/>
-      </a:schemeClr>
-    </dgm:fillClrLst>
-    <dgm:linClrLst meth="repeat">
-      <a:schemeClr val="accent1">
-        <a:alpha val="90000"/>
-        <a:tint val="40000"/>
-      </a:schemeClr>
-    </dgm:linClrLst>
-    <dgm:effectClrLst/>
-    <dgm:txLinClrLst/>
-    <dgm:txFillClrLst meth="repeat">
-      <a:schemeClr val="dk1"/>
-    </dgm:txFillClrLst>
-    <dgm:txEffectClrLst/>
-  </dgm:styleLbl>
-  <dgm:styleLbl name="alignAccFollowNode1">
-    <dgm:fillClrLst meth="repeat">
-      <a:schemeClr val="accent1">
-        <a:alpha val="90000"/>
-        <a:tint val="40000"/>
-      </a:schemeClr>
-    </dgm:fillClrLst>
-    <dgm:linClrLst meth="repeat">
-      <a:schemeClr val="accent1">
-        <a:alpha val="90000"/>
-        <a:tint val="40000"/>
-      </a:schemeClr>
-    </dgm:linClrLst>
-    <dgm:effectClrLst/>
-    <dgm:txLinClrLst/>
-    <dgm:txFillClrLst meth="repeat">
-      <a:schemeClr val="dk1"/>
-    </dgm:txFillClrLst>
-    <dgm:txEffectClrLst/>
-  </dgm:styleLbl>
-  <dgm:styleLbl name="bgAccFollowNode1">
-    <dgm:fillClrLst meth="repeat">
-      <a:schemeClr val="accent1">
-        <a:alpha val="90000"/>
-        <a:tint val="40000"/>
-      </a:schemeClr>
-    </dgm:fillClrLst>
-    <dgm:linClrLst meth="repeat">
-      <a:schemeClr val="accent1">
-        <a:alpha val="90000"/>
-        <a:tint val="40000"/>
-      </a:schemeClr>
-    </dgm:linClrLst>
-    <dgm:effectClrLst/>
-    <dgm:txLinClrLst/>
-    <dgm:txFillClrLst meth="repeat">
-      <a:schemeClr val="dk1"/>
-    </dgm:txFillClrLst>
-    <dgm:txEffectClrLst/>
-  </dgm:styleLbl>
-  <dgm:styleLbl name="fgAcc0">
-    <dgm:fillClrLst meth="repeat">
-      <a:schemeClr val="lt1">
-        <a:alpha val="90000"/>
-      </a:schemeClr>
-    </dgm:fillClrLst>
-    <dgm:linClrLst meth="repeat">
-      <a:schemeClr val="accent1"/>
-    </dgm:linClrLst>
-    <dgm:effectClrLst/>
-    <dgm:txLinClrLst/>
-    <dgm:txFillClrLst meth="repeat">
-      <a:schemeClr val="dk1"/>
-    </dgm:txFillClrLst>
-    <dgm:txEffectClrLst/>
-  </dgm:styleLbl>
-  <dgm:styleLbl name="fgAcc2">
-    <dgm:fillClrLst meth="repeat">
-      <a:schemeClr val="lt1">
-        <a:alpha val="90000"/>
-      </a:schemeClr>
-    </dgm:fillClrLst>
-    <dgm:linClrLst meth="repeat">
-      <a:schemeClr val="accent1"/>
-    </dgm:linClrLst>
-    <dgm:effectClrLst/>
-    <dgm:txLinClrLst/>
-    <dgm:txFillClrLst meth="repeat">
-      <a:schemeClr val="dk1"/>
-    </dgm:txFillClrLst>
-    <dgm:txEffectClrLst/>
-  </dgm:styleLbl>
-  <dgm:styleLbl name="fgAcc3">
-    <dgm:fillClrLst meth="repeat">
-      <a:schemeClr val="lt1">
-        <a:alpha val="90000"/>
-      </a:schemeClr>
-    </dgm:fillClrLst>
-    <dgm:linClrLst meth="repeat">
-      <a:schemeClr val="accent1"/>
-    </dgm:linClrLst>
-    <dgm:effectClrLst/>
-    <dgm:txLinClrLst/>
-    <dgm:txFillClrLst meth="repeat">
-      <a:schemeClr val="dk1"/>
-    </dgm:txFillClrLst>
-    <dgm:txEffectClrLst/>
-  </dgm:styleLbl>
-  <dgm:styleLbl name="fgAcc4">
-    <dgm:fillClrLst meth="repeat">
-      <a:schemeClr val="lt1">
-        <a:alpha val="90000"/>
-      </a:schemeClr>
-    </dgm:fillClrLst>
-    <dgm:linClrLst meth="repeat">
-      <a:schemeClr val="accent1"/>
-    </dgm:linClrLst>
-    <dgm:effectClrLst/>
-    <dgm:txLinClrLst/>
-    <dgm:txFillClrLst meth="repeat">
-      <a:schemeClr val="dk1"/>
-    </dgm:txFillClrLst>
-    <dgm:txEffectClrLst/>
-  </dgm:styleLbl>
-  <dgm:styleLbl name="bgShp">
-    <dgm:fillClrLst meth="repeat">
-      <a:schemeClr val="accent1">
-        <a:tint val="40000"/>
-      </a:schemeClr>
-    </dgm:fillClrLst>
-    <dgm:linClrLst meth="repeat">
-      <a:schemeClr val="accent1"/>
-    </dgm:linClrLst>
-    <dgm:effectClrLst/>
-    <dgm:txLinClrLst/>
-    <dgm:txFillClrLst meth="repeat">
-      <a:schemeClr val="dk1"/>
-    </dgm:txFillClrLst>
-    <dgm:txEffectClrLst/>
-  </dgm:styleLbl>
-  <dgm:styleLbl name="dkBgShp">
-    <dgm:fillClrLst meth="repeat">
-      <a:schemeClr val="accent1">
-        <a:shade val="80000"/>
-      </a:schemeClr>
-    </dgm:fillClrLst>
-    <dgm:linClrLst meth="repeat">
-      <a:schemeClr val="accent1"/>
-    </dgm:linClrLst>
-    <dgm:effectClrLst/>
-    <dgm:txLinClrLst/>
-    <dgm:txFillClrLst meth="repeat">
-      <a:schemeClr val="lt1"/>
-    </dgm:txFillClrLst>
-    <dgm:txEffectClrLst/>
-  </dgm:styleLbl>
-  <dgm:styleLbl name="trBgShp">
-    <dgm:fillClrLst meth="repeat">
-      <a:schemeClr val="accent1">
-        <a:tint val="50000"/>
-        <a:alpha val="40000"/>
-      </a:schemeClr>
-    </dgm:fillClrLst>
-    <dgm:linClrLst meth="repeat">
-      <a:schemeClr val="accent1"/>
-    </dgm:linClrLst>
-    <dgm:effectClrLst/>
-    <dgm:txLinClrLst/>
-    <dgm:txFillClrLst meth="repeat">
-      <a:schemeClr val="lt1"/>
-    </dgm:txFillClrLst>
-    <dgm:txEffectClrLst/>
-  </dgm:styleLbl>
-  <dgm:styleLbl name="fgShp">
-    <dgm:fillClrLst meth="repeat">
-      <a:schemeClr val="accent1">
-        <a:tint val="60000"/>
-      </a:schemeClr>
-    </dgm:fillClrLst>
-    <dgm:linClrLst meth="repeat">
-      <a:schemeClr val="lt1"/>
-    </dgm:linClrLst>
-    <dgm:effectClrLst/>
-    <dgm:txLinClrLst/>
-    <dgm:txFillClrLst meth="repeat">
-      <a:schemeClr val="dk1"/>
-    </dgm:txFillClrLst>
-    <dgm:txEffectClrLst/>
-  </dgm:styleLbl>
-  <dgm:styleLbl name="revTx">
-    <dgm:fillClrLst meth="repeat">
-      <a:schemeClr val="lt1">
-        <a:alpha val="0"/>
-      </a:schemeClr>
-    </dgm:fillClrLst>
-    <dgm:linClrLst meth="repeat">
-      <a:schemeClr val="dk1">
-        <a:alpha val="0"/>
-      </a:schemeClr>
-    </dgm:linClrLst>
-    <dgm:effectClrLst/>
-    <dgm:txLinClrLst/>
-    <dgm:txFillClrLst meth="repeat">
-      <a:schemeClr val="tx1"/>
-    </dgm:txFillClrLst>
-    <dgm:txEffectClrLst/>
-  </dgm:styleLbl>
-</dgm:colorsDef>
-</file>
-
-<file path=ppt/diagrams/data1.xml><?xml version="1.0" encoding="utf-8"?>
-<dgm:dataModel xmlns:dgm="http://schemas.openxmlformats.org/drawingml/2006/diagram" xmlns:a="http://schemas.openxmlformats.org/drawingml/2006/main">
-  <dgm:ptLst>
-    <dgm:pt modelId="{4E6ED370-810F-4320-80B1-D0CA234B14D4}" type="doc">
-      <dgm:prSet loTypeId="urn:microsoft.com/office/officeart/2005/8/layout/orgChart1" loCatId="hierarchy" qsTypeId="urn:microsoft.com/office/officeart/2005/8/quickstyle/simple1" qsCatId="simple" csTypeId="urn:microsoft.com/office/officeart/2005/8/colors/accent1_2" csCatId="accent1" phldr="1"/>
-      <dgm:spPr/>
-      <dgm:t>
-        <a:bodyPr/>
-        <a:lstStyle/>
-        <a:p>
-          <a:endParaRPr lang="en-IN"/>
-        </a:p>
-      </dgm:t>
-    </dgm:pt>
-    <dgm:pt modelId="{394B163B-9D57-4961-A854-89AC0B46B7AB}">
-      <dgm:prSet phldrT="[Text]"/>
-      <dgm:spPr/>
-      <dgm:t>
-        <a:bodyPr/>
-        <a:lstStyle/>
-        <a:p>
-          <a:r>
-            <a:rPr lang="en-IN" dirty="0"/>
-            <a:t>User Interface</a:t>
-          </a:r>
-        </a:p>
-      </dgm:t>
-    </dgm:pt>
-    <dgm:pt modelId="{2B976AEF-72DC-4803-AF39-0D407C5B71BE}" type="parTrans" cxnId="{7AD69F6E-0BF6-4D98-8FD5-97F69EFBED4D}">
-      <dgm:prSet/>
-      <dgm:spPr/>
-      <dgm:t>
-        <a:bodyPr/>
-        <a:lstStyle/>
-        <a:p>
-          <a:endParaRPr lang="en-IN"/>
-        </a:p>
-      </dgm:t>
-    </dgm:pt>
-    <dgm:pt modelId="{A5ACE4D8-C6A3-41A5-9E36-495908F24347}" type="sibTrans" cxnId="{7AD69F6E-0BF6-4D98-8FD5-97F69EFBED4D}">
-      <dgm:prSet/>
-      <dgm:spPr/>
-      <dgm:t>
-        <a:bodyPr/>
-        <a:lstStyle/>
-        <a:p>
-          <a:endParaRPr lang="en-IN"/>
-        </a:p>
-      </dgm:t>
-    </dgm:pt>
-    <dgm:pt modelId="{2187D087-9EE2-44A6-ACCB-ADF6832E66DD}">
-      <dgm:prSet phldrT="[Text]"/>
-      <dgm:spPr/>
-      <dgm:t>
-        <a:bodyPr/>
-        <a:lstStyle/>
-        <a:p>
-          <a:r>
-            <a:rPr lang="en-IN" dirty="0"/>
-            <a:t>Front-back connector</a:t>
-          </a:r>
-        </a:p>
-      </dgm:t>
-    </dgm:pt>
-    <dgm:pt modelId="{1E6B044F-FAC5-49D6-B06A-13D21077FDEA}" type="parTrans" cxnId="{9AEEC128-CAF0-46A0-8BEC-7F76ADEE6FB2}">
-      <dgm:prSet/>
-      <dgm:spPr/>
-      <dgm:t>
-        <a:bodyPr/>
-        <a:lstStyle/>
-        <a:p>
-          <a:endParaRPr lang="en-IN"/>
-        </a:p>
-      </dgm:t>
-    </dgm:pt>
-    <dgm:pt modelId="{A9D7D275-BF4A-421E-A55E-1EAF268DA517}" type="sibTrans" cxnId="{9AEEC128-CAF0-46A0-8BEC-7F76ADEE6FB2}">
-      <dgm:prSet/>
-      <dgm:spPr/>
-      <dgm:t>
-        <a:bodyPr/>
-        <a:lstStyle/>
-        <a:p>
-          <a:endParaRPr lang="en-IN"/>
-        </a:p>
-      </dgm:t>
-    </dgm:pt>
-    <dgm:pt modelId="{3C954F90-C1CD-4391-991A-BCC112D89451}">
-      <dgm:prSet phldrT="[Text]"/>
-      <dgm:spPr/>
-      <dgm:t>
-        <a:bodyPr/>
-        <a:lstStyle/>
-        <a:p>
-          <a:r>
-            <a:rPr lang="en-IN" dirty="0"/>
-            <a:t>Inventory management</a:t>
-          </a:r>
-        </a:p>
-      </dgm:t>
-    </dgm:pt>
-    <dgm:pt modelId="{7C7DC4F1-A934-4305-A383-D0588A55370D}" type="parTrans" cxnId="{770931F0-A25D-45E0-9985-641C10EED61E}">
-      <dgm:prSet/>
-      <dgm:spPr/>
-      <dgm:t>
-        <a:bodyPr/>
-        <a:lstStyle/>
-        <a:p>
-          <a:endParaRPr lang="en-IN"/>
-        </a:p>
-      </dgm:t>
-    </dgm:pt>
-    <dgm:pt modelId="{AD04F2D5-2723-4767-8C2A-FFE980EF28C0}" type="sibTrans" cxnId="{770931F0-A25D-45E0-9985-641C10EED61E}">
-      <dgm:prSet/>
-      <dgm:spPr/>
-      <dgm:t>
-        <a:bodyPr/>
-        <a:lstStyle/>
-        <a:p>
-          <a:endParaRPr lang="en-IN"/>
-        </a:p>
-      </dgm:t>
-    </dgm:pt>
-    <dgm:pt modelId="{D2FFD3D0-2329-4885-9571-6ADBB23988E2}">
-      <dgm:prSet phldrT="[Text]"/>
-      <dgm:spPr/>
-      <dgm:t>
-        <a:bodyPr/>
-        <a:lstStyle/>
-        <a:p>
-          <a:r>
-            <a:rPr lang="en-IN" dirty="0"/>
-            <a:t>User data management</a:t>
-          </a:r>
-        </a:p>
-      </dgm:t>
-    </dgm:pt>
-    <dgm:pt modelId="{9B5C5240-683C-424E-B7BA-02484B8D00BE}" type="parTrans" cxnId="{075D5D48-9048-43EC-8AF0-37834251FCFB}">
-      <dgm:prSet/>
-      <dgm:spPr/>
-      <dgm:t>
-        <a:bodyPr/>
-        <a:lstStyle/>
-        <a:p>
-          <a:endParaRPr lang="en-IN"/>
-        </a:p>
-      </dgm:t>
-    </dgm:pt>
-    <dgm:pt modelId="{A9F076DC-5F17-46AA-BCB9-328288C21981}" type="sibTrans" cxnId="{075D5D48-9048-43EC-8AF0-37834251FCFB}">
-      <dgm:prSet/>
-      <dgm:spPr/>
-      <dgm:t>
-        <a:bodyPr/>
-        <a:lstStyle/>
-        <a:p>
-          <a:endParaRPr lang="en-IN"/>
-        </a:p>
-      </dgm:t>
-    </dgm:pt>
-    <dgm:pt modelId="{32B1BE62-822C-4A70-97C1-BCEF68C5A689}">
-      <dgm:prSet phldrT="[Text]"/>
-      <dgm:spPr/>
-      <dgm:t>
-        <a:bodyPr/>
-        <a:lstStyle/>
-        <a:p>
-          <a:r>
-            <a:rPr lang="en-IN" dirty="0"/>
-            <a:t>Logistics and after-sale</a:t>
-          </a:r>
-        </a:p>
-      </dgm:t>
-    </dgm:pt>
-    <dgm:pt modelId="{4FC5F2AC-667B-4DC2-8FFD-28F5724C7C9F}" type="parTrans" cxnId="{10808E58-313F-4EFF-BB09-31FB3EDEAAFE}">
-      <dgm:prSet/>
-      <dgm:spPr/>
-      <dgm:t>
-        <a:bodyPr/>
-        <a:lstStyle/>
-        <a:p>
-          <a:endParaRPr lang="en-IN"/>
-        </a:p>
-      </dgm:t>
-    </dgm:pt>
-    <dgm:pt modelId="{BE851206-4D01-43F4-A136-5D35B9745945}" type="sibTrans" cxnId="{10808E58-313F-4EFF-BB09-31FB3EDEAAFE}">
-      <dgm:prSet/>
-      <dgm:spPr/>
-      <dgm:t>
-        <a:bodyPr/>
-        <a:lstStyle/>
-        <a:p>
-          <a:endParaRPr lang="en-IN"/>
-        </a:p>
-      </dgm:t>
-    </dgm:pt>
-    <dgm:pt modelId="{8EC5E09B-FB6A-4C83-8F56-948E873F527F}">
-      <dgm:prSet phldrT="[Text]"/>
-      <dgm:spPr/>
-      <dgm:t>
-        <a:bodyPr/>
-        <a:lstStyle/>
-        <a:p>
-          <a:r>
-            <a:rPr lang="en-IN" dirty="0"/>
-            <a:t>Inventory detail</a:t>
-          </a:r>
-        </a:p>
-      </dgm:t>
-    </dgm:pt>
-    <dgm:pt modelId="{11CF8F1D-DF3D-4BDB-AFAE-77D426270930}" type="parTrans" cxnId="{DC85A236-4935-4A74-A33B-A6D88BD785BD}">
-      <dgm:prSet/>
-      <dgm:spPr/>
-      <dgm:t>
-        <a:bodyPr/>
-        <a:lstStyle/>
-        <a:p>
-          <a:endParaRPr lang="en-IN"/>
-        </a:p>
-      </dgm:t>
-    </dgm:pt>
-    <dgm:pt modelId="{07C81C5D-553A-4699-8A61-9AFFB38C14EE}" type="sibTrans" cxnId="{DC85A236-4935-4A74-A33B-A6D88BD785BD}">
-      <dgm:prSet/>
-      <dgm:spPr/>
-      <dgm:t>
-        <a:bodyPr/>
-        <a:lstStyle/>
-        <a:p>
-          <a:endParaRPr lang="en-IN"/>
-        </a:p>
-      </dgm:t>
-    </dgm:pt>
-    <dgm:pt modelId="{0571ECB0-863E-4E0B-991B-5B6E4434CF9B}">
-      <dgm:prSet phldrT="[Text]"/>
-      <dgm:spPr/>
-      <dgm:t>
-        <a:bodyPr/>
-        <a:lstStyle/>
-        <a:p>
-          <a:r>
-            <a:rPr lang="en-IN" dirty="0"/>
-            <a:t>Product info</a:t>
-          </a:r>
-        </a:p>
-      </dgm:t>
-    </dgm:pt>
-    <dgm:pt modelId="{4F89BC9E-06D8-491F-A9BF-4CC08701CDA0}" type="parTrans" cxnId="{38AF07E9-3683-4CEE-9712-B7907A76ED79}">
-      <dgm:prSet/>
-      <dgm:spPr/>
-      <dgm:t>
-        <a:bodyPr/>
-        <a:lstStyle/>
-        <a:p>
-          <a:endParaRPr lang="en-IN"/>
-        </a:p>
-      </dgm:t>
-    </dgm:pt>
-    <dgm:pt modelId="{AE58F1E0-EE09-4D3C-874A-B9A13F04B47D}" type="sibTrans" cxnId="{38AF07E9-3683-4CEE-9712-B7907A76ED79}">
-      <dgm:prSet/>
-      <dgm:spPr/>
-      <dgm:t>
-        <a:bodyPr/>
-        <a:lstStyle/>
-        <a:p>
-          <a:endParaRPr lang="en-IN"/>
-        </a:p>
-      </dgm:t>
-    </dgm:pt>
-    <dgm:pt modelId="{15BA2CFE-35D4-40F2-AD29-6AAD5166F2D6}">
-      <dgm:prSet phldrT="[Text]"/>
-      <dgm:spPr/>
-      <dgm:t>
-        <a:bodyPr/>
-        <a:lstStyle/>
-        <a:p>
-          <a:r>
-            <a:rPr lang="en-IN" dirty="0"/>
-            <a:t>User login/account management</a:t>
-          </a:r>
-        </a:p>
-      </dgm:t>
-    </dgm:pt>
-    <dgm:pt modelId="{3F22CE2E-53A0-49DA-8DE4-9FD2811AD331}" type="parTrans" cxnId="{0E4D7867-5A55-471F-A684-8069BF49A4DA}">
-      <dgm:prSet/>
-      <dgm:spPr/>
-      <dgm:t>
-        <a:bodyPr/>
-        <a:lstStyle/>
-        <a:p>
-          <a:endParaRPr lang="en-IN"/>
-        </a:p>
-      </dgm:t>
-    </dgm:pt>
-    <dgm:pt modelId="{BEBBA659-B931-450C-AC19-8411EBF83875}" type="sibTrans" cxnId="{0E4D7867-5A55-471F-A684-8069BF49A4DA}">
-      <dgm:prSet/>
-      <dgm:spPr/>
-      <dgm:t>
-        <a:bodyPr/>
-        <a:lstStyle/>
-        <a:p>
-          <a:endParaRPr lang="en-IN"/>
-        </a:p>
-      </dgm:t>
-    </dgm:pt>
-    <dgm:pt modelId="{67B7E1C6-A40F-4CFB-82D2-5048AD225428}">
-      <dgm:prSet phldrT="[Text]"/>
-      <dgm:spPr/>
-      <dgm:t>
-        <a:bodyPr/>
-        <a:lstStyle/>
-        <a:p>
-          <a:r>
-            <a:rPr lang="en-IN" dirty="0"/>
-            <a:t>Order tracking</a:t>
-          </a:r>
-        </a:p>
-      </dgm:t>
-    </dgm:pt>
-    <dgm:pt modelId="{E6209613-959B-428B-9278-D076DA0CA03F}" type="parTrans" cxnId="{68865425-55BD-4088-88A4-4B12975030CD}">
-      <dgm:prSet/>
-      <dgm:spPr/>
-      <dgm:t>
-        <a:bodyPr/>
-        <a:lstStyle/>
-        <a:p>
-          <a:endParaRPr lang="en-IN"/>
-        </a:p>
-      </dgm:t>
-    </dgm:pt>
-    <dgm:pt modelId="{558B64E7-C763-4995-9141-CCBC95B22495}" type="sibTrans" cxnId="{68865425-55BD-4088-88A4-4B12975030CD}">
-      <dgm:prSet/>
-      <dgm:spPr/>
-      <dgm:t>
-        <a:bodyPr/>
-        <a:lstStyle/>
-        <a:p>
-          <a:endParaRPr lang="en-IN"/>
-        </a:p>
-      </dgm:t>
-    </dgm:pt>
-    <dgm:pt modelId="{C8E61C07-239E-457B-99E4-6F942CB22AA7}">
-      <dgm:prSet phldrT="[Text]"/>
-      <dgm:spPr/>
-      <dgm:t>
-        <a:bodyPr/>
-        <a:lstStyle/>
-        <a:p>
-          <a:r>
-            <a:rPr lang="en-IN" dirty="0"/>
-            <a:t>Returns and complains</a:t>
-          </a:r>
-        </a:p>
-      </dgm:t>
-    </dgm:pt>
-    <dgm:pt modelId="{9783A8FC-1B27-439B-88BA-29E0500712E4}" type="parTrans" cxnId="{3C88283F-09CA-4829-A016-F81946A4D867}">
-      <dgm:prSet/>
-      <dgm:spPr/>
-      <dgm:t>
-        <a:bodyPr/>
-        <a:lstStyle/>
-        <a:p>
-          <a:endParaRPr lang="en-IN"/>
-        </a:p>
-      </dgm:t>
-    </dgm:pt>
-    <dgm:pt modelId="{06BE6A98-F599-4940-BD0E-05FD5DB61A1B}" type="sibTrans" cxnId="{3C88283F-09CA-4829-A016-F81946A4D867}">
-      <dgm:prSet/>
-      <dgm:spPr/>
-      <dgm:t>
-        <a:bodyPr/>
-        <a:lstStyle/>
-        <a:p>
-          <a:endParaRPr lang="en-IN"/>
-        </a:p>
-      </dgm:t>
-    </dgm:pt>
-    <dgm:pt modelId="{3F93548C-AE87-434C-BFA3-009DF51512D6}" type="pres">
-      <dgm:prSet presAssocID="{4E6ED370-810F-4320-80B1-D0CA234B14D4}" presName="hierChild1" presStyleCnt="0">
-        <dgm:presLayoutVars>
-          <dgm:orgChart val="1"/>
-          <dgm:chPref val="1"/>
-          <dgm:dir/>
-          <dgm:animOne val="branch"/>
-          <dgm:animLvl val="lvl"/>
-          <dgm:resizeHandles/>
-        </dgm:presLayoutVars>
-      </dgm:prSet>
-      <dgm:spPr/>
-    </dgm:pt>
-    <dgm:pt modelId="{50AC4417-FAA0-4711-BCFA-A6CEC4F107DC}" type="pres">
-      <dgm:prSet presAssocID="{394B163B-9D57-4961-A854-89AC0B46B7AB}" presName="hierRoot1" presStyleCnt="0">
-        <dgm:presLayoutVars>
-          <dgm:hierBranch val="init"/>
-        </dgm:presLayoutVars>
-      </dgm:prSet>
-      <dgm:spPr/>
-    </dgm:pt>
-    <dgm:pt modelId="{1338CFE1-B9DA-4692-B67A-26098A2225AE}" type="pres">
-      <dgm:prSet presAssocID="{394B163B-9D57-4961-A854-89AC0B46B7AB}" presName="rootComposite1" presStyleCnt="0"/>
-      <dgm:spPr/>
-    </dgm:pt>
-    <dgm:pt modelId="{004A4AAC-0301-4E9B-8818-A6FE1C7ECD44}" type="pres">
-      <dgm:prSet presAssocID="{394B163B-9D57-4961-A854-89AC0B46B7AB}" presName="rootText1" presStyleLbl="node0" presStyleIdx="0" presStyleCnt="1">
-        <dgm:presLayoutVars>
-          <dgm:chPref val="3"/>
-        </dgm:presLayoutVars>
-      </dgm:prSet>
-      <dgm:spPr/>
-    </dgm:pt>
-    <dgm:pt modelId="{53DA39BE-D07E-4D10-8271-081F5C3B34D4}" type="pres">
-      <dgm:prSet presAssocID="{394B163B-9D57-4961-A854-89AC0B46B7AB}" presName="rootConnector1" presStyleLbl="node1" presStyleIdx="0" presStyleCnt="0"/>
-      <dgm:spPr/>
-    </dgm:pt>
-    <dgm:pt modelId="{1BFE5FA2-116E-4339-865F-A20926754277}" type="pres">
-      <dgm:prSet presAssocID="{394B163B-9D57-4961-A854-89AC0B46B7AB}" presName="hierChild2" presStyleCnt="0"/>
-      <dgm:spPr/>
-    </dgm:pt>
-    <dgm:pt modelId="{90BCD54A-B0FA-44D2-9275-72A6982AD330}" type="pres">
-      <dgm:prSet presAssocID="{1E6B044F-FAC5-49D6-B06A-13D21077FDEA}" presName="Name37" presStyleLbl="parChTrans1D2" presStyleIdx="0" presStyleCnt="1"/>
-      <dgm:spPr/>
-    </dgm:pt>
-    <dgm:pt modelId="{ADCA7FC6-716C-4BD7-99FB-1CB00CF1E88A}" type="pres">
-      <dgm:prSet presAssocID="{2187D087-9EE2-44A6-ACCB-ADF6832E66DD}" presName="hierRoot2" presStyleCnt="0">
-        <dgm:presLayoutVars>
-          <dgm:hierBranch val="init"/>
-        </dgm:presLayoutVars>
-      </dgm:prSet>
-      <dgm:spPr/>
-    </dgm:pt>
-    <dgm:pt modelId="{BCAC490C-E0AF-4700-B00D-7AC64C45829E}" type="pres">
-      <dgm:prSet presAssocID="{2187D087-9EE2-44A6-ACCB-ADF6832E66DD}" presName="rootComposite" presStyleCnt="0"/>
-      <dgm:spPr/>
-    </dgm:pt>
-    <dgm:pt modelId="{BE63203B-D36F-4D77-8F4E-B5AF12E4D0A0}" type="pres">
-      <dgm:prSet presAssocID="{2187D087-9EE2-44A6-ACCB-ADF6832E66DD}" presName="rootText" presStyleLbl="node2" presStyleIdx="0" presStyleCnt="1">
-        <dgm:presLayoutVars>
-          <dgm:chPref val="3"/>
-        </dgm:presLayoutVars>
-      </dgm:prSet>
-      <dgm:spPr/>
-    </dgm:pt>
-    <dgm:pt modelId="{D94E7C1A-91DD-4AAC-8A0D-17FE32AC5780}" type="pres">
-      <dgm:prSet presAssocID="{2187D087-9EE2-44A6-ACCB-ADF6832E66DD}" presName="rootConnector" presStyleLbl="node2" presStyleIdx="0" presStyleCnt="1"/>
-      <dgm:spPr/>
-    </dgm:pt>
-    <dgm:pt modelId="{3DE1F0C8-5B02-4B8D-B314-4E46562AEF9B}" type="pres">
-      <dgm:prSet presAssocID="{2187D087-9EE2-44A6-ACCB-ADF6832E66DD}" presName="hierChild4" presStyleCnt="0"/>
-      <dgm:spPr/>
-    </dgm:pt>
-    <dgm:pt modelId="{017F20FE-B318-47FA-9EB8-0361EE02F51B}" type="pres">
-      <dgm:prSet presAssocID="{7C7DC4F1-A934-4305-A383-D0588A55370D}" presName="Name37" presStyleLbl="parChTrans1D3" presStyleIdx="0" presStyleCnt="3"/>
-      <dgm:spPr/>
-    </dgm:pt>
-    <dgm:pt modelId="{1FF90D75-8B53-4CFC-A009-10EEB930E904}" type="pres">
-      <dgm:prSet presAssocID="{3C954F90-C1CD-4391-991A-BCC112D89451}" presName="hierRoot2" presStyleCnt="0">
-        <dgm:presLayoutVars>
-          <dgm:hierBranch val="init"/>
-        </dgm:presLayoutVars>
-      </dgm:prSet>
-      <dgm:spPr/>
-    </dgm:pt>
-    <dgm:pt modelId="{AABA5B92-DD66-4E99-9AEF-45262555E2B4}" type="pres">
-      <dgm:prSet presAssocID="{3C954F90-C1CD-4391-991A-BCC112D89451}" presName="rootComposite" presStyleCnt="0"/>
-      <dgm:spPr/>
-    </dgm:pt>
-    <dgm:pt modelId="{47AC467E-7E57-499B-949F-14E776ED83E9}" type="pres">
-      <dgm:prSet presAssocID="{3C954F90-C1CD-4391-991A-BCC112D89451}" presName="rootText" presStyleLbl="node3" presStyleIdx="0" presStyleCnt="3">
-        <dgm:presLayoutVars>
-          <dgm:chPref val="3"/>
-        </dgm:presLayoutVars>
-      </dgm:prSet>
-      <dgm:spPr/>
-    </dgm:pt>
-    <dgm:pt modelId="{C877694E-3BE5-4EE8-93FC-DC6AB61E3CC9}" type="pres">
-      <dgm:prSet presAssocID="{3C954F90-C1CD-4391-991A-BCC112D89451}" presName="rootConnector" presStyleLbl="node3" presStyleIdx="0" presStyleCnt="3"/>
-      <dgm:spPr/>
-    </dgm:pt>
-    <dgm:pt modelId="{A2B8636E-33E2-49E6-BEFB-1B33796C2031}" type="pres">
-      <dgm:prSet presAssocID="{3C954F90-C1CD-4391-991A-BCC112D89451}" presName="hierChild4" presStyleCnt="0"/>
-      <dgm:spPr/>
-    </dgm:pt>
-    <dgm:pt modelId="{456E5B54-C720-478F-AD2F-23FD3279A321}" type="pres">
-      <dgm:prSet presAssocID="{11CF8F1D-DF3D-4BDB-AFAE-77D426270930}" presName="Name37" presStyleLbl="parChTrans1D4" presStyleIdx="0" presStyleCnt="5"/>
-      <dgm:spPr/>
-    </dgm:pt>
-    <dgm:pt modelId="{395009B6-321B-4771-8962-B24C17666F72}" type="pres">
-      <dgm:prSet presAssocID="{8EC5E09B-FB6A-4C83-8F56-948E873F527F}" presName="hierRoot2" presStyleCnt="0">
-        <dgm:presLayoutVars>
-          <dgm:hierBranch val="init"/>
-        </dgm:presLayoutVars>
-      </dgm:prSet>
-      <dgm:spPr/>
-    </dgm:pt>
-    <dgm:pt modelId="{9727EA2D-371C-4EC1-ACB0-B34350317B2C}" type="pres">
-      <dgm:prSet presAssocID="{8EC5E09B-FB6A-4C83-8F56-948E873F527F}" presName="rootComposite" presStyleCnt="0"/>
-      <dgm:spPr/>
-    </dgm:pt>
-    <dgm:pt modelId="{4EEA32A6-9C87-4C2A-A812-C981C59E2DF3}" type="pres">
-      <dgm:prSet presAssocID="{8EC5E09B-FB6A-4C83-8F56-948E873F527F}" presName="rootText" presStyleLbl="node4" presStyleIdx="0" presStyleCnt="5">
-        <dgm:presLayoutVars>
-          <dgm:chPref val="3"/>
-        </dgm:presLayoutVars>
-      </dgm:prSet>
-      <dgm:spPr/>
-    </dgm:pt>
-    <dgm:pt modelId="{156A4345-3FCC-4DAA-9470-CBD5FA353B49}" type="pres">
-      <dgm:prSet presAssocID="{8EC5E09B-FB6A-4C83-8F56-948E873F527F}" presName="rootConnector" presStyleLbl="node4" presStyleIdx="0" presStyleCnt="5"/>
-      <dgm:spPr/>
-    </dgm:pt>
-    <dgm:pt modelId="{46018701-A9AB-4AEF-A635-C5F70D9A17C9}" type="pres">
-      <dgm:prSet presAssocID="{8EC5E09B-FB6A-4C83-8F56-948E873F527F}" presName="hierChild4" presStyleCnt="0"/>
-      <dgm:spPr/>
-    </dgm:pt>
-    <dgm:pt modelId="{F7771E16-4003-4A33-869D-C97E120C1504}" type="pres">
-      <dgm:prSet presAssocID="{8EC5E09B-FB6A-4C83-8F56-948E873F527F}" presName="hierChild5" presStyleCnt="0"/>
-      <dgm:spPr/>
-    </dgm:pt>
-    <dgm:pt modelId="{C716CE2A-04B5-429C-9969-478A3BA4690B}" type="pres">
-      <dgm:prSet presAssocID="{4F89BC9E-06D8-491F-A9BF-4CC08701CDA0}" presName="Name37" presStyleLbl="parChTrans1D4" presStyleIdx="1" presStyleCnt="5"/>
-      <dgm:spPr/>
-    </dgm:pt>
-    <dgm:pt modelId="{EC024156-D33A-4CE6-89E1-6D713B99AC55}" type="pres">
-      <dgm:prSet presAssocID="{0571ECB0-863E-4E0B-991B-5B6E4434CF9B}" presName="hierRoot2" presStyleCnt="0">
-        <dgm:presLayoutVars>
-          <dgm:hierBranch val="init"/>
-        </dgm:presLayoutVars>
-      </dgm:prSet>
-      <dgm:spPr/>
-    </dgm:pt>
-    <dgm:pt modelId="{AF7E00EC-8CBB-4C44-9687-72C406425AC4}" type="pres">
-      <dgm:prSet presAssocID="{0571ECB0-863E-4E0B-991B-5B6E4434CF9B}" presName="rootComposite" presStyleCnt="0"/>
-      <dgm:spPr/>
-    </dgm:pt>
-    <dgm:pt modelId="{D2A6AFBC-20FF-49C0-B1B5-2FCBFE2160B0}" type="pres">
-      <dgm:prSet presAssocID="{0571ECB0-863E-4E0B-991B-5B6E4434CF9B}" presName="rootText" presStyleLbl="node4" presStyleIdx="1" presStyleCnt="5">
-        <dgm:presLayoutVars>
-          <dgm:chPref val="3"/>
-        </dgm:presLayoutVars>
-      </dgm:prSet>
-      <dgm:spPr/>
-    </dgm:pt>
-    <dgm:pt modelId="{DC13122A-8310-4148-8A78-E2223B546EC7}" type="pres">
-      <dgm:prSet presAssocID="{0571ECB0-863E-4E0B-991B-5B6E4434CF9B}" presName="rootConnector" presStyleLbl="node4" presStyleIdx="1" presStyleCnt="5"/>
-      <dgm:spPr/>
-    </dgm:pt>
-    <dgm:pt modelId="{6C2FF175-005A-42A8-AB70-8E43B66A5D7A}" type="pres">
-      <dgm:prSet presAssocID="{0571ECB0-863E-4E0B-991B-5B6E4434CF9B}" presName="hierChild4" presStyleCnt="0"/>
-      <dgm:spPr/>
-    </dgm:pt>
-    <dgm:pt modelId="{8C8B2F28-256C-48E9-907F-954B3B888B5F}" type="pres">
-      <dgm:prSet presAssocID="{0571ECB0-863E-4E0B-991B-5B6E4434CF9B}" presName="hierChild5" presStyleCnt="0"/>
-      <dgm:spPr/>
-    </dgm:pt>
-    <dgm:pt modelId="{1728B8C7-6A49-4F47-948C-0FEFF03D610B}" type="pres">
-      <dgm:prSet presAssocID="{3C954F90-C1CD-4391-991A-BCC112D89451}" presName="hierChild5" presStyleCnt="0"/>
-      <dgm:spPr/>
-    </dgm:pt>
-    <dgm:pt modelId="{FF5F66DA-1CF0-490F-A37D-78690ED6D75D}" type="pres">
-      <dgm:prSet presAssocID="{9B5C5240-683C-424E-B7BA-02484B8D00BE}" presName="Name37" presStyleLbl="parChTrans1D3" presStyleIdx="1" presStyleCnt="3"/>
-      <dgm:spPr/>
-    </dgm:pt>
-    <dgm:pt modelId="{9AEA362C-F696-4E7E-B6B8-B9A93E23240A}" type="pres">
-      <dgm:prSet presAssocID="{D2FFD3D0-2329-4885-9571-6ADBB23988E2}" presName="hierRoot2" presStyleCnt="0">
-        <dgm:presLayoutVars>
-          <dgm:hierBranch val="init"/>
-        </dgm:presLayoutVars>
-      </dgm:prSet>
-      <dgm:spPr/>
-    </dgm:pt>
-    <dgm:pt modelId="{BB263C64-82E6-41AD-8F61-7D68DC13A211}" type="pres">
-      <dgm:prSet presAssocID="{D2FFD3D0-2329-4885-9571-6ADBB23988E2}" presName="rootComposite" presStyleCnt="0"/>
-      <dgm:spPr/>
-    </dgm:pt>
-    <dgm:pt modelId="{C4A3385C-B6CD-4A14-B90B-846245C50285}" type="pres">
-      <dgm:prSet presAssocID="{D2FFD3D0-2329-4885-9571-6ADBB23988E2}" presName="rootText" presStyleLbl="node3" presStyleIdx="1" presStyleCnt="3" custLinFactNeighborX="2956" custLinFactNeighborY="1326">
-        <dgm:presLayoutVars>
-          <dgm:chPref val="3"/>
-        </dgm:presLayoutVars>
-      </dgm:prSet>
-      <dgm:spPr/>
-    </dgm:pt>
-    <dgm:pt modelId="{4281C92C-54AF-4398-8805-40850520397D}" type="pres">
-      <dgm:prSet presAssocID="{D2FFD3D0-2329-4885-9571-6ADBB23988E2}" presName="rootConnector" presStyleLbl="node3" presStyleIdx="1" presStyleCnt="3"/>
-      <dgm:spPr/>
-    </dgm:pt>
-    <dgm:pt modelId="{0B99F5DC-F03B-454A-A517-A1F24A355926}" type="pres">
-      <dgm:prSet presAssocID="{D2FFD3D0-2329-4885-9571-6ADBB23988E2}" presName="hierChild4" presStyleCnt="0"/>
-      <dgm:spPr/>
-    </dgm:pt>
-    <dgm:pt modelId="{FB04A2D0-95D2-43D5-83DC-9AC556981415}" type="pres">
-      <dgm:prSet presAssocID="{3F22CE2E-53A0-49DA-8DE4-9FD2811AD331}" presName="Name37" presStyleLbl="parChTrans1D4" presStyleIdx="2" presStyleCnt="5"/>
-      <dgm:spPr/>
-    </dgm:pt>
-    <dgm:pt modelId="{05ACD122-4A51-4E60-A15F-314BB15501A9}" type="pres">
-      <dgm:prSet presAssocID="{15BA2CFE-35D4-40F2-AD29-6AAD5166F2D6}" presName="hierRoot2" presStyleCnt="0">
-        <dgm:presLayoutVars>
-          <dgm:hierBranch val="init"/>
-        </dgm:presLayoutVars>
-      </dgm:prSet>
-      <dgm:spPr/>
-    </dgm:pt>
-    <dgm:pt modelId="{089682A8-60E6-4ACC-A901-CF61ADA7237F}" type="pres">
-      <dgm:prSet presAssocID="{15BA2CFE-35D4-40F2-AD29-6AAD5166F2D6}" presName="rootComposite" presStyleCnt="0"/>
-      <dgm:spPr/>
-    </dgm:pt>
-    <dgm:pt modelId="{683B2DA6-D153-4A3B-8AB9-649BB67D0272}" type="pres">
-      <dgm:prSet presAssocID="{15BA2CFE-35D4-40F2-AD29-6AAD5166F2D6}" presName="rootText" presStyleLbl="node4" presStyleIdx="2" presStyleCnt="5">
-        <dgm:presLayoutVars>
-          <dgm:chPref val="3"/>
-        </dgm:presLayoutVars>
-      </dgm:prSet>
-      <dgm:spPr/>
-    </dgm:pt>
-    <dgm:pt modelId="{52B7E9F2-F8C1-4A8D-9EAF-ADB4A30142C2}" type="pres">
-      <dgm:prSet presAssocID="{15BA2CFE-35D4-40F2-AD29-6AAD5166F2D6}" presName="rootConnector" presStyleLbl="node4" presStyleIdx="2" presStyleCnt="5"/>
-      <dgm:spPr/>
-    </dgm:pt>
-    <dgm:pt modelId="{272ADF91-7D66-409E-BBA8-78EEC9720C69}" type="pres">
-      <dgm:prSet presAssocID="{15BA2CFE-35D4-40F2-AD29-6AAD5166F2D6}" presName="hierChild4" presStyleCnt="0"/>
-      <dgm:spPr/>
-    </dgm:pt>
-    <dgm:pt modelId="{A6E84658-686B-4784-9276-6C93A5FD6F2B}" type="pres">
-      <dgm:prSet presAssocID="{15BA2CFE-35D4-40F2-AD29-6AAD5166F2D6}" presName="hierChild5" presStyleCnt="0"/>
-      <dgm:spPr/>
-    </dgm:pt>
-    <dgm:pt modelId="{6465CD47-D0E8-4F75-BE1D-CE7DB7357116}" type="pres">
-      <dgm:prSet presAssocID="{D2FFD3D0-2329-4885-9571-6ADBB23988E2}" presName="hierChild5" presStyleCnt="0"/>
-      <dgm:spPr/>
-    </dgm:pt>
-    <dgm:pt modelId="{55D4AE89-E944-4B4B-8EEE-13C956F7EF6D}" type="pres">
-      <dgm:prSet presAssocID="{4FC5F2AC-667B-4DC2-8FFD-28F5724C7C9F}" presName="Name37" presStyleLbl="parChTrans1D3" presStyleIdx="2" presStyleCnt="3"/>
-      <dgm:spPr/>
-    </dgm:pt>
-    <dgm:pt modelId="{F1161A88-8021-46E7-B07C-DFAB39FE9887}" type="pres">
-      <dgm:prSet presAssocID="{32B1BE62-822C-4A70-97C1-BCEF68C5A689}" presName="hierRoot2" presStyleCnt="0">
-        <dgm:presLayoutVars>
-          <dgm:hierBranch val="init"/>
-        </dgm:presLayoutVars>
-      </dgm:prSet>
-      <dgm:spPr/>
-    </dgm:pt>
-    <dgm:pt modelId="{AEF3C3CC-82AF-498B-BAC4-4B4F0B3F6EE8}" type="pres">
-      <dgm:prSet presAssocID="{32B1BE62-822C-4A70-97C1-BCEF68C5A689}" presName="rootComposite" presStyleCnt="0"/>
-      <dgm:spPr/>
-    </dgm:pt>
-    <dgm:pt modelId="{A9096BC4-D43A-4B88-8809-3D5D0DC88493}" type="pres">
-      <dgm:prSet presAssocID="{32B1BE62-822C-4A70-97C1-BCEF68C5A689}" presName="rootText" presStyleLbl="node3" presStyleIdx="2" presStyleCnt="3">
-        <dgm:presLayoutVars>
-          <dgm:chPref val="3"/>
-        </dgm:presLayoutVars>
-      </dgm:prSet>
-      <dgm:spPr/>
-    </dgm:pt>
-    <dgm:pt modelId="{E861C789-4E2C-4F2B-BE5B-2F79DC388EB8}" type="pres">
-      <dgm:prSet presAssocID="{32B1BE62-822C-4A70-97C1-BCEF68C5A689}" presName="rootConnector" presStyleLbl="node3" presStyleIdx="2" presStyleCnt="3"/>
-      <dgm:spPr/>
-    </dgm:pt>
-    <dgm:pt modelId="{57C47715-2DE3-4471-BBFF-82AE0074F34B}" type="pres">
-      <dgm:prSet presAssocID="{32B1BE62-822C-4A70-97C1-BCEF68C5A689}" presName="hierChild4" presStyleCnt="0"/>
-      <dgm:spPr/>
-    </dgm:pt>
-    <dgm:pt modelId="{DA5747FD-5258-48EB-9F88-45CE459ED942}" type="pres">
-      <dgm:prSet presAssocID="{E6209613-959B-428B-9278-D076DA0CA03F}" presName="Name37" presStyleLbl="parChTrans1D4" presStyleIdx="3" presStyleCnt="5"/>
-      <dgm:spPr/>
-    </dgm:pt>
-    <dgm:pt modelId="{EAD58E87-A554-43CE-AEE7-EA4892CD7A78}" type="pres">
-      <dgm:prSet presAssocID="{67B7E1C6-A40F-4CFB-82D2-5048AD225428}" presName="hierRoot2" presStyleCnt="0">
-        <dgm:presLayoutVars>
-          <dgm:hierBranch val="init"/>
-        </dgm:presLayoutVars>
-      </dgm:prSet>
-      <dgm:spPr/>
-    </dgm:pt>
-    <dgm:pt modelId="{083F9795-99D4-4091-810D-DF63E7039625}" type="pres">
-      <dgm:prSet presAssocID="{67B7E1C6-A40F-4CFB-82D2-5048AD225428}" presName="rootComposite" presStyleCnt="0"/>
-      <dgm:spPr/>
-    </dgm:pt>
-    <dgm:pt modelId="{69A0EAE2-ECBE-4426-83FF-9C0A73D1B45D}" type="pres">
-      <dgm:prSet presAssocID="{67B7E1C6-A40F-4CFB-82D2-5048AD225428}" presName="rootText" presStyleLbl="node4" presStyleIdx="3" presStyleCnt="5">
-        <dgm:presLayoutVars>
-          <dgm:chPref val="3"/>
-        </dgm:presLayoutVars>
-      </dgm:prSet>
-      <dgm:spPr/>
-    </dgm:pt>
-    <dgm:pt modelId="{EE047876-1857-4B34-B92C-B70C1EAA0C3A}" type="pres">
-      <dgm:prSet presAssocID="{67B7E1C6-A40F-4CFB-82D2-5048AD225428}" presName="rootConnector" presStyleLbl="node4" presStyleIdx="3" presStyleCnt="5"/>
-      <dgm:spPr/>
-    </dgm:pt>
-    <dgm:pt modelId="{768E649A-9137-40A1-A973-16311F3A576C}" type="pres">
-      <dgm:prSet presAssocID="{67B7E1C6-A40F-4CFB-82D2-5048AD225428}" presName="hierChild4" presStyleCnt="0"/>
-      <dgm:spPr/>
-    </dgm:pt>
-    <dgm:pt modelId="{7FFE0687-CE93-48CF-83F4-F24A4D62D4AE}" type="pres">
-      <dgm:prSet presAssocID="{67B7E1C6-A40F-4CFB-82D2-5048AD225428}" presName="hierChild5" presStyleCnt="0"/>
-      <dgm:spPr/>
-    </dgm:pt>
-    <dgm:pt modelId="{C6C1E2E7-E970-4029-A883-07EF72E2DC5A}" type="pres">
-      <dgm:prSet presAssocID="{9783A8FC-1B27-439B-88BA-29E0500712E4}" presName="Name37" presStyleLbl="parChTrans1D4" presStyleIdx="4" presStyleCnt="5"/>
-      <dgm:spPr/>
-    </dgm:pt>
-    <dgm:pt modelId="{6A935CAC-F849-4C71-BCF0-6E381CBE1768}" type="pres">
-      <dgm:prSet presAssocID="{C8E61C07-239E-457B-99E4-6F942CB22AA7}" presName="hierRoot2" presStyleCnt="0">
-        <dgm:presLayoutVars>
-          <dgm:hierBranch val="init"/>
-        </dgm:presLayoutVars>
-      </dgm:prSet>
-      <dgm:spPr/>
-    </dgm:pt>
-    <dgm:pt modelId="{59175BBA-5F36-40C0-B9F7-84C6B14224FE}" type="pres">
-      <dgm:prSet presAssocID="{C8E61C07-239E-457B-99E4-6F942CB22AA7}" presName="rootComposite" presStyleCnt="0"/>
-      <dgm:spPr/>
-    </dgm:pt>
-    <dgm:pt modelId="{51BC58A0-0A27-40DB-9F48-68272D4CBAE5}" type="pres">
-      <dgm:prSet presAssocID="{C8E61C07-239E-457B-99E4-6F942CB22AA7}" presName="rootText" presStyleLbl="node4" presStyleIdx="4" presStyleCnt="5">
-        <dgm:presLayoutVars>
-          <dgm:chPref val="3"/>
-        </dgm:presLayoutVars>
-      </dgm:prSet>
-      <dgm:spPr/>
-    </dgm:pt>
-    <dgm:pt modelId="{77F4CA19-223F-49B4-8CE2-56C04C8EB733}" type="pres">
-      <dgm:prSet presAssocID="{C8E61C07-239E-457B-99E4-6F942CB22AA7}" presName="rootConnector" presStyleLbl="node4" presStyleIdx="4" presStyleCnt="5"/>
-      <dgm:spPr/>
-    </dgm:pt>
-    <dgm:pt modelId="{0E37436E-4BC1-4C10-9FBB-2FCEB026AA63}" type="pres">
-      <dgm:prSet presAssocID="{C8E61C07-239E-457B-99E4-6F942CB22AA7}" presName="hierChild4" presStyleCnt="0"/>
-      <dgm:spPr/>
-    </dgm:pt>
-    <dgm:pt modelId="{71181D72-F9F8-44B2-B47A-0E36C07354F5}" type="pres">
-      <dgm:prSet presAssocID="{C8E61C07-239E-457B-99E4-6F942CB22AA7}" presName="hierChild5" presStyleCnt="0"/>
-      <dgm:spPr/>
-    </dgm:pt>
-    <dgm:pt modelId="{43B78F52-E4EE-4EF7-90A4-3B85DB9A98DE}" type="pres">
-      <dgm:prSet presAssocID="{32B1BE62-822C-4A70-97C1-BCEF68C5A689}" presName="hierChild5" presStyleCnt="0"/>
-      <dgm:spPr/>
-    </dgm:pt>
-    <dgm:pt modelId="{A3806397-3662-44F1-BF8D-4118EC1E901A}" type="pres">
-      <dgm:prSet presAssocID="{2187D087-9EE2-44A6-ACCB-ADF6832E66DD}" presName="hierChild5" presStyleCnt="0"/>
-      <dgm:spPr/>
-    </dgm:pt>
-    <dgm:pt modelId="{4205C7BE-B186-4265-8414-2542275922C1}" type="pres">
-      <dgm:prSet presAssocID="{394B163B-9D57-4961-A854-89AC0B46B7AB}" presName="hierChild3" presStyleCnt="0"/>
-      <dgm:spPr/>
-    </dgm:pt>
-  </dgm:ptLst>
-  <dgm:cxnLst>
-    <dgm:cxn modelId="{3D910100-AA40-4238-A246-9E259695AE4B}" type="presOf" srcId="{15BA2CFE-35D4-40F2-AD29-6AAD5166F2D6}" destId="{683B2DA6-D153-4A3B-8AB9-649BB67D0272}" srcOrd="0" destOrd="0" presId="urn:microsoft.com/office/officeart/2005/8/layout/orgChart1"/>
-    <dgm:cxn modelId="{887B8002-7FC8-46EB-9DE4-F4A7005CDBE0}" type="presOf" srcId="{32B1BE62-822C-4A70-97C1-BCEF68C5A689}" destId="{A9096BC4-D43A-4B88-8809-3D5D0DC88493}" srcOrd="0" destOrd="0" presId="urn:microsoft.com/office/officeart/2005/8/layout/orgChart1"/>
-    <dgm:cxn modelId="{80148802-E074-4EAE-825D-981CF221B524}" type="presOf" srcId="{3C954F90-C1CD-4391-991A-BCC112D89451}" destId="{47AC467E-7E57-499B-949F-14E776ED83E9}" srcOrd="0" destOrd="0" presId="urn:microsoft.com/office/officeart/2005/8/layout/orgChart1"/>
-    <dgm:cxn modelId="{BEEBCC0F-4DFA-4FB4-85A3-880F7E7BED12}" type="presOf" srcId="{D2FFD3D0-2329-4885-9571-6ADBB23988E2}" destId="{4281C92C-54AF-4398-8805-40850520397D}" srcOrd="1" destOrd="0" presId="urn:microsoft.com/office/officeart/2005/8/layout/orgChart1"/>
-    <dgm:cxn modelId="{FAD4571C-FFA7-4AC3-B8A6-A1C1172C95DF}" type="presOf" srcId="{9783A8FC-1B27-439B-88BA-29E0500712E4}" destId="{C6C1E2E7-E970-4029-A883-07EF72E2DC5A}" srcOrd="0" destOrd="0" presId="urn:microsoft.com/office/officeart/2005/8/layout/orgChart1"/>
-    <dgm:cxn modelId="{DE4E281F-6C54-4ED4-B21C-F1718ECFBAE5}" type="presOf" srcId="{9B5C5240-683C-424E-B7BA-02484B8D00BE}" destId="{FF5F66DA-1CF0-490F-A37D-78690ED6D75D}" srcOrd="0" destOrd="0" presId="urn:microsoft.com/office/officeart/2005/8/layout/orgChart1"/>
-    <dgm:cxn modelId="{68865425-55BD-4088-88A4-4B12975030CD}" srcId="{32B1BE62-822C-4A70-97C1-BCEF68C5A689}" destId="{67B7E1C6-A40F-4CFB-82D2-5048AD225428}" srcOrd="0" destOrd="0" parTransId="{E6209613-959B-428B-9278-D076DA0CA03F}" sibTransId="{558B64E7-C763-4995-9141-CCBC95B22495}"/>
-    <dgm:cxn modelId="{9AEEC128-CAF0-46A0-8BEC-7F76ADEE6FB2}" srcId="{394B163B-9D57-4961-A854-89AC0B46B7AB}" destId="{2187D087-9EE2-44A6-ACCB-ADF6832E66DD}" srcOrd="0" destOrd="0" parTransId="{1E6B044F-FAC5-49D6-B06A-13D21077FDEA}" sibTransId="{A9D7D275-BF4A-421E-A55E-1EAF268DA517}"/>
-    <dgm:cxn modelId="{41F4C22C-ACB6-41C8-A528-B2F00401CE6E}" type="presOf" srcId="{4F89BC9E-06D8-491F-A9BF-4CC08701CDA0}" destId="{C716CE2A-04B5-429C-9969-478A3BA4690B}" srcOrd="0" destOrd="0" presId="urn:microsoft.com/office/officeart/2005/8/layout/orgChart1"/>
-    <dgm:cxn modelId="{DC85A236-4935-4A74-A33B-A6D88BD785BD}" srcId="{3C954F90-C1CD-4391-991A-BCC112D89451}" destId="{8EC5E09B-FB6A-4C83-8F56-948E873F527F}" srcOrd="0" destOrd="0" parTransId="{11CF8F1D-DF3D-4BDB-AFAE-77D426270930}" sibTransId="{07C81C5D-553A-4699-8A61-9AFFB38C14EE}"/>
-    <dgm:cxn modelId="{DC1C083B-0B72-4053-955D-F28D1FC157E3}" type="presOf" srcId="{0571ECB0-863E-4E0B-991B-5B6E4434CF9B}" destId="{DC13122A-8310-4148-8A78-E2223B546EC7}" srcOrd="1" destOrd="0" presId="urn:microsoft.com/office/officeart/2005/8/layout/orgChart1"/>
-    <dgm:cxn modelId="{7F88B03B-79BE-4CB7-A224-51A0502F7B29}" type="presOf" srcId="{4E6ED370-810F-4320-80B1-D0CA234B14D4}" destId="{3F93548C-AE87-434C-BFA3-009DF51512D6}" srcOrd="0" destOrd="0" presId="urn:microsoft.com/office/officeart/2005/8/layout/orgChart1"/>
-    <dgm:cxn modelId="{3C88283F-09CA-4829-A016-F81946A4D867}" srcId="{32B1BE62-822C-4A70-97C1-BCEF68C5A689}" destId="{C8E61C07-239E-457B-99E4-6F942CB22AA7}" srcOrd="1" destOrd="0" parTransId="{9783A8FC-1B27-439B-88BA-29E0500712E4}" sibTransId="{06BE6A98-F599-4940-BD0E-05FD5DB61A1B}"/>
-    <dgm:cxn modelId="{CA4D255B-71BD-4513-9182-8849CA2AC8A5}" type="presOf" srcId="{15BA2CFE-35D4-40F2-AD29-6AAD5166F2D6}" destId="{52B7E9F2-F8C1-4A8D-9EAF-ADB4A30142C2}" srcOrd="1" destOrd="0" presId="urn:microsoft.com/office/officeart/2005/8/layout/orgChart1"/>
-    <dgm:cxn modelId="{0E4D7867-5A55-471F-A684-8069BF49A4DA}" srcId="{D2FFD3D0-2329-4885-9571-6ADBB23988E2}" destId="{15BA2CFE-35D4-40F2-AD29-6AAD5166F2D6}" srcOrd="0" destOrd="0" parTransId="{3F22CE2E-53A0-49DA-8DE4-9FD2811AD331}" sibTransId="{BEBBA659-B931-450C-AC19-8411EBF83875}"/>
-    <dgm:cxn modelId="{075D5D48-9048-43EC-8AF0-37834251FCFB}" srcId="{2187D087-9EE2-44A6-ACCB-ADF6832E66DD}" destId="{D2FFD3D0-2329-4885-9571-6ADBB23988E2}" srcOrd="1" destOrd="0" parTransId="{9B5C5240-683C-424E-B7BA-02484B8D00BE}" sibTransId="{A9F076DC-5F17-46AA-BCB9-328288C21981}"/>
-    <dgm:cxn modelId="{9166A96D-13E9-43B6-92C1-8E0AE412280F}" type="presOf" srcId="{7C7DC4F1-A934-4305-A383-D0588A55370D}" destId="{017F20FE-B318-47FA-9EB8-0361EE02F51B}" srcOrd="0" destOrd="0" presId="urn:microsoft.com/office/officeart/2005/8/layout/orgChart1"/>
-    <dgm:cxn modelId="{B3421C4E-2D95-4856-A6E5-FFE94AF03A12}" type="presOf" srcId="{11CF8F1D-DF3D-4BDB-AFAE-77D426270930}" destId="{456E5B54-C720-478F-AD2F-23FD3279A321}" srcOrd="0" destOrd="0" presId="urn:microsoft.com/office/officeart/2005/8/layout/orgChart1"/>
-    <dgm:cxn modelId="{7AD69F6E-0BF6-4D98-8FD5-97F69EFBED4D}" srcId="{4E6ED370-810F-4320-80B1-D0CA234B14D4}" destId="{394B163B-9D57-4961-A854-89AC0B46B7AB}" srcOrd="0" destOrd="0" parTransId="{2B976AEF-72DC-4803-AF39-0D407C5B71BE}" sibTransId="{A5ACE4D8-C6A3-41A5-9E36-495908F24347}"/>
-    <dgm:cxn modelId="{B51A1750-E912-4E51-AA27-0FFCF215BB6D}" type="presOf" srcId="{C8E61C07-239E-457B-99E4-6F942CB22AA7}" destId="{51BC58A0-0A27-40DB-9F48-68272D4CBAE5}" srcOrd="0" destOrd="0" presId="urn:microsoft.com/office/officeart/2005/8/layout/orgChart1"/>
-    <dgm:cxn modelId="{1827C950-A7D3-4802-B226-C6F6DD98FAC5}" type="presOf" srcId="{3F22CE2E-53A0-49DA-8DE4-9FD2811AD331}" destId="{FB04A2D0-95D2-43D5-83DC-9AC556981415}" srcOrd="0" destOrd="0" presId="urn:microsoft.com/office/officeart/2005/8/layout/orgChart1"/>
-    <dgm:cxn modelId="{2EBF9751-9CEF-4329-A033-CC763E8D350D}" type="presOf" srcId="{2187D087-9EE2-44A6-ACCB-ADF6832E66DD}" destId="{BE63203B-D36F-4D77-8F4E-B5AF12E4D0A0}" srcOrd="0" destOrd="0" presId="urn:microsoft.com/office/officeart/2005/8/layout/orgChart1"/>
-    <dgm:cxn modelId="{C53D3453-AF7C-481D-ABC4-6CC88A4CBAD6}" type="presOf" srcId="{2187D087-9EE2-44A6-ACCB-ADF6832E66DD}" destId="{D94E7C1A-91DD-4AAC-8A0D-17FE32AC5780}" srcOrd="1" destOrd="0" presId="urn:microsoft.com/office/officeart/2005/8/layout/orgChart1"/>
-    <dgm:cxn modelId="{846C0575-7045-482A-B074-8C158C1BDA7E}" type="presOf" srcId="{394B163B-9D57-4961-A854-89AC0B46B7AB}" destId="{53DA39BE-D07E-4D10-8271-081F5C3B34D4}" srcOrd="1" destOrd="0" presId="urn:microsoft.com/office/officeart/2005/8/layout/orgChart1"/>
-    <dgm:cxn modelId="{12517E56-7351-42E0-A344-4BD9763D8BDA}" type="presOf" srcId="{3C954F90-C1CD-4391-991A-BCC112D89451}" destId="{C877694E-3BE5-4EE8-93FC-DC6AB61E3CC9}" srcOrd="1" destOrd="0" presId="urn:microsoft.com/office/officeart/2005/8/layout/orgChart1"/>
-    <dgm:cxn modelId="{10808E58-313F-4EFF-BB09-31FB3EDEAAFE}" srcId="{2187D087-9EE2-44A6-ACCB-ADF6832E66DD}" destId="{32B1BE62-822C-4A70-97C1-BCEF68C5A689}" srcOrd="2" destOrd="0" parTransId="{4FC5F2AC-667B-4DC2-8FFD-28F5724C7C9F}" sibTransId="{BE851206-4D01-43F4-A136-5D35B9745945}"/>
-    <dgm:cxn modelId="{EB644183-AAE8-42A0-BA70-DDA4E3319ABE}" type="presOf" srcId="{67B7E1C6-A40F-4CFB-82D2-5048AD225428}" destId="{EE047876-1857-4B34-B92C-B70C1EAA0C3A}" srcOrd="1" destOrd="0" presId="urn:microsoft.com/office/officeart/2005/8/layout/orgChart1"/>
-    <dgm:cxn modelId="{78E7ED9F-CDE8-46CE-B1A5-2FD9B6D62206}" type="presOf" srcId="{4FC5F2AC-667B-4DC2-8FFD-28F5724C7C9F}" destId="{55D4AE89-E944-4B4B-8EEE-13C956F7EF6D}" srcOrd="0" destOrd="0" presId="urn:microsoft.com/office/officeart/2005/8/layout/orgChart1"/>
-    <dgm:cxn modelId="{4F20A8A3-C06E-452E-856E-0454C0338588}" type="presOf" srcId="{394B163B-9D57-4961-A854-89AC0B46B7AB}" destId="{004A4AAC-0301-4E9B-8818-A6FE1C7ECD44}" srcOrd="0" destOrd="0" presId="urn:microsoft.com/office/officeart/2005/8/layout/orgChart1"/>
-    <dgm:cxn modelId="{DD7E7AB0-08F0-4AA7-9D39-760E92699D57}" type="presOf" srcId="{32B1BE62-822C-4A70-97C1-BCEF68C5A689}" destId="{E861C789-4E2C-4F2B-BE5B-2F79DC388EB8}" srcOrd="1" destOrd="0" presId="urn:microsoft.com/office/officeart/2005/8/layout/orgChart1"/>
-    <dgm:cxn modelId="{5EB0A5B4-39CA-4CE4-8A46-210E68547922}" type="presOf" srcId="{D2FFD3D0-2329-4885-9571-6ADBB23988E2}" destId="{C4A3385C-B6CD-4A14-B90B-846245C50285}" srcOrd="0" destOrd="0" presId="urn:microsoft.com/office/officeart/2005/8/layout/orgChart1"/>
-    <dgm:cxn modelId="{943A3BBC-76D1-4E8F-8800-8FE5B54CA9EC}" type="presOf" srcId="{0571ECB0-863E-4E0B-991B-5B6E4434CF9B}" destId="{D2A6AFBC-20FF-49C0-B1B5-2FCBFE2160B0}" srcOrd="0" destOrd="0" presId="urn:microsoft.com/office/officeart/2005/8/layout/orgChart1"/>
-    <dgm:cxn modelId="{4913B9D1-9E86-4B73-9842-BA448BA5289F}" type="presOf" srcId="{C8E61C07-239E-457B-99E4-6F942CB22AA7}" destId="{77F4CA19-223F-49B4-8CE2-56C04C8EB733}" srcOrd="1" destOrd="0" presId="urn:microsoft.com/office/officeart/2005/8/layout/orgChart1"/>
-    <dgm:cxn modelId="{19A567DD-E7E1-4031-BDDA-110D127D212E}" type="presOf" srcId="{8EC5E09B-FB6A-4C83-8F56-948E873F527F}" destId="{156A4345-3FCC-4DAA-9470-CBD5FA353B49}" srcOrd="1" destOrd="0" presId="urn:microsoft.com/office/officeart/2005/8/layout/orgChart1"/>
-    <dgm:cxn modelId="{A8D938E2-F82C-49A7-ACEF-689511A58CF5}" type="presOf" srcId="{1E6B044F-FAC5-49D6-B06A-13D21077FDEA}" destId="{90BCD54A-B0FA-44D2-9275-72A6982AD330}" srcOrd="0" destOrd="0" presId="urn:microsoft.com/office/officeart/2005/8/layout/orgChart1"/>
-    <dgm:cxn modelId="{AE60A4E5-7DD5-4CEE-87B2-BEDE9A6005D7}" type="presOf" srcId="{67B7E1C6-A40F-4CFB-82D2-5048AD225428}" destId="{69A0EAE2-ECBE-4426-83FF-9C0A73D1B45D}" srcOrd="0" destOrd="0" presId="urn:microsoft.com/office/officeart/2005/8/layout/orgChart1"/>
-    <dgm:cxn modelId="{E91B30E7-473A-4063-9D12-933FF1F00843}" type="presOf" srcId="{8EC5E09B-FB6A-4C83-8F56-948E873F527F}" destId="{4EEA32A6-9C87-4C2A-A812-C981C59E2DF3}" srcOrd="0" destOrd="0" presId="urn:microsoft.com/office/officeart/2005/8/layout/orgChart1"/>
-    <dgm:cxn modelId="{38AF07E9-3683-4CEE-9712-B7907A76ED79}" srcId="{3C954F90-C1CD-4391-991A-BCC112D89451}" destId="{0571ECB0-863E-4E0B-991B-5B6E4434CF9B}" srcOrd="1" destOrd="0" parTransId="{4F89BC9E-06D8-491F-A9BF-4CC08701CDA0}" sibTransId="{AE58F1E0-EE09-4D3C-874A-B9A13F04B47D}"/>
-    <dgm:cxn modelId="{770931F0-A25D-45E0-9985-641C10EED61E}" srcId="{2187D087-9EE2-44A6-ACCB-ADF6832E66DD}" destId="{3C954F90-C1CD-4391-991A-BCC112D89451}" srcOrd="0" destOrd="0" parTransId="{7C7DC4F1-A934-4305-A383-D0588A55370D}" sibTransId="{AD04F2D5-2723-4767-8C2A-FFE980EF28C0}"/>
-    <dgm:cxn modelId="{D8CE49F8-161E-4F95-98BF-6CFC14303306}" type="presOf" srcId="{E6209613-959B-428B-9278-D076DA0CA03F}" destId="{DA5747FD-5258-48EB-9F88-45CE459ED942}" srcOrd="0" destOrd="0" presId="urn:microsoft.com/office/officeart/2005/8/layout/orgChart1"/>
-    <dgm:cxn modelId="{545BF4C0-D47F-4EB8-AB8A-07279F1EB8C7}" type="presParOf" srcId="{3F93548C-AE87-434C-BFA3-009DF51512D6}" destId="{50AC4417-FAA0-4711-BCFA-A6CEC4F107DC}" srcOrd="0" destOrd="0" presId="urn:microsoft.com/office/officeart/2005/8/layout/orgChart1"/>
-    <dgm:cxn modelId="{EC948D8A-DECB-4637-8062-FB6BC698420A}" type="presParOf" srcId="{50AC4417-FAA0-4711-BCFA-A6CEC4F107DC}" destId="{1338CFE1-B9DA-4692-B67A-26098A2225AE}" srcOrd="0" destOrd="0" presId="urn:microsoft.com/office/officeart/2005/8/layout/orgChart1"/>
-    <dgm:cxn modelId="{756B627E-8B59-46FD-892C-C7DB217755A7}" type="presParOf" srcId="{1338CFE1-B9DA-4692-B67A-26098A2225AE}" destId="{004A4AAC-0301-4E9B-8818-A6FE1C7ECD44}" srcOrd="0" destOrd="0" presId="urn:microsoft.com/office/officeart/2005/8/layout/orgChart1"/>
-    <dgm:cxn modelId="{4B82B8EC-F853-4D10-93A8-8CB5EDE5A935}" type="presParOf" srcId="{1338CFE1-B9DA-4692-B67A-26098A2225AE}" destId="{53DA39BE-D07E-4D10-8271-081F5C3B34D4}" srcOrd="1" destOrd="0" presId="urn:microsoft.com/office/officeart/2005/8/layout/orgChart1"/>
-    <dgm:cxn modelId="{E09B2831-8B64-4801-850C-C4FFD7A844EF}" type="presParOf" srcId="{50AC4417-FAA0-4711-BCFA-A6CEC4F107DC}" destId="{1BFE5FA2-116E-4339-865F-A20926754277}" srcOrd="1" destOrd="0" presId="urn:microsoft.com/office/officeart/2005/8/layout/orgChart1"/>
-    <dgm:cxn modelId="{3BA698BA-B2A0-4EE7-B039-32061F5C497B}" type="presParOf" srcId="{1BFE5FA2-116E-4339-865F-A20926754277}" destId="{90BCD54A-B0FA-44D2-9275-72A6982AD330}" srcOrd="0" destOrd="0" presId="urn:microsoft.com/office/officeart/2005/8/layout/orgChart1"/>
-    <dgm:cxn modelId="{2C1A9B30-E282-433E-9EDC-BA5200DA9F0E}" type="presParOf" srcId="{1BFE5FA2-116E-4339-865F-A20926754277}" destId="{ADCA7FC6-716C-4BD7-99FB-1CB00CF1E88A}" srcOrd="1" destOrd="0" presId="urn:microsoft.com/office/officeart/2005/8/layout/orgChart1"/>
-    <dgm:cxn modelId="{72D74606-15EB-477F-ACA9-8DBA97B83981}" type="presParOf" srcId="{ADCA7FC6-716C-4BD7-99FB-1CB00CF1E88A}" destId="{BCAC490C-E0AF-4700-B00D-7AC64C45829E}" srcOrd="0" destOrd="0" presId="urn:microsoft.com/office/officeart/2005/8/layout/orgChart1"/>
-    <dgm:cxn modelId="{1558532C-797E-476B-BA9F-5821FD0C27B0}" type="presParOf" srcId="{BCAC490C-E0AF-4700-B00D-7AC64C45829E}" destId="{BE63203B-D36F-4D77-8F4E-B5AF12E4D0A0}" srcOrd="0" destOrd="0" presId="urn:microsoft.com/office/officeart/2005/8/layout/orgChart1"/>
-    <dgm:cxn modelId="{66C05B4B-6C8B-4700-82BE-A40AFCBD0DD3}" type="presParOf" srcId="{BCAC490C-E0AF-4700-B00D-7AC64C45829E}" destId="{D94E7C1A-91DD-4AAC-8A0D-17FE32AC5780}" srcOrd="1" destOrd="0" presId="urn:microsoft.com/office/officeart/2005/8/layout/orgChart1"/>
-    <dgm:cxn modelId="{DC534F7C-956A-4FAF-97F0-C9099D9E3474}" type="presParOf" srcId="{ADCA7FC6-716C-4BD7-99FB-1CB00CF1E88A}" destId="{3DE1F0C8-5B02-4B8D-B314-4E46562AEF9B}" srcOrd="1" destOrd="0" presId="urn:microsoft.com/office/officeart/2005/8/layout/orgChart1"/>
-    <dgm:cxn modelId="{7DBBE896-FFF9-4B7C-8FB3-7BD44590B34C}" type="presParOf" srcId="{3DE1F0C8-5B02-4B8D-B314-4E46562AEF9B}" destId="{017F20FE-B318-47FA-9EB8-0361EE02F51B}" srcOrd="0" destOrd="0" presId="urn:microsoft.com/office/officeart/2005/8/layout/orgChart1"/>
-    <dgm:cxn modelId="{9B760C66-3E38-4C8F-9225-CA576A4AC7CB}" type="presParOf" srcId="{3DE1F0C8-5B02-4B8D-B314-4E46562AEF9B}" destId="{1FF90D75-8B53-4CFC-A009-10EEB930E904}" srcOrd="1" destOrd="0" presId="urn:microsoft.com/office/officeart/2005/8/layout/orgChart1"/>
-    <dgm:cxn modelId="{1AA7FB52-64A2-443C-AAC1-ADF1A4343980}" type="presParOf" srcId="{1FF90D75-8B53-4CFC-A009-10EEB930E904}" destId="{AABA5B92-DD66-4E99-9AEF-45262555E2B4}" srcOrd="0" destOrd="0" presId="urn:microsoft.com/office/officeart/2005/8/layout/orgChart1"/>
-    <dgm:cxn modelId="{B2A40EEE-202A-477C-8E09-ABAF8EC3C75D}" type="presParOf" srcId="{AABA5B92-DD66-4E99-9AEF-45262555E2B4}" destId="{47AC467E-7E57-499B-949F-14E776ED83E9}" srcOrd="0" destOrd="0" presId="urn:microsoft.com/office/officeart/2005/8/layout/orgChart1"/>
-    <dgm:cxn modelId="{B368FBAE-2EE7-4592-9AC7-1D68B0767041}" type="presParOf" srcId="{AABA5B92-DD66-4E99-9AEF-45262555E2B4}" destId="{C877694E-3BE5-4EE8-93FC-DC6AB61E3CC9}" srcOrd="1" destOrd="0" presId="urn:microsoft.com/office/officeart/2005/8/layout/orgChart1"/>
-    <dgm:cxn modelId="{8730A65F-40FC-496F-B22F-E0B3D8F73DAE}" type="presParOf" srcId="{1FF90D75-8B53-4CFC-A009-10EEB930E904}" destId="{A2B8636E-33E2-49E6-BEFB-1B33796C2031}" srcOrd="1" destOrd="0" presId="urn:microsoft.com/office/officeart/2005/8/layout/orgChart1"/>
-    <dgm:cxn modelId="{B6EA1F57-73CA-41A7-80E0-2630D1DE53D9}" type="presParOf" srcId="{A2B8636E-33E2-49E6-BEFB-1B33796C2031}" destId="{456E5B54-C720-478F-AD2F-23FD3279A321}" srcOrd="0" destOrd="0" presId="urn:microsoft.com/office/officeart/2005/8/layout/orgChart1"/>
-    <dgm:cxn modelId="{1F1C9BD1-E205-4A7F-B98C-D32596013720}" type="presParOf" srcId="{A2B8636E-33E2-49E6-BEFB-1B33796C2031}" destId="{395009B6-321B-4771-8962-B24C17666F72}" srcOrd="1" destOrd="0" presId="urn:microsoft.com/office/officeart/2005/8/layout/orgChart1"/>
-    <dgm:cxn modelId="{2EA07FCF-520B-4C1C-8D9A-F4CE63AEC7D2}" type="presParOf" srcId="{395009B6-321B-4771-8962-B24C17666F72}" destId="{9727EA2D-371C-4EC1-ACB0-B34350317B2C}" srcOrd="0" destOrd="0" presId="urn:microsoft.com/office/officeart/2005/8/layout/orgChart1"/>
-    <dgm:cxn modelId="{1B0CBAD9-AAF7-404B-93C7-0359208AFD17}" type="presParOf" srcId="{9727EA2D-371C-4EC1-ACB0-B34350317B2C}" destId="{4EEA32A6-9C87-4C2A-A812-C981C59E2DF3}" srcOrd="0" destOrd="0" presId="urn:microsoft.com/office/officeart/2005/8/layout/orgChart1"/>
-    <dgm:cxn modelId="{D06FA79D-C8DF-419E-B06B-35B65245A851}" type="presParOf" srcId="{9727EA2D-371C-4EC1-ACB0-B34350317B2C}" destId="{156A4345-3FCC-4DAA-9470-CBD5FA353B49}" srcOrd="1" destOrd="0" presId="urn:microsoft.com/office/officeart/2005/8/layout/orgChart1"/>
-    <dgm:cxn modelId="{748EC247-CE2B-4029-A6C8-64F31733CA5C}" type="presParOf" srcId="{395009B6-321B-4771-8962-B24C17666F72}" destId="{46018701-A9AB-4AEF-A635-C5F70D9A17C9}" srcOrd="1" destOrd="0" presId="urn:microsoft.com/office/officeart/2005/8/layout/orgChart1"/>
-    <dgm:cxn modelId="{F1628403-0071-4488-B076-3368ABD15C3D}" type="presParOf" srcId="{395009B6-321B-4771-8962-B24C17666F72}" destId="{F7771E16-4003-4A33-869D-C97E120C1504}" srcOrd="2" destOrd="0" presId="urn:microsoft.com/office/officeart/2005/8/layout/orgChart1"/>
-    <dgm:cxn modelId="{5EBB7FBD-2156-4936-9CAC-1691155E1F92}" type="presParOf" srcId="{A2B8636E-33E2-49E6-BEFB-1B33796C2031}" destId="{C716CE2A-04B5-429C-9969-478A3BA4690B}" srcOrd="2" destOrd="0" presId="urn:microsoft.com/office/officeart/2005/8/layout/orgChart1"/>
-    <dgm:cxn modelId="{900A9635-3651-4CF7-A5F9-393697D6F63C}" type="presParOf" srcId="{A2B8636E-33E2-49E6-BEFB-1B33796C2031}" destId="{EC024156-D33A-4CE6-89E1-6D713B99AC55}" srcOrd="3" destOrd="0" presId="urn:microsoft.com/office/officeart/2005/8/layout/orgChart1"/>
-    <dgm:cxn modelId="{293F50A9-B0C8-4155-ABC4-904433160347}" type="presParOf" srcId="{EC024156-D33A-4CE6-89E1-6D713B99AC55}" destId="{AF7E00EC-8CBB-4C44-9687-72C406425AC4}" srcOrd="0" destOrd="0" presId="urn:microsoft.com/office/officeart/2005/8/layout/orgChart1"/>
-    <dgm:cxn modelId="{AD1BE2F5-7275-4C57-8EDA-EC9CF310A86E}" type="presParOf" srcId="{AF7E00EC-8CBB-4C44-9687-72C406425AC4}" destId="{D2A6AFBC-20FF-49C0-B1B5-2FCBFE2160B0}" srcOrd="0" destOrd="0" presId="urn:microsoft.com/office/officeart/2005/8/layout/orgChart1"/>
-    <dgm:cxn modelId="{15697445-E525-4F86-A6A0-7856EEB00751}" type="presParOf" srcId="{AF7E00EC-8CBB-4C44-9687-72C406425AC4}" destId="{DC13122A-8310-4148-8A78-E2223B546EC7}" srcOrd="1" destOrd="0" presId="urn:microsoft.com/office/officeart/2005/8/layout/orgChart1"/>
-    <dgm:cxn modelId="{B6EEF672-6FA1-43C3-A4AD-FDE8E0868F25}" type="presParOf" srcId="{EC024156-D33A-4CE6-89E1-6D713B99AC55}" destId="{6C2FF175-005A-42A8-AB70-8E43B66A5D7A}" srcOrd="1" destOrd="0" presId="urn:microsoft.com/office/officeart/2005/8/layout/orgChart1"/>
-    <dgm:cxn modelId="{CA01AE2C-D5B7-4B7C-9B99-8815BA97D221}" type="presParOf" srcId="{EC024156-D33A-4CE6-89E1-6D713B99AC55}" destId="{8C8B2F28-256C-48E9-907F-954B3B888B5F}" srcOrd="2" destOrd="0" presId="urn:microsoft.com/office/officeart/2005/8/layout/orgChart1"/>
-    <dgm:cxn modelId="{6F6F209F-47E4-447C-94B1-D7B784B8368A}" type="presParOf" srcId="{1FF90D75-8B53-4CFC-A009-10EEB930E904}" destId="{1728B8C7-6A49-4F47-948C-0FEFF03D610B}" srcOrd="2" destOrd="0" presId="urn:microsoft.com/office/officeart/2005/8/layout/orgChart1"/>
-    <dgm:cxn modelId="{93269603-785C-43CC-A7F9-8A54BC7D1CBF}" type="presParOf" srcId="{3DE1F0C8-5B02-4B8D-B314-4E46562AEF9B}" destId="{FF5F66DA-1CF0-490F-A37D-78690ED6D75D}" srcOrd="2" destOrd="0" presId="urn:microsoft.com/office/officeart/2005/8/layout/orgChart1"/>
-    <dgm:cxn modelId="{013C5A7A-9570-47F1-AF45-C015C8FEF822}" type="presParOf" srcId="{3DE1F0C8-5B02-4B8D-B314-4E46562AEF9B}" destId="{9AEA362C-F696-4E7E-B6B8-B9A93E23240A}" srcOrd="3" destOrd="0" presId="urn:microsoft.com/office/officeart/2005/8/layout/orgChart1"/>
-    <dgm:cxn modelId="{0308CD5A-617D-4F09-818A-FAAAEE181F17}" type="presParOf" srcId="{9AEA362C-F696-4E7E-B6B8-B9A93E23240A}" destId="{BB263C64-82E6-41AD-8F61-7D68DC13A211}" srcOrd="0" destOrd="0" presId="urn:microsoft.com/office/officeart/2005/8/layout/orgChart1"/>
-    <dgm:cxn modelId="{35DFD534-F154-4645-9395-607F5E8FCEAC}" type="presParOf" srcId="{BB263C64-82E6-41AD-8F61-7D68DC13A211}" destId="{C4A3385C-B6CD-4A14-B90B-846245C50285}" srcOrd="0" destOrd="0" presId="urn:microsoft.com/office/officeart/2005/8/layout/orgChart1"/>
-    <dgm:cxn modelId="{2DC2E5F2-6487-4850-8440-BCE604D745E1}" type="presParOf" srcId="{BB263C64-82E6-41AD-8F61-7D68DC13A211}" destId="{4281C92C-54AF-4398-8805-40850520397D}" srcOrd="1" destOrd="0" presId="urn:microsoft.com/office/officeart/2005/8/layout/orgChart1"/>
-    <dgm:cxn modelId="{7C51C4FB-2814-4BDD-8F30-4B8AEB66FB6C}" type="presParOf" srcId="{9AEA362C-F696-4E7E-B6B8-B9A93E23240A}" destId="{0B99F5DC-F03B-454A-A517-A1F24A355926}" srcOrd="1" destOrd="0" presId="urn:microsoft.com/office/officeart/2005/8/layout/orgChart1"/>
-    <dgm:cxn modelId="{32806130-D831-4A3D-BDB9-42ADD288A013}" type="presParOf" srcId="{0B99F5DC-F03B-454A-A517-A1F24A355926}" destId="{FB04A2D0-95D2-43D5-83DC-9AC556981415}" srcOrd="0" destOrd="0" presId="urn:microsoft.com/office/officeart/2005/8/layout/orgChart1"/>
-    <dgm:cxn modelId="{8D597F67-C2EB-486C-A711-F1EFAD976480}" type="presParOf" srcId="{0B99F5DC-F03B-454A-A517-A1F24A355926}" destId="{05ACD122-4A51-4E60-A15F-314BB15501A9}" srcOrd="1" destOrd="0" presId="urn:microsoft.com/office/officeart/2005/8/layout/orgChart1"/>
-    <dgm:cxn modelId="{2D652CB7-1073-44ED-A8CE-C77B87D1FE69}" type="presParOf" srcId="{05ACD122-4A51-4E60-A15F-314BB15501A9}" destId="{089682A8-60E6-4ACC-A901-CF61ADA7237F}" srcOrd="0" destOrd="0" presId="urn:microsoft.com/office/officeart/2005/8/layout/orgChart1"/>
-    <dgm:cxn modelId="{454DF448-A546-4AB1-90C6-6080B8939F44}" type="presParOf" srcId="{089682A8-60E6-4ACC-A901-CF61ADA7237F}" destId="{683B2DA6-D153-4A3B-8AB9-649BB67D0272}" srcOrd="0" destOrd="0" presId="urn:microsoft.com/office/officeart/2005/8/layout/orgChart1"/>
-    <dgm:cxn modelId="{189B2D5B-82B5-419F-AEB3-C9CBAD7760C6}" type="presParOf" srcId="{089682A8-60E6-4ACC-A901-CF61ADA7237F}" destId="{52B7E9F2-F8C1-4A8D-9EAF-ADB4A30142C2}" srcOrd="1" destOrd="0" presId="urn:microsoft.com/office/officeart/2005/8/layout/orgChart1"/>
-    <dgm:cxn modelId="{93F9DA03-06B5-4D1F-BDE3-3D246632B4B8}" type="presParOf" srcId="{05ACD122-4A51-4E60-A15F-314BB15501A9}" destId="{272ADF91-7D66-409E-BBA8-78EEC9720C69}" srcOrd="1" destOrd="0" presId="urn:microsoft.com/office/officeart/2005/8/layout/orgChart1"/>
-    <dgm:cxn modelId="{84EFB405-B7F1-43D6-B58E-9B3F630581C6}" type="presParOf" srcId="{05ACD122-4A51-4E60-A15F-314BB15501A9}" destId="{A6E84658-686B-4784-9276-6C93A5FD6F2B}" srcOrd="2" destOrd="0" presId="urn:microsoft.com/office/officeart/2005/8/layout/orgChart1"/>
-    <dgm:cxn modelId="{B2603E87-7773-4B58-B9F9-CD233CD116D4}" type="presParOf" srcId="{9AEA362C-F696-4E7E-B6B8-B9A93E23240A}" destId="{6465CD47-D0E8-4F75-BE1D-CE7DB7357116}" srcOrd="2" destOrd="0" presId="urn:microsoft.com/office/officeart/2005/8/layout/orgChart1"/>
-    <dgm:cxn modelId="{65455F5A-3CDE-499E-9DC6-EA9CB93079FB}" type="presParOf" srcId="{3DE1F0C8-5B02-4B8D-B314-4E46562AEF9B}" destId="{55D4AE89-E944-4B4B-8EEE-13C956F7EF6D}" srcOrd="4" destOrd="0" presId="urn:microsoft.com/office/officeart/2005/8/layout/orgChart1"/>
-    <dgm:cxn modelId="{A1E9B545-45F0-48A8-8C62-D81ACF6933A9}" type="presParOf" srcId="{3DE1F0C8-5B02-4B8D-B314-4E46562AEF9B}" destId="{F1161A88-8021-46E7-B07C-DFAB39FE9887}" srcOrd="5" destOrd="0" presId="urn:microsoft.com/office/officeart/2005/8/layout/orgChart1"/>
-    <dgm:cxn modelId="{2FEA3A2E-14A6-490F-B609-D844D310F371}" type="presParOf" srcId="{F1161A88-8021-46E7-B07C-DFAB39FE9887}" destId="{AEF3C3CC-82AF-498B-BAC4-4B4F0B3F6EE8}" srcOrd="0" destOrd="0" presId="urn:microsoft.com/office/officeart/2005/8/layout/orgChart1"/>
-    <dgm:cxn modelId="{877DB2DE-D5C5-4EE3-9D79-31931DE75451}" type="presParOf" srcId="{AEF3C3CC-82AF-498B-BAC4-4B4F0B3F6EE8}" destId="{A9096BC4-D43A-4B88-8809-3D5D0DC88493}" srcOrd="0" destOrd="0" presId="urn:microsoft.com/office/officeart/2005/8/layout/orgChart1"/>
-    <dgm:cxn modelId="{08C75AB1-DD01-4E58-96B0-CBC2E61520D7}" type="presParOf" srcId="{AEF3C3CC-82AF-498B-BAC4-4B4F0B3F6EE8}" destId="{E861C789-4E2C-4F2B-BE5B-2F79DC388EB8}" srcOrd="1" destOrd="0" presId="urn:microsoft.com/office/officeart/2005/8/layout/orgChart1"/>
-    <dgm:cxn modelId="{99965603-FF78-49EB-BEF6-EEBBFBB9D6BA}" type="presParOf" srcId="{F1161A88-8021-46E7-B07C-DFAB39FE9887}" destId="{57C47715-2DE3-4471-BBFF-82AE0074F34B}" srcOrd="1" destOrd="0" presId="urn:microsoft.com/office/officeart/2005/8/layout/orgChart1"/>
-    <dgm:cxn modelId="{F7EF0BB7-8D2C-41A5-9B5F-C424A305F0DA}" type="presParOf" srcId="{57C47715-2DE3-4471-BBFF-82AE0074F34B}" destId="{DA5747FD-5258-48EB-9F88-45CE459ED942}" srcOrd="0" destOrd="0" presId="urn:microsoft.com/office/officeart/2005/8/layout/orgChart1"/>
-    <dgm:cxn modelId="{D42BF628-6BB9-4A69-A9F4-FCA5F110BBDA}" type="presParOf" srcId="{57C47715-2DE3-4471-BBFF-82AE0074F34B}" destId="{EAD58E87-A554-43CE-AEE7-EA4892CD7A78}" srcOrd="1" destOrd="0" presId="urn:microsoft.com/office/officeart/2005/8/layout/orgChart1"/>
-    <dgm:cxn modelId="{1C431904-DD35-4592-850E-35C703B9AB65}" type="presParOf" srcId="{EAD58E87-A554-43CE-AEE7-EA4892CD7A78}" destId="{083F9795-99D4-4091-810D-DF63E7039625}" srcOrd="0" destOrd="0" presId="urn:microsoft.com/office/officeart/2005/8/layout/orgChart1"/>
-    <dgm:cxn modelId="{F8C4E4A3-4839-44F0-B1DE-23E3CC36A043}" type="presParOf" srcId="{083F9795-99D4-4091-810D-DF63E7039625}" destId="{69A0EAE2-ECBE-4426-83FF-9C0A73D1B45D}" srcOrd="0" destOrd="0" presId="urn:microsoft.com/office/officeart/2005/8/layout/orgChart1"/>
-    <dgm:cxn modelId="{BE3B8FB4-2DCD-4F6C-B563-60927657CB90}" type="presParOf" srcId="{083F9795-99D4-4091-810D-DF63E7039625}" destId="{EE047876-1857-4B34-B92C-B70C1EAA0C3A}" srcOrd="1" destOrd="0" presId="urn:microsoft.com/office/officeart/2005/8/layout/orgChart1"/>
-    <dgm:cxn modelId="{442410EF-6F6C-468E-B117-F0C0C6A56A4A}" type="presParOf" srcId="{EAD58E87-A554-43CE-AEE7-EA4892CD7A78}" destId="{768E649A-9137-40A1-A973-16311F3A576C}" srcOrd="1" destOrd="0" presId="urn:microsoft.com/office/officeart/2005/8/layout/orgChart1"/>
-    <dgm:cxn modelId="{D3F4C4EE-E3FC-467D-82AF-46586738AAC1}" type="presParOf" srcId="{EAD58E87-A554-43CE-AEE7-EA4892CD7A78}" destId="{7FFE0687-CE93-48CF-83F4-F24A4D62D4AE}" srcOrd="2" destOrd="0" presId="urn:microsoft.com/office/officeart/2005/8/layout/orgChart1"/>
-    <dgm:cxn modelId="{54AD4D4A-0E64-41CA-8853-B8652535BF16}" type="presParOf" srcId="{57C47715-2DE3-4471-BBFF-82AE0074F34B}" destId="{C6C1E2E7-E970-4029-A883-07EF72E2DC5A}" srcOrd="2" destOrd="0" presId="urn:microsoft.com/office/officeart/2005/8/layout/orgChart1"/>
-    <dgm:cxn modelId="{78A702B5-872E-4574-B93B-8105BE43E365}" type="presParOf" srcId="{57C47715-2DE3-4471-BBFF-82AE0074F34B}" destId="{6A935CAC-F849-4C71-BCF0-6E381CBE1768}" srcOrd="3" destOrd="0" presId="urn:microsoft.com/office/officeart/2005/8/layout/orgChart1"/>
-    <dgm:cxn modelId="{616C0AC8-5307-4EAF-A883-C9115EC6B11C}" type="presParOf" srcId="{6A935CAC-F849-4C71-BCF0-6E381CBE1768}" destId="{59175BBA-5F36-40C0-B9F7-84C6B14224FE}" srcOrd="0" destOrd="0" presId="urn:microsoft.com/office/officeart/2005/8/layout/orgChart1"/>
-    <dgm:cxn modelId="{09FEF94B-3279-4BA0-934F-048357012D34}" type="presParOf" srcId="{59175BBA-5F36-40C0-B9F7-84C6B14224FE}" destId="{51BC58A0-0A27-40DB-9F48-68272D4CBAE5}" srcOrd="0" destOrd="0" presId="urn:microsoft.com/office/officeart/2005/8/layout/orgChart1"/>
-    <dgm:cxn modelId="{8B378068-275D-44B6-BECB-972C7571EC8A}" type="presParOf" srcId="{59175BBA-5F36-40C0-B9F7-84C6B14224FE}" destId="{77F4CA19-223F-49B4-8CE2-56C04C8EB733}" srcOrd="1" destOrd="0" presId="urn:microsoft.com/office/officeart/2005/8/layout/orgChart1"/>
-    <dgm:cxn modelId="{BA9B802D-042D-486B-ADA4-29CB643C29CA}" type="presParOf" srcId="{6A935CAC-F849-4C71-BCF0-6E381CBE1768}" destId="{0E37436E-4BC1-4C10-9FBB-2FCEB026AA63}" srcOrd="1" destOrd="0" presId="urn:microsoft.com/office/officeart/2005/8/layout/orgChart1"/>
-    <dgm:cxn modelId="{69250D86-95A8-4641-872D-BBB061B23F29}" type="presParOf" srcId="{6A935CAC-F849-4C71-BCF0-6E381CBE1768}" destId="{71181D72-F9F8-44B2-B47A-0E36C07354F5}" srcOrd="2" destOrd="0" presId="urn:microsoft.com/office/officeart/2005/8/layout/orgChart1"/>
-    <dgm:cxn modelId="{7916B1DA-8503-4098-A51B-B427FC733B6C}" type="presParOf" srcId="{F1161A88-8021-46E7-B07C-DFAB39FE9887}" destId="{43B78F52-E4EE-4EF7-90A4-3B85DB9A98DE}" srcOrd="2" destOrd="0" presId="urn:microsoft.com/office/officeart/2005/8/layout/orgChart1"/>
-    <dgm:cxn modelId="{2D30968C-FC79-4E86-A791-4C66A58D4948}" type="presParOf" srcId="{ADCA7FC6-716C-4BD7-99FB-1CB00CF1E88A}" destId="{A3806397-3662-44F1-BF8D-4118EC1E901A}" srcOrd="2" destOrd="0" presId="urn:microsoft.com/office/officeart/2005/8/layout/orgChart1"/>
-    <dgm:cxn modelId="{F68367C7-DD02-4759-89DE-4FF398AB1B19}" type="presParOf" srcId="{50AC4417-FAA0-4711-BCFA-A6CEC4F107DC}" destId="{4205C7BE-B186-4265-8414-2542275922C1}" srcOrd="2" destOrd="0" presId="urn:microsoft.com/office/officeart/2005/8/layout/orgChart1"/>
-  </dgm:cxnLst>
-  <dgm:bg/>
-  <dgm:whole/>
-  <dgm:extLst>
-    <a:ext uri="http://schemas.microsoft.com/office/drawing/2008/diagram">
-      <dsp:dataModelExt xmlns:dsp="http://schemas.microsoft.com/office/drawing/2008/diagram" relId="rId6" minVer="http://schemas.openxmlformats.org/drawingml/2006/diagram"/>
-    </a:ext>
-  </dgm:extLst>
-</dgm:dataModel>
-</file>
-
-<file path=ppt/diagrams/drawing1.xml><?xml version="1.0" encoding="utf-8"?>
-<dsp:drawing xmlns:dgm="http://schemas.openxmlformats.org/drawingml/2006/diagram" xmlns:dsp="http://schemas.microsoft.com/office/drawing/2008/diagram" xmlns:a="http://schemas.openxmlformats.org/drawingml/2006/main">
-  <dsp:spTree>
-    <dsp:nvGrpSpPr>
-      <dsp:cNvPr id="0" name=""/>
-      <dsp:cNvGrpSpPr/>
-    </dsp:nvGrpSpPr>
-    <dsp:grpSpPr/>
-    <dsp:sp modelId="{C6C1E2E7-E970-4029-A883-07EF72E2DC5A}">
-      <dsp:nvSpPr>
-        <dsp:cNvPr id="0" name=""/>
-        <dsp:cNvSpPr/>
-      </dsp:nvSpPr>
-      <dsp:spPr>
-        <a:xfrm>
-          <a:off x="5126371" y="2837749"/>
-          <a:ext cx="221512" cy="1727794"/>
-        </a:xfrm>
-        <a:custGeom>
-          <a:avLst/>
-          <a:gdLst/>
-          <a:ahLst/>
-          <a:cxnLst/>
-          <a:rect l="0" t="0" r="0" b="0"/>
-          <a:pathLst>
-            <a:path>
-              <a:moveTo>
-                <a:pt x="0" y="0"/>
-              </a:moveTo>
-              <a:lnTo>
-                <a:pt x="0" y="1727794"/>
-              </a:lnTo>
-              <a:lnTo>
-                <a:pt x="221512" y="1727794"/>
-              </a:lnTo>
-            </a:path>
-          </a:pathLst>
-        </a:custGeom>
-        <a:noFill/>
-        <a:ln w="19050" cap="flat" cmpd="sng" algn="ctr">
-          <a:solidFill>
-            <a:schemeClr val="accent1">
-              <a:shade val="80000"/>
-              <a:hueOff val="0"/>
-              <a:satOff val="0"/>
-              <a:lumOff val="0"/>
-              <a:alphaOff val="0"/>
-            </a:schemeClr>
-          </a:solidFill>
-          <a:prstDash val="solid"/>
-        </a:ln>
-        <a:effectLst/>
-      </dsp:spPr>
-      <dsp:style>
-        <a:lnRef idx="2">
-          <a:scrgbClr r="0" g="0" b="0"/>
-        </a:lnRef>
-        <a:fillRef idx="0">
-          <a:scrgbClr r="0" g="0" b="0"/>
-        </a:fillRef>
-        <a:effectRef idx="0">
-          <a:scrgbClr r="0" g="0" b="0"/>
-        </a:effectRef>
-        <a:fontRef idx="minor"/>
-      </dsp:style>
-    </dsp:sp>
-    <dsp:sp modelId="{DA5747FD-5258-48EB-9F88-45CE459ED942}">
-      <dsp:nvSpPr>
-        <dsp:cNvPr id="0" name=""/>
-        <dsp:cNvSpPr/>
-      </dsp:nvSpPr>
-      <dsp:spPr>
-        <a:xfrm>
-          <a:off x="5126371" y="2837749"/>
-          <a:ext cx="221512" cy="679303"/>
-        </a:xfrm>
-        <a:custGeom>
-          <a:avLst/>
-          <a:gdLst/>
-          <a:ahLst/>
-          <a:cxnLst/>
-          <a:rect l="0" t="0" r="0" b="0"/>
-          <a:pathLst>
-            <a:path>
-              <a:moveTo>
-                <a:pt x="0" y="0"/>
-              </a:moveTo>
-              <a:lnTo>
-                <a:pt x="0" y="679303"/>
-              </a:lnTo>
-              <a:lnTo>
-                <a:pt x="221512" y="679303"/>
-              </a:lnTo>
-            </a:path>
-          </a:pathLst>
-        </a:custGeom>
-        <a:noFill/>
-        <a:ln w="19050" cap="flat" cmpd="sng" algn="ctr">
-          <a:solidFill>
-            <a:schemeClr val="accent1">
-              <a:shade val="80000"/>
-              <a:hueOff val="0"/>
-              <a:satOff val="0"/>
-              <a:lumOff val="0"/>
-              <a:alphaOff val="0"/>
-            </a:schemeClr>
-          </a:solidFill>
-          <a:prstDash val="solid"/>
-        </a:ln>
-        <a:effectLst/>
-      </dsp:spPr>
-      <dsp:style>
-        <a:lnRef idx="2">
-          <a:scrgbClr r="0" g="0" b="0"/>
-        </a:lnRef>
-        <a:fillRef idx="0">
-          <a:scrgbClr r="0" g="0" b="0"/>
-        </a:fillRef>
-        <a:effectRef idx="0">
-          <a:scrgbClr r="0" g="0" b="0"/>
-        </a:effectRef>
-        <a:fontRef idx="minor"/>
-      </dsp:style>
-    </dsp:sp>
-    <dsp:sp modelId="{55D4AE89-E944-4B4B-8EEE-13C956F7EF6D}">
-      <dsp:nvSpPr>
-        <dsp:cNvPr id="0" name=""/>
-        <dsp:cNvSpPr/>
-      </dsp:nvSpPr>
-      <dsp:spPr>
-        <a:xfrm>
-          <a:off x="3930206" y="1789258"/>
-          <a:ext cx="1786863" cy="310116"/>
-        </a:xfrm>
-        <a:custGeom>
-          <a:avLst/>
-          <a:gdLst/>
-          <a:ahLst/>
-          <a:cxnLst/>
-          <a:rect l="0" t="0" r="0" b="0"/>
-          <a:pathLst>
-            <a:path>
-              <a:moveTo>
-                <a:pt x="0" y="0"/>
-              </a:moveTo>
-              <a:lnTo>
-                <a:pt x="0" y="155058"/>
-              </a:lnTo>
-              <a:lnTo>
-                <a:pt x="1786863" y="155058"/>
-              </a:lnTo>
-              <a:lnTo>
-                <a:pt x="1786863" y="310116"/>
-              </a:lnTo>
-            </a:path>
-          </a:pathLst>
-        </a:custGeom>
-        <a:noFill/>
-        <a:ln w="19050" cap="flat" cmpd="sng" algn="ctr">
-          <a:solidFill>
-            <a:schemeClr val="accent1">
-              <a:shade val="80000"/>
-              <a:hueOff val="0"/>
-              <a:satOff val="0"/>
-              <a:lumOff val="0"/>
-              <a:alphaOff val="0"/>
-            </a:schemeClr>
-          </a:solidFill>
-          <a:prstDash val="solid"/>
-        </a:ln>
-        <a:effectLst/>
-      </dsp:spPr>
-      <dsp:style>
-        <a:lnRef idx="2">
-          <a:scrgbClr r="0" g="0" b="0"/>
-        </a:lnRef>
-        <a:fillRef idx="0">
-          <a:scrgbClr r="0" g="0" b="0"/>
-        </a:fillRef>
-        <a:effectRef idx="0">
-          <a:scrgbClr r="0" g="0" b="0"/>
-        </a:effectRef>
-        <a:fontRef idx="minor"/>
-      </dsp:style>
-    </dsp:sp>
-    <dsp:sp modelId="{FB04A2D0-95D2-43D5-83DC-9AC556981415}">
-      <dsp:nvSpPr>
-        <dsp:cNvPr id="0" name=""/>
-        <dsp:cNvSpPr/>
-      </dsp:nvSpPr>
-      <dsp:spPr>
-        <a:xfrm>
-          <a:off x="3383160" y="2847540"/>
-          <a:ext cx="177859" cy="669512"/>
-        </a:xfrm>
-        <a:custGeom>
-          <a:avLst/>
-          <a:gdLst/>
-          <a:ahLst/>
-          <a:cxnLst/>
-          <a:rect l="0" t="0" r="0" b="0"/>
-          <a:pathLst>
-            <a:path>
-              <a:moveTo>
-                <a:pt x="0" y="0"/>
-              </a:moveTo>
-              <a:lnTo>
-                <a:pt x="0" y="669512"/>
-              </a:lnTo>
-              <a:lnTo>
-                <a:pt x="177859" y="669512"/>
-              </a:lnTo>
-            </a:path>
-          </a:pathLst>
-        </a:custGeom>
-        <a:noFill/>
-        <a:ln w="19050" cap="flat" cmpd="sng" algn="ctr">
-          <a:solidFill>
-            <a:schemeClr val="accent1">
-              <a:shade val="80000"/>
-              <a:hueOff val="0"/>
-              <a:satOff val="0"/>
-              <a:lumOff val="0"/>
-              <a:alphaOff val="0"/>
-            </a:schemeClr>
-          </a:solidFill>
-          <a:prstDash val="solid"/>
-        </a:ln>
-        <a:effectLst/>
-      </dsp:spPr>
-      <dsp:style>
-        <a:lnRef idx="2">
-          <a:scrgbClr r="0" g="0" b="0"/>
-        </a:lnRef>
-        <a:fillRef idx="0">
-          <a:scrgbClr r="0" g="0" b="0"/>
-        </a:fillRef>
-        <a:effectRef idx="0">
-          <a:scrgbClr r="0" g="0" b="0"/>
-        </a:effectRef>
-        <a:fontRef idx="minor"/>
-      </dsp:style>
-    </dsp:sp>
-    <dsp:sp modelId="{FF5F66DA-1CF0-490F-A37D-78690ED6D75D}">
-      <dsp:nvSpPr>
-        <dsp:cNvPr id="0" name=""/>
-        <dsp:cNvSpPr/>
-      </dsp:nvSpPr>
-      <dsp:spPr>
-        <a:xfrm>
-          <a:off x="3884486" y="1789258"/>
-          <a:ext cx="91440" cy="319907"/>
-        </a:xfrm>
-        <a:custGeom>
-          <a:avLst/>
-          <a:gdLst/>
-          <a:ahLst/>
-          <a:cxnLst/>
-          <a:rect l="0" t="0" r="0" b="0"/>
-          <a:pathLst>
-            <a:path>
-              <a:moveTo>
-                <a:pt x="45720" y="0"/>
-              </a:moveTo>
-              <a:lnTo>
-                <a:pt x="45720" y="164849"/>
-              </a:lnTo>
-              <a:lnTo>
-                <a:pt x="89372" y="164849"/>
-              </a:lnTo>
-              <a:lnTo>
-                <a:pt x="89372" y="319907"/>
-              </a:lnTo>
-            </a:path>
-          </a:pathLst>
-        </a:custGeom>
-        <a:noFill/>
-        <a:ln w="19050" cap="flat" cmpd="sng" algn="ctr">
-          <a:solidFill>
-            <a:schemeClr val="accent1">
-              <a:shade val="80000"/>
-              <a:hueOff val="0"/>
-              <a:satOff val="0"/>
-              <a:lumOff val="0"/>
-              <a:alphaOff val="0"/>
-            </a:schemeClr>
-          </a:solidFill>
-          <a:prstDash val="solid"/>
-        </a:ln>
-        <a:effectLst/>
-      </dsp:spPr>
-      <dsp:style>
-        <a:lnRef idx="2">
-          <a:scrgbClr r="0" g="0" b="0"/>
-        </a:lnRef>
-        <a:fillRef idx="0">
-          <a:scrgbClr r="0" g="0" b="0"/>
-        </a:fillRef>
-        <a:effectRef idx="0">
-          <a:scrgbClr r="0" g="0" b="0"/>
-        </a:effectRef>
-        <a:fontRef idx="minor"/>
-      </dsp:style>
-    </dsp:sp>
-    <dsp:sp modelId="{C716CE2A-04B5-429C-9969-478A3BA4690B}">
-      <dsp:nvSpPr>
-        <dsp:cNvPr id="0" name=""/>
-        <dsp:cNvSpPr/>
-      </dsp:nvSpPr>
-      <dsp:spPr>
-        <a:xfrm>
-          <a:off x="1552643" y="2837749"/>
-          <a:ext cx="221512" cy="1727794"/>
-        </a:xfrm>
-        <a:custGeom>
-          <a:avLst/>
-          <a:gdLst/>
-          <a:ahLst/>
-          <a:cxnLst/>
-          <a:rect l="0" t="0" r="0" b="0"/>
-          <a:pathLst>
-            <a:path>
-              <a:moveTo>
-                <a:pt x="0" y="0"/>
-              </a:moveTo>
-              <a:lnTo>
-                <a:pt x="0" y="1727794"/>
-              </a:lnTo>
-              <a:lnTo>
-                <a:pt x="221512" y="1727794"/>
-              </a:lnTo>
-            </a:path>
-          </a:pathLst>
-        </a:custGeom>
-        <a:noFill/>
-        <a:ln w="19050" cap="flat" cmpd="sng" algn="ctr">
-          <a:solidFill>
-            <a:schemeClr val="accent1">
-              <a:shade val="80000"/>
-              <a:hueOff val="0"/>
-              <a:satOff val="0"/>
-              <a:lumOff val="0"/>
-              <a:alphaOff val="0"/>
-            </a:schemeClr>
-          </a:solidFill>
-          <a:prstDash val="solid"/>
-        </a:ln>
-        <a:effectLst/>
-      </dsp:spPr>
-      <dsp:style>
-        <a:lnRef idx="2">
-          <a:scrgbClr r="0" g="0" b="0"/>
-        </a:lnRef>
-        <a:fillRef idx="0">
-          <a:scrgbClr r="0" g="0" b="0"/>
-        </a:fillRef>
-        <a:effectRef idx="0">
-          <a:scrgbClr r="0" g="0" b="0"/>
-        </a:effectRef>
-        <a:fontRef idx="minor"/>
-      </dsp:style>
-    </dsp:sp>
-    <dsp:sp modelId="{456E5B54-C720-478F-AD2F-23FD3279A321}">
-      <dsp:nvSpPr>
-        <dsp:cNvPr id="0" name=""/>
-        <dsp:cNvSpPr/>
-      </dsp:nvSpPr>
-      <dsp:spPr>
-        <a:xfrm>
-          <a:off x="1552643" y="2837749"/>
-          <a:ext cx="221512" cy="679303"/>
-        </a:xfrm>
-        <a:custGeom>
-          <a:avLst/>
-          <a:gdLst/>
-          <a:ahLst/>
-          <a:cxnLst/>
-          <a:rect l="0" t="0" r="0" b="0"/>
-          <a:pathLst>
-            <a:path>
-              <a:moveTo>
-                <a:pt x="0" y="0"/>
-              </a:moveTo>
-              <a:lnTo>
-                <a:pt x="0" y="679303"/>
-              </a:lnTo>
-              <a:lnTo>
-                <a:pt x="221512" y="679303"/>
-              </a:lnTo>
-            </a:path>
-          </a:pathLst>
-        </a:custGeom>
-        <a:noFill/>
-        <a:ln w="19050" cap="flat" cmpd="sng" algn="ctr">
-          <a:solidFill>
-            <a:schemeClr val="accent1">
-              <a:shade val="80000"/>
-              <a:hueOff val="0"/>
-              <a:satOff val="0"/>
-              <a:lumOff val="0"/>
-              <a:alphaOff val="0"/>
-            </a:schemeClr>
-          </a:solidFill>
-          <a:prstDash val="solid"/>
-        </a:ln>
-        <a:effectLst/>
-      </dsp:spPr>
-      <dsp:style>
-        <a:lnRef idx="2">
-          <a:scrgbClr r="0" g="0" b="0"/>
-        </a:lnRef>
-        <a:fillRef idx="0">
-          <a:scrgbClr r="0" g="0" b="0"/>
-        </a:fillRef>
-        <a:effectRef idx="0">
-          <a:scrgbClr r="0" g="0" b="0"/>
-        </a:effectRef>
-        <a:fontRef idx="minor"/>
-      </dsp:style>
-    </dsp:sp>
-    <dsp:sp modelId="{017F20FE-B318-47FA-9EB8-0361EE02F51B}">
-      <dsp:nvSpPr>
-        <dsp:cNvPr id="0" name=""/>
-        <dsp:cNvSpPr/>
-      </dsp:nvSpPr>
-      <dsp:spPr>
-        <a:xfrm>
-          <a:off x="2143342" y="1789258"/>
-          <a:ext cx="1786863" cy="310116"/>
-        </a:xfrm>
-        <a:custGeom>
-          <a:avLst/>
-          <a:gdLst/>
-          <a:ahLst/>
-          <a:cxnLst/>
-          <a:rect l="0" t="0" r="0" b="0"/>
-          <a:pathLst>
-            <a:path>
-              <a:moveTo>
-                <a:pt x="1786863" y="0"/>
-              </a:moveTo>
-              <a:lnTo>
-                <a:pt x="1786863" y="155058"/>
-              </a:lnTo>
-              <a:lnTo>
-                <a:pt x="0" y="155058"/>
-              </a:lnTo>
-              <a:lnTo>
-                <a:pt x="0" y="310116"/>
-              </a:lnTo>
-            </a:path>
-          </a:pathLst>
-        </a:custGeom>
-        <a:noFill/>
-        <a:ln w="19050" cap="flat" cmpd="sng" algn="ctr">
-          <a:solidFill>
-            <a:schemeClr val="accent1">
-              <a:shade val="80000"/>
-              <a:hueOff val="0"/>
-              <a:satOff val="0"/>
-              <a:lumOff val="0"/>
-              <a:alphaOff val="0"/>
-            </a:schemeClr>
-          </a:solidFill>
-          <a:prstDash val="solid"/>
-        </a:ln>
-        <a:effectLst/>
-      </dsp:spPr>
-      <dsp:style>
-        <a:lnRef idx="2">
-          <a:scrgbClr r="0" g="0" b="0"/>
-        </a:lnRef>
-        <a:fillRef idx="0">
-          <a:scrgbClr r="0" g="0" b="0"/>
-        </a:fillRef>
-        <a:effectRef idx="0">
-          <a:scrgbClr r="0" g="0" b="0"/>
-        </a:effectRef>
-        <a:fontRef idx="minor"/>
-      </dsp:style>
-    </dsp:sp>
-    <dsp:sp modelId="{90BCD54A-B0FA-44D2-9275-72A6982AD330}">
-      <dsp:nvSpPr>
-        <dsp:cNvPr id="0" name=""/>
-        <dsp:cNvSpPr/>
-      </dsp:nvSpPr>
-      <dsp:spPr>
-        <a:xfrm>
-          <a:off x="3884486" y="740768"/>
-          <a:ext cx="91440" cy="310116"/>
-        </a:xfrm>
-        <a:custGeom>
-          <a:avLst/>
-          <a:gdLst/>
-          <a:ahLst/>
-          <a:cxnLst/>
-          <a:rect l="0" t="0" r="0" b="0"/>
-          <a:pathLst>
-            <a:path>
-              <a:moveTo>
-                <a:pt x="45720" y="0"/>
-              </a:moveTo>
-              <a:lnTo>
-                <a:pt x="45720" y="310116"/>
-              </a:lnTo>
-            </a:path>
-          </a:pathLst>
-        </a:custGeom>
-        <a:noFill/>
-        <a:ln w="19050" cap="flat" cmpd="sng" algn="ctr">
-          <a:solidFill>
-            <a:schemeClr val="accent1">
-              <a:shade val="60000"/>
-              <a:hueOff val="0"/>
-              <a:satOff val="0"/>
-              <a:lumOff val="0"/>
-              <a:alphaOff val="0"/>
-            </a:schemeClr>
-          </a:solidFill>
-          <a:prstDash val="solid"/>
-        </a:ln>
-        <a:effectLst/>
-      </dsp:spPr>
-      <dsp:style>
-        <a:lnRef idx="2">
-          <a:scrgbClr r="0" g="0" b="0"/>
-        </a:lnRef>
-        <a:fillRef idx="0">
-          <a:scrgbClr r="0" g="0" b="0"/>
-        </a:fillRef>
-        <a:effectRef idx="0">
-          <a:scrgbClr r="0" g="0" b="0"/>
-        </a:effectRef>
-        <a:fontRef idx="minor"/>
-      </dsp:style>
-    </dsp:sp>
-    <dsp:sp modelId="{004A4AAC-0301-4E9B-8818-A6FE1C7ECD44}">
-      <dsp:nvSpPr>
-        <dsp:cNvPr id="0" name=""/>
-        <dsp:cNvSpPr/>
-      </dsp:nvSpPr>
-      <dsp:spPr>
-        <a:xfrm>
-          <a:off x="3191833" y="2394"/>
-          <a:ext cx="1476747" cy="738373"/>
-        </a:xfrm>
-        <a:prstGeom prst="rect">
-          <a:avLst/>
-        </a:prstGeom>
-        <a:solidFill>
-          <a:schemeClr val="accent1">
-            <a:hueOff val="0"/>
-            <a:satOff val="0"/>
-            <a:lumOff val="0"/>
-            <a:alphaOff val="0"/>
-          </a:schemeClr>
-        </a:solidFill>
-        <a:ln w="19050" cap="flat" cmpd="sng" algn="ctr">
-          <a:solidFill>
-            <a:schemeClr val="lt1">
-              <a:hueOff val="0"/>
-              <a:satOff val="0"/>
-              <a:lumOff val="0"/>
-              <a:alphaOff val="0"/>
-            </a:schemeClr>
-          </a:solidFill>
-          <a:prstDash val="solid"/>
-        </a:ln>
-        <a:effectLst/>
-      </dsp:spPr>
-      <dsp:style>
-        <a:lnRef idx="2">
-          <a:scrgbClr r="0" g="0" b="0"/>
-        </a:lnRef>
-        <a:fillRef idx="1">
-          <a:scrgbClr r="0" g="0" b="0"/>
-        </a:fillRef>
-        <a:effectRef idx="0">
-          <a:scrgbClr r="0" g="0" b="0"/>
-        </a:effectRef>
-        <a:fontRef idx="minor">
-          <a:schemeClr val="lt1"/>
-        </a:fontRef>
-      </dsp:style>
-      <dsp:txBody>
-        <a:bodyPr spcFirstLastPara="0" vert="horz" wrap="square" lIns="10795" tIns="10795" rIns="10795" bIns="10795" numCol="1" spcCol="1270" anchor="ctr" anchorCtr="0">
-          <a:noAutofit/>
-        </a:bodyPr>
-        <a:lstStyle/>
-        <a:p>
-          <a:pPr marL="0" lvl="0" indent="0" algn="ctr" defTabSz="755650">
-            <a:lnSpc>
-              <a:spcPct val="90000"/>
-            </a:lnSpc>
-            <a:spcBef>
-              <a:spcPct val="0"/>
-            </a:spcBef>
-            <a:spcAft>
-              <a:spcPct val="35000"/>
-            </a:spcAft>
-            <a:buNone/>
-          </a:pPr>
-          <a:r>
-            <a:rPr lang="en-IN" sz="1700" kern="1200" dirty="0"/>
-            <a:t>User Interface</a:t>
-          </a:r>
-        </a:p>
-      </dsp:txBody>
-      <dsp:txXfrm>
-        <a:off x="3191833" y="2394"/>
-        <a:ext cx="1476747" cy="738373"/>
-      </dsp:txXfrm>
-    </dsp:sp>
-    <dsp:sp modelId="{BE63203B-D36F-4D77-8F4E-B5AF12E4D0A0}">
-      <dsp:nvSpPr>
-        <dsp:cNvPr id="0" name=""/>
-        <dsp:cNvSpPr/>
-      </dsp:nvSpPr>
-      <dsp:spPr>
-        <a:xfrm>
-          <a:off x="3191833" y="1050885"/>
-          <a:ext cx="1476747" cy="738373"/>
-        </a:xfrm>
-        <a:prstGeom prst="rect">
-          <a:avLst/>
-        </a:prstGeom>
-        <a:solidFill>
-          <a:schemeClr val="accent1">
-            <a:hueOff val="0"/>
-            <a:satOff val="0"/>
-            <a:lumOff val="0"/>
-            <a:alphaOff val="0"/>
-          </a:schemeClr>
-        </a:solidFill>
-        <a:ln w="19050" cap="flat" cmpd="sng" algn="ctr">
-          <a:solidFill>
-            <a:schemeClr val="lt1">
-              <a:hueOff val="0"/>
-              <a:satOff val="0"/>
-              <a:lumOff val="0"/>
-              <a:alphaOff val="0"/>
-            </a:schemeClr>
-          </a:solidFill>
-          <a:prstDash val="solid"/>
-        </a:ln>
-        <a:effectLst/>
-      </dsp:spPr>
-      <dsp:style>
-        <a:lnRef idx="2">
-          <a:scrgbClr r="0" g="0" b="0"/>
-        </a:lnRef>
-        <a:fillRef idx="1">
-          <a:scrgbClr r="0" g="0" b="0"/>
-        </a:fillRef>
-        <a:effectRef idx="0">
-          <a:scrgbClr r="0" g="0" b="0"/>
-        </a:effectRef>
-        <a:fontRef idx="minor">
-          <a:schemeClr val="lt1"/>
-        </a:fontRef>
-      </dsp:style>
-      <dsp:txBody>
-        <a:bodyPr spcFirstLastPara="0" vert="horz" wrap="square" lIns="10795" tIns="10795" rIns="10795" bIns="10795" numCol="1" spcCol="1270" anchor="ctr" anchorCtr="0">
-          <a:noAutofit/>
-        </a:bodyPr>
-        <a:lstStyle/>
-        <a:p>
-          <a:pPr marL="0" lvl="0" indent="0" algn="ctr" defTabSz="755650">
-            <a:lnSpc>
-              <a:spcPct val="90000"/>
-            </a:lnSpc>
-            <a:spcBef>
-              <a:spcPct val="0"/>
-            </a:spcBef>
-            <a:spcAft>
-              <a:spcPct val="35000"/>
-            </a:spcAft>
-            <a:buNone/>
-          </a:pPr>
-          <a:r>
-            <a:rPr lang="en-IN" sz="1700" kern="1200" dirty="0"/>
-            <a:t>Front-back connector</a:t>
-          </a:r>
-        </a:p>
-      </dsp:txBody>
-      <dsp:txXfrm>
-        <a:off x="3191833" y="1050885"/>
-        <a:ext cx="1476747" cy="738373"/>
-      </dsp:txXfrm>
-    </dsp:sp>
-    <dsp:sp modelId="{47AC467E-7E57-499B-949F-14E776ED83E9}">
-      <dsp:nvSpPr>
-        <dsp:cNvPr id="0" name=""/>
-        <dsp:cNvSpPr/>
-      </dsp:nvSpPr>
-      <dsp:spPr>
-        <a:xfrm>
-          <a:off x="1404969" y="2099375"/>
-          <a:ext cx="1476747" cy="738373"/>
-        </a:xfrm>
-        <a:prstGeom prst="rect">
-          <a:avLst/>
-        </a:prstGeom>
-        <a:solidFill>
-          <a:schemeClr val="accent1">
-            <a:hueOff val="0"/>
-            <a:satOff val="0"/>
-            <a:lumOff val="0"/>
-            <a:alphaOff val="0"/>
-          </a:schemeClr>
-        </a:solidFill>
-        <a:ln w="19050" cap="flat" cmpd="sng" algn="ctr">
-          <a:solidFill>
-            <a:schemeClr val="lt1">
-              <a:hueOff val="0"/>
-              <a:satOff val="0"/>
-              <a:lumOff val="0"/>
-              <a:alphaOff val="0"/>
-            </a:schemeClr>
-          </a:solidFill>
-          <a:prstDash val="solid"/>
-        </a:ln>
-        <a:effectLst/>
-      </dsp:spPr>
-      <dsp:style>
-        <a:lnRef idx="2">
-          <a:scrgbClr r="0" g="0" b="0"/>
-        </a:lnRef>
-        <a:fillRef idx="1">
-          <a:scrgbClr r="0" g="0" b="0"/>
-        </a:fillRef>
-        <a:effectRef idx="0">
-          <a:scrgbClr r="0" g="0" b="0"/>
-        </a:effectRef>
-        <a:fontRef idx="minor">
-          <a:schemeClr val="lt1"/>
-        </a:fontRef>
-      </dsp:style>
-      <dsp:txBody>
-        <a:bodyPr spcFirstLastPara="0" vert="horz" wrap="square" lIns="10795" tIns="10795" rIns="10795" bIns="10795" numCol="1" spcCol="1270" anchor="ctr" anchorCtr="0">
-          <a:noAutofit/>
-        </a:bodyPr>
-        <a:lstStyle/>
-        <a:p>
-          <a:pPr marL="0" lvl="0" indent="0" algn="ctr" defTabSz="755650">
-            <a:lnSpc>
-              <a:spcPct val="90000"/>
-            </a:lnSpc>
-            <a:spcBef>
-              <a:spcPct val="0"/>
-            </a:spcBef>
-            <a:spcAft>
-              <a:spcPct val="35000"/>
-            </a:spcAft>
-            <a:buNone/>
-          </a:pPr>
-          <a:r>
-            <a:rPr lang="en-IN" sz="1700" kern="1200" dirty="0"/>
-            <a:t>Inventory management</a:t>
-          </a:r>
-        </a:p>
-      </dsp:txBody>
-      <dsp:txXfrm>
-        <a:off x="1404969" y="2099375"/>
-        <a:ext cx="1476747" cy="738373"/>
-      </dsp:txXfrm>
-    </dsp:sp>
-    <dsp:sp modelId="{4EEA32A6-9C87-4C2A-A812-C981C59E2DF3}">
-      <dsp:nvSpPr>
-        <dsp:cNvPr id="0" name=""/>
-        <dsp:cNvSpPr/>
-      </dsp:nvSpPr>
-      <dsp:spPr>
-        <a:xfrm>
-          <a:off x="1774155" y="3147866"/>
-          <a:ext cx="1476747" cy="738373"/>
-        </a:xfrm>
-        <a:prstGeom prst="rect">
-          <a:avLst/>
-        </a:prstGeom>
-        <a:solidFill>
-          <a:schemeClr val="accent1">
-            <a:hueOff val="0"/>
-            <a:satOff val="0"/>
-            <a:lumOff val="0"/>
-            <a:alphaOff val="0"/>
-          </a:schemeClr>
-        </a:solidFill>
-        <a:ln w="19050" cap="flat" cmpd="sng" algn="ctr">
-          <a:solidFill>
-            <a:schemeClr val="lt1">
-              <a:hueOff val="0"/>
-              <a:satOff val="0"/>
-              <a:lumOff val="0"/>
-              <a:alphaOff val="0"/>
-            </a:schemeClr>
-          </a:solidFill>
-          <a:prstDash val="solid"/>
-        </a:ln>
-        <a:effectLst/>
-      </dsp:spPr>
-      <dsp:style>
-        <a:lnRef idx="2">
-          <a:scrgbClr r="0" g="0" b="0"/>
-        </a:lnRef>
-        <a:fillRef idx="1">
-          <a:scrgbClr r="0" g="0" b="0"/>
-        </a:fillRef>
-        <a:effectRef idx="0">
-          <a:scrgbClr r="0" g="0" b="0"/>
-        </a:effectRef>
-        <a:fontRef idx="minor">
-          <a:schemeClr val="lt1"/>
-        </a:fontRef>
-      </dsp:style>
-      <dsp:txBody>
-        <a:bodyPr spcFirstLastPara="0" vert="horz" wrap="square" lIns="10795" tIns="10795" rIns="10795" bIns="10795" numCol="1" spcCol="1270" anchor="ctr" anchorCtr="0">
-          <a:noAutofit/>
-        </a:bodyPr>
-        <a:lstStyle/>
-        <a:p>
-          <a:pPr marL="0" lvl="0" indent="0" algn="ctr" defTabSz="755650">
-            <a:lnSpc>
-              <a:spcPct val="90000"/>
-            </a:lnSpc>
-            <a:spcBef>
-              <a:spcPct val="0"/>
-            </a:spcBef>
-            <a:spcAft>
-              <a:spcPct val="35000"/>
-            </a:spcAft>
-            <a:buNone/>
-          </a:pPr>
-          <a:r>
-            <a:rPr lang="en-IN" sz="1700" kern="1200" dirty="0"/>
-            <a:t>Inventory detail</a:t>
-          </a:r>
-        </a:p>
-      </dsp:txBody>
-      <dsp:txXfrm>
-        <a:off x="1774155" y="3147866"/>
-        <a:ext cx="1476747" cy="738373"/>
-      </dsp:txXfrm>
-    </dsp:sp>
-    <dsp:sp modelId="{D2A6AFBC-20FF-49C0-B1B5-2FCBFE2160B0}">
-      <dsp:nvSpPr>
-        <dsp:cNvPr id="0" name=""/>
-        <dsp:cNvSpPr/>
-      </dsp:nvSpPr>
-      <dsp:spPr>
-        <a:xfrm>
-          <a:off x="1774155" y="4196356"/>
-          <a:ext cx="1476747" cy="738373"/>
-        </a:xfrm>
-        <a:prstGeom prst="rect">
-          <a:avLst/>
-        </a:prstGeom>
-        <a:solidFill>
-          <a:schemeClr val="accent1">
-            <a:hueOff val="0"/>
-            <a:satOff val="0"/>
-            <a:lumOff val="0"/>
-            <a:alphaOff val="0"/>
-          </a:schemeClr>
-        </a:solidFill>
-        <a:ln w="19050" cap="flat" cmpd="sng" algn="ctr">
-          <a:solidFill>
-            <a:schemeClr val="lt1">
-              <a:hueOff val="0"/>
-              <a:satOff val="0"/>
-              <a:lumOff val="0"/>
-              <a:alphaOff val="0"/>
-            </a:schemeClr>
-          </a:solidFill>
-          <a:prstDash val="solid"/>
-        </a:ln>
-        <a:effectLst/>
-      </dsp:spPr>
-      <dsp:style>
-        <a:lnRef idx="2">
-          <a:scrgbClr r="0" g="0" b="0"/>
-        </a:lnRef>
-        <a:fillRef idx="1">
-          <a:scrgbClr r="0" g="0" b="0"/>
-        </a:fillRef>
-        <a:effectRef idx="0">
-          <a:scrgbClr r="0" g="0" b="0"/>
-        </a:effectRef>
-        <a:fontRef idx="minor">
-          <a:schemeClr val="lt1"/>
-        </a:fontRef>
-      </dsp:style>
-      <dsp:txBody>
-        <a:bodyPr spcFirstLastPara="0" vert="horz" wrap="square" lIns="10795" tIns="10795" rIns="10795" bIns="10795" numCol="1" spcCol="1270" anchor="ctr" anchorCtr="0">
-          <a:noAutofit/>
-        </a:bodyPr>
-        <a:lstStyle/>
-        <a:p>
-          <a:pPr marL="0" lvl="0" indent="0" algn="ctr" defTabSz="755650">
-            <a:lnSpc>
-              <a:spcPct val="90000"/>
-            </a:lnSpc>
-            <a:spcBef>
-              <a:spcPct val="0"/>
-            </a:spcBef>
-            <a:spcAft>
-              <a:spcPct val="35000"/>
-            </a:spcAft>
-            <a:buNone/>
-          </a:pPr>
-          <a:r>
-            <a:rPr lang="en-IN" sz="1700" kern="1200" dirty="0"/>
-            <a:t>Product info</a:t>
-          </a:r>
-        </a:p>
-      </dsp:txBody>
-      <dsp:txXfrm>
-        <a:off x="1774155" y="4196356"/>
-        <a:ext cx="1476747" cy="738373"/>
-      </dsp:txXfrm>
-    </dsp:sp>
-    <dsp:sp modelId="{C4A3385C-B6CD-4A14-B90B-846245C50285}">
-      <dsp:nvSpPr>
-        <dsp:cNvPr id="0" name=""/>
-        <dsp:cNvSpPr/>
-      </dsp:nvSpPr>
-      <dsp:spPr>
-        <a:xfrm>
-          <a:off x="3235485" y="2109166"/>
-          <a:ext cx="1476747" cy="738373"/>
-        </a:xfrm>
-        <a:prstGeom prst="rect">
-          <a:avLst/>
-        </a:prstGeom>
-        <a:solidFill>
-          <a:schemeClr val="accent1">
-            <a:hueOff val="0"/>
-            <a:satOff val="0"/>
-            <a:lumOff val="0"/>
-            <a:alphaOff val="0"/>
-          </a:schemeClr>
-        </a:solidFill>
-        <a:ln w="19050" cap="flat" cmpd="sng" algn="ctr">
-          <a:solidFill>
-            <a:schemeClr val="lt1">
-              <a:hueOff val="0"/>
-              <a:satOff val="0"/>
-              <a:lumOff val="0"/>
-              <a:alphaOff val="0"/>
-            </a:schemeClr>
-          </a:solidFill>
-          <a:prstDash val="solid"/>
-        </a:ln>
-        <a:effectLst/>
-      </dsp:spPr>
-      <dsp:style>
-        <a:lnRef idx="2">
-          <a:scrgbClr r="0" g="0" b="0"/>
-        </a:lnRef>
-        <a:fillRef idx="1">
-          <a:scrgbClr r="0" g="0" b="0"/>
-        </a:fillRef>
-        <a:effectRef idx="0">
-          <a:scrgbClr r="0" g="0" b="0"/>
-        </a:effectRef>
-        <a:fontRef idx="minor">
-          <a:schemeClr val="lt1"/>
-        </a:fontRef>
-      </dsp:style>
-      <dsp:txBody>
-        <a:bodyPr spcFirstLastPara="0" vert="horz" wrap="square" lIns="10795" tIns="10795" rIns="10795" bIns="10795" numCol="1" spcCol="1270" anchor="ctr" anchorCtr="0">
-          <a:noAutofit/>
-        </a:bodyPr>
-        <a:lstStyle/>
-        <a:p>
-          <a:pPr marL="0" lvl="0" indent="0" algn="ctr" defTabSz="755650">
-            <a:lnSpc>
-              <a:spcPct val="90000"/>
-            </a:lnSpc>
-            <a:spcBef>
-              <a:spcPct val="0"/>
-            </a:spcBef>
-            <a:spcAft>
-              <a:spcPct val="35000"/>
-            </a:spcAft>
-            <a:buNone/>
-          </a:pPr>
-          <a:r>
-            <a:rPr lang="en-IN" sz="1700" kern="1200" dirty="0"/>
-            <a:t>User data management</a:t>
-          </a:r>
-        </a:p>
-      </dsp:txBody>
-      <dsp:txXfrm>
-        <a:off x="3235485" y="2109166"/>
-        <a:ext cx="1476747" cy="738373"/>
-      </dsp:txXfrm>
-    </dsp:sp>
-    <dsp:sp modelId="{683B2DA6-D153-4A3B-8AB9-649BB67D0272}">
-      <dsp:nvSpPr>
-        <dsp:cNvPr id="0" name=""/>
-        <dsp:cNvSpPr/>
-      </dsp:nvSpPr>
-      <dsp:spPr>
-        <a:xfrm>
-          <a:off x="3561019" y="3147866"/>
-          <a:ext cx="1476747" cy="738373"/>
-        </a:xfrm>
-        <a:prstGeom prst="rect">
-          <a:avLst/>
-        </a:prstGeom>
-        <a:solidFill>
-          <a:schemeClr val="accent1">
-            <a:hueOff val="0"/>
-            <a:satOff val="0"/>
-            <a:lumOff val="0"/>
-            <a:alphaOff val="0"/>
-          </a:schemeClr>
-        </a:solidFill>
-        <a:ln w="19050" cap="flat" cmpd="sng" algn="ctr">
-          <a:solidFill>
-            <a:schemeClr val="lt1">
-              <a:hueOff val="0"/>
-              <a:satOff val="0"/>
-              <a:lumOff val="0"/>
-              <a:alphaOff val="0"/>
-            </a:schemeClr>
-          </a:solidFill>
-          <a:prstDash val="solid"/>
-        </a:ln>
-        <a:effectLst/>
-      </dsp:spPr>
-      <dsp:style>
-        <a:lnRef idx="2">
-          <a:scrgbClr r="0" g="0" b="0"/>
-        </a:lnRef>
-        <a:fillRef idx="1">
-          <a:scrgbClr r="0" g="0" b="0"/>
-        </a:fillRef>
-        <a:effectRef idx="0">
-          <a:scrgbClr r="0" g="0" b="0"/>
-        </a:effectRef>
-        <a:fontRef idx="minor">
-          <a:schemeClr val="lt1"/>
-        </a:fontRef>
-      </dsp:style>
-      <dsp:txBody>
-        <a:bodyPr spcFirstLastPara="0" vert="horz" wrap="square" lIns="10795" tIns="10795" rIns="10795" bIns="10795" numCol="1" spcCol="1270" anchor="ctr" anchorCtr="0">
-          <a:noAutofit/>
-        </a:bodyPr>
-        <a:lstStyle/>
-        <a:p>
-          <a:pPr marL="0" lvl="0" indent="0" algn="ctr" defTabSz="755650">
-            <a:lnSpc>
-              <a:spcPct val="90000"/>
-            </a:lnSpc>
-            <a:spcBef>
-              <a:spcPct val="0"/>
-            </a:spcBef>
-            <a:spcAft>
-              <a:spcPct val="35000"/>
-            </a:spcAft>
-            <a:buNone/>
-          </a:pPr>
-          <a:r>
-            <a:rPr lang="en-IN" sz="1700" kern="1200" dirty="0"/>
-            <a:t>User login/account management</a:t>
-          </a:r>
-        </a:p>
-      </dsp:txBody>
-      <dsp:txXfrm>
-        <a:off x="3561019" y="3147866"/>
-        <a:ext cx="1476747" cy="738373"/>
-      </dsp:txXfrm>
-    </dsp:sp>
-    <dsp:sp modelId="{A9096BC4-D43A-4B88-8809-3D5D0DC88493}">
-      <dsp:nvSpPr>
-        <dsp:cNvPr id="0" name=""/>
-        <dsp:cNvSpPr/>
-      </dsp:nvSpPr>
-      <dsp:spPr>
-        <a:xfrm>
-          <a:off x="4978697" y="2099375"/>
-          <a:ext cx="1476747" cy="738373"/>
-        </a:xfrm>
-        <a:prstGeom prst="rect">
-          <a:avLst/>
-        </a:prstGeom>
-        <a:solidFill>
-          <a:schemeClr val="accent1">
-            <a:hueOff val="0"/>
-            <a:satOff val="0"/>
-            <a:lumOff val="0"/>
-            <a:alphaOff val="0"/>
-          </a:schemeClr>
-        </a:solidFill>
-        <a:ln w="19050" cap="flat" cmpd="sng" algn="ctr">
-          <a:solidFill>
-            <a:schemeClr val="lt1">
-              <a:hueOff val="0"/>
-              <a:satOff val="0"/>
-              <a:lumOff val="0"/>
-              <a:alphaOff val="0"/>
-            </a:schemeClr>
-          </a:solidFill>
-          <a:prstDash val="solid"/>
-        </a:ln>
-        <a:effectLst/>
-      </dsp:spPr>
-      <dsp:style>
-        <a:lnRef idx="2">
-          <a:scrgbClr r="0" g="0" b="0"/>
-        </a:lnRef>
-        <a:fillRef idx="1">
-          <a:scrgbClr r="0" g="0" b="0"/>
-        </a:fillRef>
-        <a:effectRef idx="0">
-          <a:scrgbClr r="0" g="0" b="0"/>
-        </a:effectRef>
-        <a:fontRef idx="minor">
-          <a:schemeClr val="lt1"/>
-        </a:fontRef>
-      </dsp:style>
-      <dsp:txBody>
-        <a:bodyPr spcFirstLastPara="0" vert="horz" wrap="square" lIns="10795" tIns="10795" rIns="10795" bIns="10795" numCol="1" spcCol="1270" anchor="ctr" anchorCtr="0">
-          <a:noAutofit/>
-        </a:bodyPr>
-        <a:lstStyle/>
-        <a:p>
-          <a:pPr marL="0" lvl="0" indent="0" algn="ctr" defTabSz="755650">
-            <a:lnSpc>
-              <a:spcPct val="90000"/>
-            </a:lnSpc>
-            <a:spcBef>
-              <a:spcPct val="0"/>
-            </a:spcBef>
-            <a:spcAft>
-              <a:spcPct val="35000"/>
-            </a:spcAft>
-            <a:buNone/>
-          </a:pPr>
-          <a:r>
-            <a:rPr lang="en-IN" sz="1700" kern="1200" dirty="0"/>
-            <a:t>Logistics and after-sale</a:t>
-          </a:r>
-        </a:p>
-      </dsp:txBody>
-      <dsp:txXfrm>
-        <a:off x="4978697" y="2099375"/>
-        <a:ext cx="1476747" cy="738373"/>
-      </dsp:txXfrm>
-    </dsp:sp>
-    <dsp:sp modelId="{69A0EAE2-ECBE-4426-83FF-9C0A73D1B45D}">
-      <dsp:nvSpPr>
-        <dsp:cNvPr id="0" name=""/>
-        <dsp:cNvSpPr/>
-      </dsp:nvSpPr>
-      <dsp:spPr>
-        <a:xfrm>
-          <a:off x="5347883" y="3147866"/>
-          <a:ext cx="1476747" cy="738373"/>
-        </a:xfrm>
-        <a:prstGeom prst="rect">
-          <a:avLst/>
-        </a:prstGeom>
-        <a:solidFill>
-          <a:schemeClr val="accent1">
-            <a:hueOff val="0"/>
-            <a:satOff val="0"/>
-            <a:lumOff val="0"/>
-            <a:alphaOff val="0"/>
-          </a:schemeClr>
-        </a:solidFill>
-        <a:ln w="19050" cap="flat" cmpd="sng" algn="ctr">
-          <a:solidFill>
-            <a:schemeClr val="lt1">
-              <a:hueOff val="0"/>
-              <a:satOff val="0"/>
-              <a:lumOff val="0"/>
-              <a:alphaOff val="0"/>
-            </a:schemeClr>
-          </a:solidFill>
-          <a:prstDash val="solid"/>
-        </a:ln>
-        <a:effectLst/>
-      </dsp:spPr>
-      <dsp:style>
-        <a:lnRef idx="2">
-          <a:scrgbClr r="0" g="0" b="0"/>
-        </a:lnRef>
-        <a:fillRef idx="1">
-          <a:scrgbClr r="0" g="0" b="0"/>
-        </a:fillRef>
-        <a:effectRef idx="0">
-          <a:scrgbClr r="0" g="0" b="0"/>
-        </a:effectRef>
-        <a:fontRef idx="minor">
-          <a:schemeClr val="lt1"/>
-        </a:fontRef>
-      </dsp:style>
-      <dsp:txBody>
-        <a:bodyPr spcFirstLastPara="0" vert="horz" wrap="square" lIns="10795" tIns="10795" rIns="10795" bIns="10795" numCol="1" spcCol="1270" anchor="ctr" anchorCtr="0">
-          <a:noAutofit/>
-        </a:bodyPr>
-        <a:lstStyle/>
-        <a:p>
-          <a:pPr marL="0" lvl="0" indent="0" algn="ctr" defTabSz="755650">
-            <a:lnSpc>
-              <a:spcPct val="90000"/>
-            </a:lnSpc>
-            <a:spcBef>
-              <a:spcPct val="0"/>
-            </a:spcBef>
-            <a:spcAft>
-              <a:spcPct val="35000"/>
-            </a:spcAft>
-            <a:buNone/>
-          </a:pPr>
-          <a:r>
-            <a:rPr lang="en-IN" sz="1700" kern="1200" dirty="0"/>
-            <a:t>Order tracking</a:t>
-          </a:r>
-        </a:p>
-      </dsp:txBody>
-      <dsp:txXfrm>
-        <a:off x="5347883" y="3147866"/>
-        <a:ext cx="1476747" cy="738373"/>
-      </dsp:txXfrm>
-    </dsp:sp>
-    <dsp:sp modelId="{51BC58A0-0A27-40DB-9F48-68272D4CBAE5}">
-      <dsp:nvSpPr>
-        <dsp:cNvPr id="0" name=""/>
-        <dsp:cNvSpPr/>
-      </dsp:nvSpPr>
-      <dsp:spPr>
-        <a:xfrm>
-          <a:off x="5347883" y="4196356"/>
-          <a:ext cx="1476747" cy="738373"/>
-        </a:xfrm>
-        <a:prstGeom prst="rect">
-          <a:avLst/>
-        </a:prstGeom>
-        <a:solidFill>
-          <a:schemeClr val="accent1">
-            <a:hueOff val="0"/>
-            <a:satOff val="0"/>
-            <a:lumOff val="0"/>
-            <a:alphaOff val="0"/>
-          </a:schemeClr>
-        </a:solidFill>
-        <a:ln w="19050" cap="flat" cmpd="sng" algn="ctr">
-          <a:solidFill>
-            <a:schemeClr val="lt1">
-              <a:hueOff val="0"/>
-              <a:satOff val="0"/>
-              <a:lumOff val="0"/>
-              <a:alphaOff val="0"/>
-            </a:schemeClr>
-          </a:solidFill>
-          <a:prstDash val="solid"/>
-        </a:ln>
-        <a:effectLst/>
-      </dsp:spPr>
-      <dsp:style>
-        <a:lnRef idx="2">
-          <a:scrgbClr r="0" g="0" b="0"/>
-        </a:lnRef>
-        <a:fillRef idx="1">
-          <a:scrgbClr r="0" g="0" b="0"/>
-        </a:fillRef>
-        <a:effectRef idx="0">
-          <a:scrgbClr r="0" g="0" b="0"/>
-        </a:effectRef>
-        <a:fontRef idx="minor">
-          <a:schemeClr val="lt1"/>
-        </a:fontRef>
-      </dsp:style>
-      <dsp:txBody>
-        <a:bodyPr spcFirstLastPara="0" vert="horz" wrap="square" lIns="10795" tIns="10795" rIns="10795" bIns="10795" numCol="1" spcCol="1270" anchor="ctr" anchorCtr="0">
-          <a:noAutofit/>
-        </a:bodyPr>
-        <a:lstStyle/>
-        <a:p>
-          <a:pPr marL="0" lvl="0" indent="0" algn="ctr" defTabSz="755650">
-            <a:lnSpc>
-              <a:spcPct val="90000"/>
-            </a:lnSpc>
-            <a:spcBef>
-              <a:spcPct val="0"/>
-            </a:spcBef>
-            <a:spcAft>
-              <a:spcPct val="35000"/>
-            </a:spcAft>
-            <a:buNone/>
-          </a:pPr>
-          <a:r>
-            <a:rPr lang="en-IN" sz="1700" kern="1200" dirty="0"/>
-            <a:t>Returns and complains</a:t>
-          </a:r>
-        </a:p>
-      </dsp:txBody>
-      <dsp:txXfrm>
-        <a:off x="5347883" y="4196356"/>
-        <a:ext cx="1476747" cy="738373"/>
-      </dsp:txXfrm>
-    </dsp:sp>
-  </dsp:spTree>
-</dsp:drawing>
-</file>
-
-<file path=ppt/diagrams/layout1.xml><?xml version="1.0" encoding="utf-8"?>
-<dgm:layoutDef xmlns:dgm="http://schemas.openxmlformats.org/drawingml/2006/diagram" xmlns:a="http://schemas.openxmlformats.org/drawingml/2006/main" uniqueId="urn:microsoft.com/office/officeart/2005/8/layout/orgChart1">
-  <dgm:title val=""/>
-  <dgm:desc val=""/>
-  <dgm:catLst>
-    <dgm:cat type="hierarchy" pri="1000"/>
-    <dgm:cat type="convert" pri="6000"/>
-  </dgm:catLst>
-  <dgm:sampData>
-    <dgm:dataModel>
-      <dgm:ptLst>
-        <dgm:pt modelId="0" type="doc"/>
-        <dgm:pt modelId="1">
-          <dgm:prSet phldr="1"/>
-        </dgm:pt>
-        <dgm:pt modelId="2" type="asst">
-          <dgm:prSet phldr="1"/>
-        </dgm:pt>
-        <dgm:pt modelId="3">
-          <dgm:prSet phldr="1"/>
-        </dgm:pt>
-        <dgm:pt modelId="4">
-          <dgm:prSet phldr="1"/>
-        </dgm:pt>
-        <dgm:pt modelId="5">
-          <dgm:prSet phldr="1"/>
-        </dgm:pt>
-      </dgm:ptLst>
-      <dgm:cxnLst>
-        <dgm:cxn modelId="5" srcId="0" destId="1" srcOrd="0" destOrd="0"/>
-        <dgm:cxn modelId="6" srcId="1" destId="2" srcOrd="0" destOrd="0"/>
-        <dgm:cxn modelId="7" srcId="1" destId="3" srcOrd="1" destOrd="0"/>
-        <dgm:cxn modelId="8" srcId="1" destId="4" srcOrd="2" destOrd="0"/>
-        <dgm:cxn modelId="9" srcId="1" destId="5" srcOrd="3" destOrd="0"/>
-      </dgm:cxnLst>
-      <dgm:bg/>
-      <dgm:whole/>
-    </dgm:dataModel>
-  </dgm:sampData>
-  <dgm:styleData>
-    <dgm:dataModel>
-      <dgm:ptLst>
-        <dgm:pt modelId="0" type="doc"/>
-        <dgm:pt modelId="1"/>
-        <dgm:pt modelId="12"/>
-        <dgm:pt modelId="13"/>
-      </dgm:ptLst>
-      <dgm:cxnLst>
-        <dgm:cxn modelId="2" srcId="0" destId="1" srcOrd="0" destOrd="0"/>
-        <dgm:cxn modelId="16" srcId="1" destId="12" srcOrd="1" destOrd="0"/>
-        <dgm:cxn modelId="17" srcId="1" destId="13" srcOrd="2" destOrd="0"/>
-      </dgm:cxnLst>
-      <dgm:bg/>
-      <dgm:whole/>
-    </dgm:dataModel>
-  </dgm:styleData>
-  <dgm:clrData>
-    <dgm:dataModel>
-      <dgm:ptLst>
-        <dgm:pt modelId="0" type="doc"/>
-        <dgm:pt modelId="1"/>
-        <dgm:pt modelId="11" type="asst"/>
-        <dgm:pt modelId="12"/>
-        <dgm:pt modelId="13"/>
-        <dgm:pt modelId="14"/>
-      </dgm:ptLst>
-      <dgm:cxnLst>
-        <dgm:cxn modelId="2" srcId="0" destId="1" srcOrd="0" destOrd="0"/>
-        <dgm:cxn modelId="15" srcId="1" destId="11" srcOrd="0" destOrd="0"/>
-        <dgm:cxn modelId="16" srcId="1" destId="12" srcOrd="1" destOrd="0"/>
-        <dgm:cxn modelId="17" srcId="1" destId="13" srcOrd="2" destOrd="0"/>
-        <dgm:cxn modelId="18" srcId="1" destId="14" srcOrd="2" destOrd="0"/>
-      </dgm:cxnLst>
-      <dgm:bg/>
-      <dgm:whole/>
-    </dgm:dataModel>
-  </dgm:clrData>
-  <dgm:layoutNode name="hierChild1">
-    <dgm:varLst>
-      <dgm:orgChart val="1"/>
-      <dgm:chPref val="1"/>
-      <dgm:dir/>
-      <dgm:animOne val="branch"/>
-      <dgm:animLvl val="lvl"/>
-      <dgm:resizeHandles/>
-    </dgm:varLst>
-    <dgm:choose name="Name0">
-      <dgm:if name="Name1" func="var" arg="dir" op="equ" val="norm">
-        <dgm:alg type="hierChild">
-          <dgm:param type="linDir" val="fromL"/>
-        </dgm:alg>
-      </dgm:if>
-      <dgm:else name="Name2">
-        <dgm:alg type="hierChild">
-          <dgm:param type="linDir" val="fromR"/>
-        </dgm:alg>
-      </dgm:else>
-    </dgm:choose>
-    <dgm:shape xmlns:r="http://schemas.openxmlformats.org/officeDocument/2006/relationships" r:blip="">
-      <dgm:adjLst/>
-    </dgm:shape>
-    <dgm:presOf/>
-    <dgm:constrLst>
-      <dgm:constr type="w" for="des" forName="rootComposite1" refType="w" fact="10"/>
-      <dgm:constr type="h" for="des" forName="rootComposite1" refType="w" refFor="des" refForName="rootComposite1" fact="0.5"/>
-      <dgm:constr type="w" for="des" forName="rootComposite" refType="w" fact="10"/>
-      <dgm:constr type="h" for="des" forName="rootComposite" refType="w" refFor="des" refForName="rootComposite1" fact="0.5"/>
-      <dgm:constr type="w" for="des" forName="rootComposite3" refType="w" fact="10"/>
-      <dgm:constr type="h" for="des" forName="rootComposite3" refType="w" refFor="des" refForName="rootComposite1" fact="0.5"/>
-      <dgm:constr type="primFontSz" for="des" ptType="node" op="equ"/>
-      <dgm:constr type="sp" for="des" op="equ"/>
-      <dgm:constr type="sp" for="des" forName="hierRoot1" refType="w" refFor="des" refForName="rootComposite1" fact="0.21"/>
-      <dgm:constr type="sp" for="des" forName="hierRoot2" refType="sp" refFor="des" refForName="hierRoot1"/>
-      <dgm:constr type="sp" for="des" forName="hierRoot3" refType="sp" refFor="des" refForName="hierRoot1"/>
-      <dgm:constr type="sibSp" refType="w" refFor="des" refForName="rootComposite1" fact="0.21"/>
-      <dgm:constr type="sibSp" for="des" forName="hierChild2" refType="sibSp"/>
-      <dgm:constr type="sibSp" for="des" forName="hierChild3" refType="sibSp"/>
-      <dgm:constr type="sibSp" for="des" forName="hierChild4" refType="sibSp"/>
-      <dgm:constr type="sibSp" for="des" forName="hierChild5" refType="sibSp"/>
-      <dgm:constr type="sibSp" for="des" forName="hierChild6" refType="sibSp"/>
-      <dgm:constr type="sibSp" for="des" forName="hierChild7" refType="sibSp"/>
-      <dgm:constr type="secSibSp" refType="w" refFor="des" refForName="rootComposite1" fact="0.21"/>
-      <dgm:constr type="secSibSp" for="des" forName="hierChild2" refType="secSibSp"/>
-      <dgm:constr type="secSibSp" for="des" forName="hierChild3" refType="secSibSp"/>
-      <dgm:constr type="secSibSp" for="des" forName="hierChild4" refType="secSibSp"/>
-      <dgm:constr type="secSibSp" for="des" forName="hierChild5" refType="secSibSp"/>
-      <dgm:constr type="secSibSp" for="des" forName="hierChild6" refType="secSibSp"/>
-      <dgm:constr type="secSibSp" for="des" forName="hierChild7" refType="secSibSp"/>
-    </dgm:constrLst>
-    <dgm:ruleLst/>
-    <dgm:forEach name="Name3" axis="ch">
-      <dgm:forEach name="Name4" axis="self" ptType="node">
-        <dgm:layoutNode name="hierRoot1">
-          <dgm:varLst>
-            <dgm:hierBranch val="init"/>
-          </dgm:varLst>
-          <dgm:choose name="Name5">
-            <dgm:if name="Name6" func="var" arg="hierBranch" op="equ" val="l">
-              <dgm:choose name="Name7">
-                <dgm:if name="Name8" axis="ch" ptType="asst" func="cnt" op="gte" val="1">
-                  <dgm:alg type="hierRoot">
-                    <dgm:param type="hierAlign" val="tR"/>
-                  </dgm:alg>
-                  <dgm:constrLst>
-                    <dgm:constr type="alignOff" val="0.65"/>
-                  </dgm:constrLst>
-                </dgm:if>
-                <dgm:else name="Name9">
-                  <dgm:alg type="hierRoot">
-                    <dgm:param type="hierAlign" val="tR"/>
-                  </dgm:alg>
-                  <dgm:constrLst>
-                    <dgm:constr type="alignOff" val="0.25"/>
-                  </dgm:constrLst>
-                </dgm:else>
-              </dgm:choose>
-            </dgm:if>
-            <dgm:if name="Name10" func="var" arg="hierBranch" op="equ" val="r">
-              <dgm:choose name="Name11">
-                <dgm:if name="Name12" axis="ch" ptType="asst" func="cnt" op="gte" val="1">
-                  <dgm:alg type="hierRoot">
-                    <dgm:param type="hierAlign" val="tL"/>
-                  </dgm:alg>
-                  <dgm:constrLst>
-                    <dgm:constr type="alignOff" val="0.65"/>
-                  </dgm:constrLst>
-                </dgm:if>
-                <dgm:else name="Name13">
-                  <dgm:alg type="hierRoot">
-                    <dgm:param type="hierAlign" val="tL"/>
-                  </dgm:alg>
-                  <dgm:constrLst>
-                    <dgm:constr type="alignOff" val="0.25"/>
-                  </dgm:constrLst>
-                </dgm:else>
-              </dgm:choose>
-            </dgm:if>
-            <dgm:if name="Name14" func="var" arg="hierBranch" op="equ" val="hang">
-              <dgm:alg type="hierRoot"/>
-              <dgm:constrLst>
-                <dgm:constr type="alignOff" val="0.65"/>
-              </dgm:constrLst>
-            </dgm:if>
-            <dgm:else name="Name15">
-              <dgm:alg type="hierRoot"/>
-              <dgm:constrLst>
-                <dgm:constr type="alignOff"/>
-                <dgm:constr type="bendDist" for="des" ptType="parTrans" refType="sp" fact="0.5"/>
-              </dgm:constrLst>
-            </dgm:else>
-          </dgm:choose>
-          <dgm:shape xmlns:r="http://schemas.openxmlformats.org/officeDocument/2006/relationships" r:blip="">
-            <dgm:adjLst/>
-          </dgm:shape>
-          <dgm:presOf/>
-          <dgm:ruleLst/>
-          <dgm:layoutNode name="rootComposite1">
-            <dgm:alg type="composite"/>
-            <dgm:shape xmlns:r="http://schemas.openxmlformats.org/officeDocument/2006/relationships" r:blip="">
-              <dgm:adjLst/>
-            </dgm:shape>
-            <dgm:presOf axis="self" ptType="node" cnt="1"/>
-            <dgm:choose name="Name16">
-              <dgm:if name="Name17" func="var" arg="hierBranch" op="equ" val="init">
-                <dgm:constrLst>
-                  <dgm:constr type="l" for="ch" forName="rootText1"/>
-                  <dgm:constr type="t" for="ch" forName="rootText1"/>
-                  <dgm:constr type="w" for="ch" forName="rootText1" refType="w"/>
-                  <dgm:constr type="h" for="ch" forName="rootText1" refType="h"/>
-                  <dgm:constr type="l" for="ch" forName="rootConnector1"/>
-                  <dgm:constr type="t" for="ch" forName="rootConnector1"/>
-                  <dgm:constr type="w" for="ch" forName="rootConnector1" refType="w" refFor="ch" refForName="rootText1" fact="0.2"/>
-                  <dgm:constr type="h" for="ch" forName="rootConnector1" refType="h" refFor="ch" refForName="rootText1"/>
-                </dgm:constrLst>
-              </dgm:if>
-              <dgm:if name="Name18" func="var" arg="hierBranch" op="equ" val="l">
-                <dgm:constrLst>
-                  <dgm:constr type="l" for="ch" forName="rootText1"/>
-                  <dgm:constr type="t" for="ch" forName="rootText1"/>
-                  <dgm:constr type="w" for="ch" forName="rootText1" refType="w"/>
-                  <dgm:constr type="h" for="ch" forName="rootText1" refType="h"/>
-                  <dgm:constr type="r" for="ch" forName="rootConnector1" refType="w"/>
-                  <dgm:constr type="t" for="ch" forName="rootConnector1"/>
-                  <dgm:constr type="w" for="ch" forName="rootConnector1" refType="w" refFor="ch" refForName="rootText1" fact="0.2"/>
-                  <dgm:constr type="h" for="ch" forName="rootConnector1" refType="h" refFor="ch" refForName="rootText1"/>
-                </dgm:constrLst>
-              </dgm:if>
-              <dgm:if name="Name19" func="var" arg="hierBranch" op="equ" val="r">
-                <dgm:constrLst>
-                  <dgm:constr type="l" for="ch" forName="rootText1"/>
-                  <dgm:constr type="t" for="ch" forName="rootText1"/>
-                  <dgm:constr type="w" for="ch" forName="rootText1" refType="w"/>
-                  <dgm:constr type="h" for="ch" forName="rootText1" refType="h"/>
-                  <dgm:constr type="l" for="ch" forName="rootConnector1"/>
-                  <dgm:constr type="t" for="ch" forName="rootConnector1"/>
-                  <dgm:constr type="w" for="ch" forName="rootConnector1" refType="w" refFor="ch" refForName="rootText1" fact="0.2"/>
-                  <dgm:constr type="h" for="ch" forName="rootConnector1" refType="h" refFor="ch" refForName="rootText1"/>
-                </dgm:constrLst>
-              </dgm:if>
-              <dgm:else name="Name20">
-                <dgm:constrLst>
-                  <dgm:constr type="l" for="ch" forName="rootText1"/>
-                  <dgm:constr type="t" for="ch" forName="rootText1"/>
-                  <dgm:constr type="w" for="ch" forName="rootText1" refType="w"/>
-                  <dgm:constr type="h" for="ch" forName="rootText1" refType="h"/>
-                  <dgm:constr type="r" for="ch" forName="rootConnector1" refType="w"/>
-                  <dgm:constr type="t" for="ch" forName="rootConnector1"/>
-                  <dgm:constr type="w" for="ch" forName="rootConnector1" refType="w" refFor="ch" refForName="rootText1" fact="0.2"/>
-                  <dgm:constr type="h" for="ch" forName="rootConnector1" refType="h" refFor="ch" refForName="rootText1"/>
-                </dgm:constrLst>
-              </dgm:else>
-            </dgm:choose>
-            <dgm:ruleLst/>
-            <dgm:layoutNode name="rootText1" styleLbl="node0">
-              <dgm:varLst>
-                <dgm:chPref val="3"/>
-              </dgm:varLst>
-              <dgm:alg type="tx"/>
-              <dgm:shape xmlns:r="http://schemas.openxmlformats.org/officeDocument/2006/relationships" type="rect" r:blip="">
-                <dgm:adjLst/>
-              </dgm:shape>
-              <dgm:presOf axis="self" ptType="node" cnt="1"/>
-              <dgm:constrLst>
-                <dgm:constr type="primFontSz" val="65"/>
-                <dgm:constr type="lMarg" refType="primFontSz" fact="0.05"/>
-                <dgm:constr type="rMarg" refType="primFontSz" fact="0.05"/>
-                <dgm:constr type="tMarg" refType="primFontSz" fact="0.05"/>
-                <dgm:constr type="bMarg" refType="primFontSz" fact="0.05"/>
-              </dgm:constrLst>
-              <dgm:ruleLst>
-                <dgm:rule type="primFontSz" val="5" fact="NaN" max="NaN"/>
-              </dgm:ruleLst>
-            </dgm:layoutNode>
-            <dgm:layoutNode name="rootConnector1" moveWith="rootText1">
-              <dgm:alg type="sp"/>
-              <dgm:shape xmlns:r="http://schemas.openxmlformats.org/officeDocument/2006/relationships" type="rect" r:blip="" hideGeom="1">
-                <dgm:adjLst/>
-              </dgm:shape>
-              <dgm:presOf axis="self" ptType="node" cnt="1"/>
-              <dgm:constrLst/>
-              <dgm:ruleLst/>
-            </dgm:layoutNode>
-          </dgm:layoutNode>
-          <dgm:layoutNode name="hierChild2">
-            <dgm:choose name="Name21">
-              <dgm:if name="Name22" func="var" arg="hierBranch" op="equ" val="l">
-                <dgm:alg type="hierChild">
-                  <dgm:param type="chAlign" val="r"/>
-                  <dgm:param type="linDir" val="fromT"/>
-                </dgm:alg>
-              </dgm:if>
-              <dgm:if name="Name23" func="var" arg="hierBranch" op="equ" val="r">
-                <dgm:alg type="hierChild">
-                  <dgm:param type="chAlign" val="l"/>
-                  <dgm:param type="linDir" val="fromT"/>
-                </dgm:alg>
-              </dgm:if>
-              <dgm:if name="Name24" func="var" arg="hierBranch" op="equ" val="hang">
-                <dgm:choose name="Name25">
-                  <dgm:if name="Name26" func="var" arg="dir" op="equ" val="norm">
-                    <dgm:alg type="hierChild">
-                      <dgm:param type="chAlign" val="l"/>
-                      <dgm:param type="linDir" val="fromL"/>
-                      <dgm:param type="secChAlign" val="t"/>
-                      <dgm:param type="secLinDir" val="fromT"/>
-                    </dgm:alg>
-                  </dgm:if>
-                  <dgm:else name="Name27">
-                    <dgm:alg type="hierChild">
-                      <dgm:param type="chAlign" val="l"/>
-                      <dgm:param type="linDir" val="fromR"/>
-                      <dgm:param type="secChAlign" val="t"/>
-                      <dgm:param type="secLinDir" val="fromT"/>
-                    </dgm:alg>
-                  </dgm:else>
-                </dgm:choose>
-              </dgm:if>
-              <dgm:else name="Name28">
-                <dgm:choose name="Name29">
-                  <dgm:if name="Name30" func="var" arg="dir" op="equ" val="norm">
-                    <dgm:alg type="hierChild"/>
-                  </dgm:if>
-                  <dgm:else name="Name31">
-                    <dgm:alg type="hierChild">
-                      <dgm:param type="linDir" val="fromR"/>
-                    </dgm:alg>
-                  </dgm:else>
-                </dgm:choose>
-              </dgm:else>
-            </dgm:choose>
-            <dgm:shape xmlns:r="http://schemas.openxmlformats.org/officeDocument/2006/relationships" r:blip="">
-              <dgm:adjLst/>
-            </dgm:shape>
-            <dgm:presOf/>
-            <dgm:constrLst/>
-            <dgm:ruleLst/>
-            <dgm:forEach name="rep2a" axis="ch" ptType="nonAsst">
-              <dgm:forEach name="Name32" axis="precedSib" ptType="parTrans" st="-1" cnt="1">
-                <dgm:choose name="Name33">
-                  <dgm:if name="Name34" func="var" arg="hierBranch" op="equ" val="std">
-                    <dgm:layoutNode name="Name35">
-                      <dgm:alg type="conn">
-                        <dgm:param type="connRout" val="bend"/>
-                        <dgm:param type="dim" val="1D"/>
-                        <dgm:param type="endSty" val="noArr"/>
-                        <dgm:param type="begPts" val="bCtr"/>
-                        <dgm:param type="endPts" val="tCtr"/>
-                        <dgm:param type="bendPt" val="end"/>
-                      </dgm:alg>
-                      <dgm:shape xmlns:r="http://schemas.openxmlformats.org/officeDocument/2006/relationships" type="conn" r:blip="" zOrderOff="-99999">
-                        <dgm:adjLst/>
-                      </dgm:shape>
-                      <dgm:presOf axis="self"/>
-                      <dgm:constrLst>
-                        <dgm:constr type="begPad"/>
-                        <dgm:constr type="endPad"/>
-                      </dgm:constrLst>
-                      <dgm:ruleLst/>
-                    </dgm:layoutNode>
-                  </dgm:if>
-                  <dgm:if name="Name36" func="var" arg="hierBranch" op="equ" val="init">
-                    <dgm:layoutNode name="Name37">
-                      <dgm:choose name="Name38">
-                        <dgm:if name="Name39" axis="self" func="depth" op="lte" val="2">
-                          <dgm:alg type="conn">
-                            <dgm:param type="connRout" val="bend"/>
-                            <dgm:param type="dim" val="1D"/>
-                            <dgm:param type="endSty" val="noArr"/>
-                            <dgm:param type="begPts" val="bCtr"/>
-                            <dgm:param type="endPts" val="tCtr"/>
-                            <dgm:param type="bendPt" val="end"/>
-                          </dgm:alg>
-                        </dgm:if>
-                        <dgm:else name="Name40">
-                          <dgm:choose name="Name41">
-                            <dgm:if name="Name42" axis="par des" func="maxDepth" op="lte" val="1">
-                              <dgm:choose name="Name43">
-                                <dgm:if name="Name44" axis="par ch" ptType="node asst" func="cnt" op="gte" val="1">
-                                  <dgm:alg type="conn">
-                                    <dgm:param type="connRout" val="bend"/>
-                                    <dgm:param type="dim" val="1D"/>
-                                    <dgm:param type="endSty" val="noArr"/>
-                                    <dgm:param type="begPts" val="bCtr"/>
-                                    <dgm:param type="endPts" val="midL midR"/>
-                                  </dgm:alg>
-                                </dgm:if>
-                                <dgm:else name="Name45">
-                                  <dgm:alg type="conn">
-                                    <dgm:param type="connRout" val="bend"/>
-                                    <dgm:param type="dim" val="1D"/>
-                                    <dgm:param type="endSty" val="noArr"/>
-                                    <dgm:param type="begPts" val="bCtr"/>
-                                    <dgm:param type="endPts" val="midL midR"/>
-                                    <dgm:param type="srcNode" val="rootConnector"/>
-                                  </dgm:alg>
-                                </dgm:else>
-                              </dgm:choose>
-                            </dgm:if>
-                            <dgm:else name="Name46">
-                              <dgm:alg type="conn">
-                                <dgm:param type="connRout" val="bend"/>
-                                <dgm:param type="dim" val="1D"/>
-                                <dgm:param type="endSty" val="noArr"/>
-                                <dgm:param type="begPts" val="bCtr"/>
-                                <dgm:param type="endPts" val="tCtr"/>
-                                <dgm:param type="bendPt" val="end"/>
-                              </dgm:alg>
-                            </dgm:else>
-                          </dgm:choose>
-                        </dgm:else>
-                      </dgm:choose>
-                      <dgm:shape xmlns:r="http://schemas.openxmlformats.org/officeDocument/2006/relationships" type="conn" r:blip="" zOrderOff="-99999">
-                        <dgm:adjLst/>
-                      </dgm:shape>
-                      <dgm:presOf axis="self"/>
-                      <dgm:constrLst>
-                        <dgm:constr type="begPad"/>
-                        <dgm:constr type="endPad"/>
-                      </dgm:constrLst>
-                      <dgm:ruleLst/>
-                    </dgm:layoutNode>
-                  </dgm:if>
-                  <dgm:if name="Name47" func="var" arg="hierBranch" op="equ" val="hang">
-                    <dgm:layoutNode name="Name48">
-                      <dgm:alg type="conn">
-                        <dgm:param type="connRout" val="bend"/>
-                        <dgm:param type="dim" val="1D"/>
-                        <dgm:param type="endSty" val="noArr"/>
-                        <dgm:param type="begPts" val="bCtr"/>
-                        <dgm:param type="endPts" val="midL midR"/>
-                      </dgm:alg>
-                      <dgm:shape xmlns:r="http://schemas.openxmlformats.org/officeDocument/2006/relationships" type="conn" r:blip="" zOrderOff="-99999">
-                        <dgm:adjLst/>
-                      </dgm:shape>
-                      <dgm:presOf axis="self"/>
-                      <dgm:constrLst>
-                        <dgm:constr type="begPad"/>
-                        <dgm:constr type="endPad"/>
-                      </dgm:constrLst>
-                      <dgm:ruleLst/>
-                    </dgm:layoutNode>
-                  </dgm:if>
-                  <dgm:else name="Name49">
-                    <dgm:layoutNode name="Name50">
-                      <dgm:choose name="Name51">
-                        <dgm:if name="Name52" axis="self" func="depth" op="lte" val="2">
-                          <dgm:choose name="Name53">
-                            <dgm:if name="Name54" axis="par ch" ptType="node asst" func="cnt" op="gte" val="1">
-                              <dgm:alg type="conn">
-                                <dgm:param type="connRout" val="bend"/>
-                                <dgm:param type="dim" val="1D"/>
-                                <dgm:param type="endSty" val="noArr"/>
-                                <dgm:param type="begPts" val="bCtr"/>
-                                <dgm:param type="endPts" val="midL midR"/>
-                              </dgm:alg>
-                            </dgm:if>
-                            <dgm:else name="Name55">
-                              <dgm:alg type="conn">
-                                <dgm:param type="connRout" val="bend"/>
-                                <dgm:param type="dim" val="1D"/>
-                                <dgm:param type="endSty" val="noArr"/>
-                                <dgm:param type="begPts" val="bCtr"/>
-                                <dgm:param type="endPts" val="midL midR"/>
-                                <dgm:param type="srcNode" val="rootConnector1"/>
-                              </dgm:alg>
-                            </dgm:else>
-                          </dgm:choose>
-                        </dgm:if>
-                        <dgm:else name="Name56">
-                          <dgm:choose name="Name57">
-                            <dgm:if name="Name58" axis="par ch" ptType="node asst" func="cnt" op="gte" val="1">
-                              <dgm:alg type="conn">
-                                <dgm:param type="connRout" val="bend"/>
-                                <dgm:param type="dim" val="1D"/>
-                                <dgm:param type="endSty" val="noArr"/>
-                                <dgm:param type="begPts" val="bCtr"/>
-                                <dgm:param type="endPts" val="midL midR"/>
-                              </dgm:alg>
-                            </dgm:if>
-                            <dgm:else name="Name59">
-                              <dgm:alg type="conn">
-                                <dgm:param type="connRout" val="bend"/>
-                                <dgm:param type="dim" val="1D"/>
-                                <dgm:param type="endSty" val="noArr"/>
-                                <dgm:param type="begPts" val="bCtr"/>
-                                <dgm:param type="endPts" val="midL midR"/>
-                                <dgm:param type="srcNode" val="rootConnector"/>
-                              </dgm:alg>
-                            </dgm:else>
-                          </dgm:choose>
-                        </dgm:else>
-                      </dgm:choose>
-                      <dgm:shape xmlns:r="http://schemas.openxmlformats.org/officeDocument/2006/relationships" type="conn" r:blip="" zOrderOff="-99999">
-                        <dgm:adjLst/>
-                      </dgm:shape>
-                      <dgm:presOf axis="self"/>
-                      <dgm:constrLst>
-                        <dgm:constr type="begPad"/>
-                        <dgm:constr type="endPad"/>
-                      </dgm:constrLst>
-                      <dgm:ruleLst/>
-                    </dgm:layoutNode>
-                  </dgm:else>
-                </dgm:choose>
-              </dgm:forEach>
-              <dgm:layoutNode name="hierRoot2">
-                <dgm:varLst>
-                  <dgm:hierBranch val="init"/>
-                </dgm:varLst>
-                <dgm:choose name="Name60">
-                  <dgm:if name="Name61" func="var" arg="hierBranch" op="equ" val="l">
-                    <dgm:choose name="Name62">
-                      <dgm:if name="Name63" axis="ch" ptType="asst" func="cnt" op="gte" val="1">
-                        <dgm:alg type="hierRoot">
-                          <dgm:param type="hierAlign" val="tR"/>
-                        </dgm:alg>
-                        <dgm:shape xmlns:r="http://schemas.openxmlformats.org/officeDocument/2006/relationships" r:blip="">
-                          <dgm:adjLst/>
-                        </dgm:shape>
-                        <dgm:presOf/>
-                        <dgm:constrLst>
-                          <dgm:constr type="alignOff" val="0.65"/>
-                        </dgm:constrLst>
-                      </dgm:if>
-                      <dgm:else name="Name64">
-                        <dgm:alg type="hierRoot">
-                          <dgm:param type="hierAlign" val="tR"/>
-                        </dgm:alg>
-                        <dgm:shape xmlns:r="http://schemas.openxmlformats.org/officeDocument/2006/relationships" r:blip="">
-                          <dgm:adjLst/>
-                        </dgm:shape>
-                        <dgm:presOf/>
-                        <dgm:constrLst>
-                          <dgm:constr type="alignOff" val="0.25"/>
-                        </dgm:constrLst>
-                      </dgm:else>
-                    </dgm:choose>
-                  </dgm:if>
-                  <dgm:if name="Name65" func="var" arg="hierBranch" op="equ" val="r">
-                    <dgm:choose name="Name66">
-                      <dgm:if name="Name67" axis="ch" ptType="asst" func="cnt" op="gte" val="1">
-                        <dgm:alg type="hierRoot">
-                          <dgm:param type="hierAlign" val="tL"/>
-                        </dgm:alg>
-                        <dgm:shape xmlns:r="http://schemas.openxmlformats.org/officeDocument/2006/relationships" r:blip="">
-                          <dgm:adjLst/>
-                        </dgm:shape>
-                        <dgm:presOf/>
-                        <dgm:constrLst>
-                          <dgm:constr type="alignOff" val="0.65"/>
-                        </dgm:constrLst>
-                      </dgm:if>
-                      <dgm:else name="Name68">
-                        <dgm:alg type="hierRoot">
-                          <dgm:param type="hierAlign" val="tL"/>
-                        </dgm:alg>
-                        <dgm:shape xmlns:r="http://schemas.openxmlformats.org/officeDocument/2006/relationships" r:blip="">
-                          <dgm:adjLst/>
-                        </dgm:shape>
-                        <dgm:presOf/>
-                        <dgm:constrLst>
-                          <dgm:constr type="alignOff" val="0.25"/>
-                        </dgm:constrLst>
-                      </dgm:else>
-                    </dgm:choose>
-                  </dgm:if>
-                  <dgm:if name="Name69" func="var" arg="hierBranch" op="equ" val="std">
-                    <dgm:alg type="hierRoot"/>
-                    <dgm:shape xmlns:r="http://schemas.openxmlformats.org/officeDocument/2006/relationships" r:blip="">
-                      <dgm:adjLst/>
-                    </dgm:shape>
-                    <dgm:presOf/>
-                    <dgm:constrLst>
-                      <dgm:constr type="alignOff"/>
-                      <dgm:constr type="bendDist" for="des" ptType="parTrans" refType="sp" fact="0.5"/>
-                    </dgm:constrLst>
-                  </dgm:if>
-                  <dgm:if name="Name70" func="var" arg="hierBranch" op="equ" val="init">
-                    <dgm:choose name="Name71">
-                      <dgm:if name="Name72" axis="des" func="maxDepth" op="lte" val="1">
-                        <dgm:choose name="Name73">
-                          <dgm:if name="Name74" axis="ch" ptType="asst" func="cnt" op="gte" val="1">
-                            <dgm:alg type="hierRoot">
-                              <dgm:param type="hierAlign" val="tL"/>
-                            </dgm:alg>
-                            <dgm:shape xmlns:r="http://schemas.openxmlformats.org/officeDocument/2006/relationships" r:blip="">
-                              <dgm:adjLst/>
-                            </dgm:shape>
-                            <dgm:presOf/>
-                            <dgm:constrLst>
-                              <dgm:constr type="alignOff" val="0.65"/>
-                            </dgm:constrLst>
-                          </dgm:if>
-                          <dgm:else name="Name75">
-                            <dgm:alg type="hierRoot">
-                              <dgm:param type="hierAlign" val="tL"/>
-                            </dgm:alg>
-                            <dgm:shape xmlns:r="http://schemas.openxmlformats.org/officeDocument/2006/relationships" r:blip="">
-                              <dgm:adjLst/>
-                            </dgm:shape>
-                            <dgm:presOf/>
-                            <dgm:constrLst>
-                              <dgm:constr type="alignOff" val="0.25"/>
-                            </dgm:constrLst>
-                          </dgm:else>
-                        </dgm:choose>
-                      </dgm:if>
-                      <dgm:else name="Name76">
-                        <dgm:alg type="hierRoot"/>
-                        <dgm:shape xmlns:r="http://schemas.openxmlformats.org/officeDocument/2006/relationships" r:blip="">
-                          <dgm:adjLst/>
-                        </dgm:shape>
-                        <dgm:presOf/>
-                        <dgm:constrLst>
-                          <dgm:constr type="alignOff"/>
-                          <dgm:constr type="bendDist" for="des" ptType="parTrans" refType="sp" fact="0.5"/>
-                        </dgm:constrLst>
-                      </dgm:else>
-                    </dgm:choose>
-                  </dgm:if>
-                  <dgm:else name="Name77">
-                    <dgm:alg type="hierRoot"/>
-                    <dgm:shape xmlns:r="http://schemas.openxmlformats.org/officeDocument/2006/relationships" r:blip="">
-                      <dgm:adjLst/>
-                    </dgm:shape>
-                    <dgm:presOf/>
-                    <dgm:constrLst>
-                      <dgm:constr type="alignOff" val="0.65"/>
-                    </dgm:constrLst>
-                  </dgm:else>
-                </dgm:choose>
-                <dgm:ruleLst/>
-                <dgm:layoutNode name="rootComposite">
-                  <dgm:alg type="composite"/>
-                  <dgm:shape xmlns:r="http://schemas.openxmlformats.org/officeDocument/2006/relationships" r:blip="">
-                    <dgm:adjLst/>
-                  </dgm:shape>
-                  <dgm:presOf axis="self" ptType="node" cnt="1"/>
-                  <dgm:choose name="Name78">
-                    <dgm:if name="Name79" func="var" arg="hierBranch" op="equ" val="init">
-                      <dgm:constrLst>
-                        <dgm:constr type="l" for="ch" forName="rootText"/>
-                        <dgm:constr type="t" for="ch" forName="rootText"/>
-                        <dgm:constr type="w" for="ch" forName="rootText" refType="w"/>
-                        <dgm:constr type="h" for="ch" forName="rootText" refType="h"/>
-                        <dgm:constr type="l" for="ch" forName="rootConnector"/>
-                        <dgm:constr type="t" for="ch" forName="rootConnector"/>
-                        <dgm:constr type="w" for="ch" forName="rootConnector" refType="w" refFor="ch" refForName="rootText" fact="0.2"/>
-                        <dgm:constr type="h" for="ch" forName="rootConnector" refType="h" refFor="ch" refForName="rootText"/>
-                      </dgm:constrLst>
-                    </dgm:if>
-                    <dgm:if name="Name80" func="var" arg="hierBranch" op="equ" val="l">
-                      <dgm:constrLst>
-                        <dgm:constr type="l" for="ch" forName="rootText"/>
-                        <dgm:constr type="t" for="ch" forName="rootText"/>
-                        <dgm:constr type="w" for="ch" forName="rootText" refType="w"/>
-                        <dgm:constr type="h" for="ch" forName="rootText" refType="h"/>
-                        <dgm:constr type="r" for="ch" forName="rootConnector" refType="w"/>
-                        <dgm:constr type="t" for="ch" forName="rootConnector"/>
-                        <dgm:constr type="w" for="ch" forName="rootConnector" refType="w" refFor="ch" refForName="rootText" fact="0.2"/>
-                        <dgm:constr type="h" for="ch" forName="rootConnector" refType="h" refFor="ch" refForName="rootText"/>
-                      </dgm:constrLst>
-                    </dgm:if>
-                    <dgm:if name="Name81" func="var" arg="hierBranch" op="equ" val="r">
-                      <dgm:constrLst>
-                        <dgm:constr type="l" for="ch" forName="rootText"/>
-                        <dgm:constr type="t" for="ch" forName="rootText"/>
-                        <dgm:constr type="w" for="ch" forName="rootText" refType="w"/>
-                        <dgm:constr type="h" for="ch" forName="rootText" refType="h"/>
-                        <dgm:constr type="l" for="ch" forName="rootConnector"/>
-                        <dgm:constr type="t" for="ch" forName="rootConnector"/>
-                        <dgm:constr type="w" for="ch" forName="rootConnector" refType="w" refFor="ch" refForName="rootText" fact="0.2"/>
-                        <dgm:constr type="h" for="ch" forName="rootConnector" refType="h" refFor="ch" refForName="rootText"/>
-                      </dgm:constrLst>
-                    </dgm:if>
-                    <dgm:else name="Name82">
-                      <dgm:constrLst>
-                        <dgm:constr type="l" for="ch" forName="rootText"/>
-                        <dgm:constr type="t" for="ch" forName="rootText"/>
-                        <dgm:constr type="w" for="ch" forName="rootText" refType="w"/>
-                        <dgm:constr type="h" for="ch" forName="rootText" refType="h"/>
-                        <dgm:constr type="r" for="ch" forName="rootConnector" refType="w"/>
-                        <dgm:constr type="t" for="ch" forName="rootConnector"/>
-                        <dgm:constr type="w" for="ch" forName="rootConnector" refType="w" refFor="ch" refForName="rootText" fact="0.2"/>
-                        <dgm:constr type="h" for="ch" forName="rootConnector" refType="h" refFor="ch" refForName="rootText"/>
-                      </dgm:constrLst>
-                    </dgm:else>
-                  </dgm:choose>
-                  <dgm:ruleLst/>
-                  <dgm:layoutNode name="rootText">
-                    <dgm:varLst>
-                      <dgm:chPref val="3"/>
-                    </dgm:varLst>
-                    <dgm:alg type="tx"/>
-                    <dgm:shape xmlns:r="http://schemas.openxmlformats.org/officeDocument/2006/relationships" type="rect" r:blip="">
-                      <dgm:adjLst/>
-                    </dgm:shape>
-                    <dgm:presOf axis="self" ptType="node" cnt="1"/>
-                    <dgm:constrLst>
-                      <dgm:constr type="primFontSz" val="65"/>
-                      <dgm:constr type="lMarg" refType="primFontSz" fact="0.05"/>
-                      <dgm:constr type="rMarg" refType="primFontSz" fact="0.05"/>
-                      <dgm:constr type="tMarg" refType="primFontSz" fact="0.05"/>
-                      <dgm:constr type="bMarg" refType="primFontSz" fact="0.05"/>
-                    </dgm:constrLst>
-                    <dgm:ruleLst>
-                      <dgm:rule type="primFontSz" val="5" fact="NaN" max="NaN"/>
-                    </dgm:ruleLst>
-                  </dgm:layoutNode>
-                  <dgm:layoutNode name="rootConnector" moveWith="rootText">
-                    <dgm:alg type="sp"/>
-                    <dgm:shape xmlns:r="http://schemas.openxmlformats.org/officeDocument/2006/relationships" type="rect" r:blip="" hideGeom="1">
-                      <dgm:adjLst/>
-                    </dgm:shape>
-                    <dgm:presOf axis="self" ptType="node" cnt="1"/>
-                    <dgm:constrLst/>
-                    <dgm:ruleLst/>
-                  </dgm:layoutNode>
-                </dgm:layoutNode>
-                <dgm:layoutNode name="hierChild4">
-                  <dgm:choose name="Name83">
-                    <dgm:if name="Name84" func="var" arg="hierBranch" op="equ" val="l">
-                      <dgm:alg type="hierChild">
-                        <dgm:param type="chAlign" val="r"/>
-                        <dgm:param type="linDir" val="fromT"/>
-                      </dgm:alg>
-                    </dgm:if>
-                    <dgm:if name="Name85" func="var" arg="hierBranch" op="equ" val="r">
-                      <dgm:alg type="hierChild">
-                        <dgm:param type="chAlign" val="l"/>
-                        <dgm:param type="linDir" val="fromT"/>
-                      </dgm:alg>
-                    </dgm:if>
-                    <dgm:if name="Name86" func="var" arg="hierBranch" op="equ" val="hang">
-                      <dgm:choose name="Name87">
-                        <dgm:if name="Name88" func="var" arg="dir" op="equ" val="norm">
-                          <dgm:alg type="hierChild">
-                            <dgm:param type="chAlign" val="l"/>
-                            <dgm:param type="linDir" val="fromL"/>
-                            <dgm:param type="secChAlign" val="t"/>
-                            <dgm:param type="secLinDir" val="fromT"/>
-                          </dgm:alg>
-                        </dgm:if>
-                        <dgm:else name="Name89">
-                          <dgm:alg type="hierChild">
-                            <dgm:param type="chAlign" val="l"/>
-                            <dgm:param type="linDir" val="fromR"/>
-                            <dgm:param type="secChAlign" val="t"/>
-                            <dgm:param type="secLinDir" val="fromT"/>
-                          </dgm:alg>
-                        </dgm:else>
-                      </dgm:choose>
-                    </dgm:if>
-                    <dgm:if name="Name90" func="var" arg="hierBranch" op="equ" val="std">
-                      <dgm:choose name="Name91">
-                        <dgm:if name="Name92" func="var" arg="dir" op="equ" val="norm">
-                          <dgm:alg type="hierChild"/>
-                        </dgm:if>
-                        <dgm:else name="Name93">
-                          <dgm:alg type="hierChild">
-                            <dgm:param type="linDir" val="fromR"/>
-                          </dgm:alg>
-                        </dgm:else>
-                      </dgm:choose>
-                    </dgm:if>
-                    <dgm:if name="Name94" func="var" arg="hierBranch" op="equ" val="init">
-                      <dgm:choose name="Name95">
-                        <dgm:if name="Name96" axis="des" func="maxDepth" op="lte" val="1">
-                          <dgm:alg type="hierChild">
-                            <dgm:param type="chAlign" val="l"/>
-                            <dgm:param type="linDir" val="fromT"/>
-                          </dgm:alg>
-                        </dgm:if>
-                        <dgm:else name="Name97">
-                          <dgm:choose name="Name98">
-                            <dgm:if name="Name99" func="var" arg="dir" op="equ" val="norm">
-                              <dgm:alg type="hierChild"/>
-                            </dgm:if>
-                            <dgm:else name="Name100">
-                              <dgm:alg type="hierChild">
-                                <dgm:param type="linDir" val="fromR"/>
-                              </dgm:alg>
-                            </dgm:else>
-                          </dgm:choose>
-                        </dgm:else>
-                      </dgm:choose>
-                    </dgm:if>
-                    <dgm:else name="Name101"/>
-                  </dgm:choose>
-                  <dgm:shape xmlns:r="http://schemas.openxmlformats.org/officeDocument/2006/relationships" r:blip="">
-                    <dgm:adjLst/>
-                  </dgm:shape>
-                  <dgm:presOf/>
-                  <dgm:constrLst/>
-                  <dgm:ruleLst/>
-                  <dgm:forEach name="Name102" ref="rep2a"/>
-                </dgm:layoutNode>
-                <dgm:layoutNode name="hierChild5">
-                  <dgm:choose name="Name103">
-                    <dgm:if name="Name104" func="var" arg="dir" op="equ" val="norm">
-                      <dgm:alg type="hierChild">
-                        <dgm:param type="chAlign" val="l"/>
-                        <dgm:param type="linDir" val="fromL"/>
-                        <dgm:param type="secChAlign" val="t"/>
-                        <dgm:param type="secLinDir" val="fromT"/>
-                      </dgm:alg>
-                    </dgm:if>
-                    <dgm:else name="Name105">
-                      <dgm:alg type="hierChild">
-                        <dgm:param type="chAlign" val="l"/>
-                        <dgm:param type="linDir" val="fromR"/>
-                        <dgm:param type="secChAlign" val="t"/>
-                        <dgm:param type="secLinDir" val="fromT"/>
-                      </dgm:alg>
-                    </dgm:else>
-                  </dgm:choose>
-                  <dgm:shape xmlns:r="http://schemas.openxmlformats.org/officeDocument/2006/relationships" r:blip="">
-                    <dgm:adjLst/>
-                  </dgm:shape>
-                  <dgm:presOf/>
-                  <dgm:constrLst/>
-                  <dgm:ruleLst/>
-                  <dgm:forEach name="Name106" ref="rep2b"/>
-                </dgm:layoutNode>
-              </dgm:layoutNode>
-            </dgm:forEach>
-          </dgm:layoutNode>
-          <dgm:layoutNode name="hierChild3">
-            <dgm:choose name="Name107">
-              <dgm:if name="Name108" func="var" arg="dir" op="equ" val="norm">
-                <dgm:alg type="hierChild">
-                  <dgm:param type="chAlign" val="l"/>
-                  <dgm:param type="linDir" val="fromL"/>
-                  <dgm:param type="secChAlign" val="t"/>
-                  <dgm:param type="secLinDir" val="fromT"/>
-                </dgm:alg>
-              </dgm:if>
-              <dgm:else name="Name109">
-                <dgm:alg type="hierChild">
-                  <dgm:param type="chAlign" val="l"/>
-                  <dgm:param type="linDir" val="fromR"/>
-                  <dgm:param type="secChAlign" val="t"/>
-                  <dgm:param type="secLinDir" val="fromT"/>
-                </dgm:alg>
-              </dgm:else>
-            </dgm:choose>
-            <dgm:shape xmlns:r="http://schemas.openxmlformats.org/officeDocument/2006/relationships" r:blip="">
-              <dgm:adjLst/>
-            </dgm:shape>
-            <dgm:presOf/>
-            <dgm:constrLst/>
-            <dgm:ruleLst/>
-            <dgm:forEach name="rep2b" axis="ch" ptType="asst">
-              <dgm:forEach name="Name110" axis="precedSib" ptType="parTrans" st="-1" cnt="1">
-                <dgm:layoutNode name="Name111">
-                  <dgm:alg type="conn">
-                    <dgm:param type="connRout" val="bend"/>
-                    <dgm:param type="dim" val="1D"/>
-                    <dgm:param type="endSty" val="noArr"/>
-                    <dgm:param type="begPts" val="bCtr"/>
-                    <dgm:param type="endPts" val="midL midR"/>
-                  </dgm:alg>
-                  <dgm:shape xmlns:r="http://schemas.openxmlformats.org/officeDocument/2006/relationships" type="conn" r:blip="" zOrderOff="-99999">
-                    <dgm:adjLst/>
-                  </dgm:shape>
-                  <dgm:presOf axis="self"/>
-                  <dgm:constrLst>
-                    <dgm:constr type="begPad"/>
-                    <dgm:constr type="endPad"/>
-                  </dgm:constrLst>
-                  <dgm:ruleLst/>
-                </dgm:layoutNode>
-              </dgm:forEach>
-              <dgm:layoutNode name="hierRoot3">
-                <dgm:varLst>
-                  <dgm:hierBranch val="init"/>
-                </dgm:varLst>
-                <dgm:choose name="Name112">
-                  <dgm:if name="Name113" func="var" arg="hierBranch" op="equ" val="l">
-                    <dgm:alg type="hierRoot">
-                      <dgm:param type="hierAlign" val="tR"/>
-                    </dgm:alg>
-                    <dgm:shape xmlns:r="http://schemas.openxmlformats.org/officeDocument/2006/relationships" r:blip="">
-                      <dgm:adjLst/>
-                    </dgm:shape>
-                    <dgm:presOf/>
-                    <dgm:constrLst>
-                      <dgm:constr type="alignOff" val="0.65"/>
-                    </dgm:constrLst>
-                  </dgm:if>
-                  <dgm:if name="Name114" func="var" arg="hierBranch" op="equ" val="r">
-                    <dgm:alg type="hierRoot">
-                      <dgm:param type="hierAlign" val="tL"/>
-                    </dgm:alg>
-                    <dgm:shape xmlns:r="http://schemas.openxmlformats.org/officeDocument/2006/relationships" r:blip="">
-                      <dgm:adjLst/>
-                    </dgm:shape>
-                    <dgm:presOf/>
-                    <dgm:constrLst>
-                      <dgm:constr type="alignOff" val="0.65"/>
-                    </dgm:constrLst>
-                  </dgm:if>
-                  <dgm:if name="Name115" func="var" arg="hierBranch" op="equ" val="hang">
-                    <dgm:alg type="hierRoot"/>
-                    <dgm:shape xmlns:r="http://schemas.openxmlformats.org/officeDocument/2006/relationships" r:blip="">
-                      <dgm:adjLst/>
-                    </dgm:shape>
-                    <dgm:presOf/>
-                    <dgm:constrLst>
-                      <dgm:constr type="alignOff" val="0.65"/>
-                    </dgm:constrLst>
-                  </dgm:if>
-                  <dgm:if name="Name116" func="var" arg="hierBranch" op="equ" val="std">
-                    <dgm:alg type="hierRoot"/>
-                    <dgm:shape xmlns:r="http://schemas.openxmlformats.org/officeDocument/2006/relationships" r:blip="">
-                      <dgm:adjLst/>
-                    </dgm:shape>
-                    <dgm:presOf/>
-                    <dgm:constrLst>
-                      <dgm:constr type="alignOff"/>
-                      <dgm:constr type="bendDist" for="des" ptType="parTrans" refType="sp" fact="0.5"/>
-                    </dgm:constrLst>
-                  </dgm:if>
-                  <dgm:if name="Name117" func="var" arg="hierBranch" op="equ" val="init">
-                    <dgm:choose name="Name118">
-                      <dgm:if name="Name119" axis="des" func="maxDepth" op="lte" val="1">
-                        <dgm:alg type="hierRoot">
-                          <dgm:param type="hierAlign" val="tL"/>
-                        </dgm:alg>
-                        <dgm:shape xmlns:r="http://schemas.openxmlformats.org/officeDocument/2006/relationships" r:blip="">
-                          <dgm:adjLst/>
-                        </dgm:shape>
-                        <dgm:presOf/>
-                        <dgm:constrLst>
-                          <dgm:constr type="alignOff" val="0.65"/>
-                        </dgm:constrLst>
-                      </dgm:if>
-                      <dgm:else name="Name120">
-                        <dgm:alg type="hierRoot"/>
-                        <dgm:shape xmlns:r="http://schemas.openxmlformats.org/officeDocument/2006/relationships" r:blip="">
-                          <dgm:adjLst/>
-                        </dgm:shape>
-                        <dgm:presOf/>
-                        <dgm:constrLst>
-                          <dgm:constr type="alignOff"/>
-                          <dgm:constr type="bendDist" for="des" ptType="parTrans" refType="sp" fact="0.5"/>
-                        </dgm:constrLst>
-                      </dgm:else>
-                    </dgm:choose>
-                  </dgm:if>
-                  <dgm:else name="Name121"/>
-                </dgm:choose>
-                <dgm:ruleLst/>
-                <dgm:layoutNode name="rootComposite3">
-                  <dgm:alg type="composite"/>
-                  <dgm:shape xmlns:r="http://schemas.openxmlformats.org/officeDocument/2006/relationships" r:blip="">
-                    <dgm:adjLst/>
-                  </dgm:shape>
-                  <dgm:presOf axis="self" ptType="node" cnt="1"/>
-                  <dgm:choose name="Name122">
-                    <dgm:if name="Name123" func="var" arg="hierBranch" op="equ" val="init">
-                      <dgm:constrLst>
-                        <dgm:constr type="l" for="ch" forName="rootText3"/>
-                        <dgm:constr type="t" for="ch" forName="rootText3"/>
-                        <dgm:constr type="w" for="ch" forName="rootText3" refType="w"/>
-                        <dgm:constr type="h" for="ch" forName="rootText3" refType="h"/>
-                        <dgm:constr type="l" for="ch" forName="rootConnector3"/>
-                        <dgm:constr type="t" for="ch" forName="rootConnector3"/>
-                        <dgm:constr type="w" for="ch" forName="rootConnector3" refType="w" refFor="ch" refForName="rootText3" fact="0.2"/>
-                        <dgm:constr type="h" for="ch" forName="rootConnector3" refType="h" refFor="ch" refForName="rootText3"/>
-                      </dgm:constrLst>
-                    </dgm:if>
-                    <dgm:if name="Name124" func="var" arg="hierBranch" op="equ" val="l">
-                      <dgm:constrLst>
-                        <dgm:constr type="l" for="ch" forName="rootText3"/>
-                        <dgm:constr type="t" for="ch" forName="rootText3"/>
-                        <dgm:constr type="w" for="ch" forName="rootText3" refType="w"/>
-                        <dgm:constr type="h" for="ch" forName="rootText3" refType="h"/>
-                        <dgm:constr type="r" for="ch" forName="rootConnector3" refType="w"/>
-                        <dgm:constr type="t" for="ch" forName="rootConnector3"/>
-                        <dgm:constr type="w" for="ch" forName="rootConnector3" refType="w" refFor="ch" refForName="rootText3" fact="0.2"/>
-                        <dgm:constr type="h" for="ch" forName="rootConnector3" refType="h" refFor="ch" refForName="rootText3"/>
-                      </dgm:constrLst>
-                    </dgm:if>
-                    <dgm:if name="Name125" func="var" arg="hierBranch" op="equ" val="r">
-                      <dgm:constrLst>
-                        <dgm:constr type="l" for="ch" forName="rootText3"/>
-                        <dgm:constr type="t" for="ch" forName="rootText3"/>
-                        <dgm:constr type="w" for="ch" forName="rootText3" refType="w"/>
-                        <dgm:constr type="h" for="ch" forName="rootText3" refType="h"/>
-                        <dgm:constr type="l" for="ch" forName="rootConnector3"/>
-                        <dgm:constr type="t" for="ch" forName="rootConnector3"/>
-                        <dgm:constr type="w" for="ch" forName="rootConnector3" refType="w" refFor="ch" refForName="rootText3" fact="0.2"/>
-                        <dgm:constr type="h" for="ch" forName="rootConnector3" refType="h" refFor="ch" refForName="rootText3"/>
-                      </dgm:constrLst>
-                    </dgm:if>
-                    <dgm:else name="Name126">
-                      <dgm:constrLst>
-                        <dgm:constr type="l" for="ch" forName="rootText3"/>
-                        <dgm:constr type="t" for="ch" forName="rootText3"/>
-                        <dgm:constr type="w" for="ch" forName="rootText3" refType="w"/>
-                        <dgm:constr type="h" for="ch" forName="rootText3" refType="h"/>
-                        <dgm:constr type="r" for="ch" forName="rootConnector3" refType="w"/>
-                        <dgm:constr type="t" for="ch" forName="rootConnector3"/>
-                        <dgm:constr type="w" for="ch" forName="rootConnector3" refType="w" refFor="ch" refForName="rootText3" fact="0.2"/>
-                        <dgm:constr type="h" for="ch" forName="rootConnector3" refType="h" refFor="ch" refForName="rootText3"/>
-                      </dgm:constrLst>
-                    </dgm:else>
-                  </dgm:choose>
-                  <dgm:ruleLst/>
-                  <dgm:layoutNode name="rootText3">
-                    <dgm:varLst>
-                      <dgm:chPref val="3"/>
-                    </dgm:varLst>
-                    <dgm:alg type="tx"/>
-                    <dgm:shape xmlns:r="http://schemas.openxmlformats.org/officeDocument/2006/relationships" type="rect" r:blip="">
-                      <dgm:adjLst/>
-                    </dgm:shape>
-                    <dgm:presOf axis="self" ptType="node" cnt="1"/>
-                    <dgm:constrLst>
-                      <dgm:constr type="primFontSz" val="65"/>
-                      <dgm:constr type="lMarg" refType="primFontSz" fact="0.05"/>
-                      <dgm:constr type="rMarg" refType="primFontSz" fact="0.05"/>
-                      <dgm:constr type="tMarg" refType="primFontSz" fact="0.05"/>
-                      <dgm:constr type="bMarg" refType="primFontSz" fact="0.05"/>
-                    </dgm:constrLst>
-                    <dgm:ruleLst>
-                      <dgm:rule type="primFontSz" val="5" fact="NaN" max="NaN"/>
-                    </dgm:ruleLst>
-                  </dgm:layoutNode>
-                  <dgm:layoutNode name="rootConnector3" moveWith="rootText1">
-                    <dgm:alg type="sp"/>
-                    <dgm:shape xmlns:r="http://schemas.openxmlformats.org/officeDocument/2006/relationships" type="rect" r:blip="" hideGeom="1">
-                      <dgm:adjLst/>
-                    </dgm:shape>
-                    <dgm:presOf axis="self" ptType="node" cnt="1"/>
-                    <dgm:constrLst/>
-                    <dgm:ruleLst/>
-                  </dgm:layoutNode>
-                </dgm:layoutNode>
-                <dgm:layoutNode name="hierChild6">
-                  <dgm:choose name="Name127">
-                    <dgm:if name="Name128" func="var" arg="hierBranch" op="equ" val="l">
-                      <dgm:alg type="hierChild">
-                        <dgm:param type="chAlign" val="r"/>
-                        <dgm:param type="linDir" val="fromT"/>
-                      </dgm:alg>
-                    </dgm:if>
-                    <dgm:if name="Name129" func="var" arg="hierBranch" op="equ" val="r">
-                      <dgm:alg type="hierChild">
-                        <dgm:param type="chAlign" val="l"/>
-                        <dgm:param type="linDir" val="fromT"/>
-                      </dgm:alg>
-                    </dgm:if>
-                    <dgm:if name="Name130" func="var" arg="hierBranch" op="equ" val="hang">
-                      <dgm:choose name="Name131">
-                        <dgm:if name="Name132" func="var" arg="dir" op="equ" val="norm">
-                          <dgm:alg type="hierChild">
-                            <dgm:param type="chAlign" val="l"/>
-                            <dgm:param type="linDir" val="fromL"/>
-                            <dgm:param type="secChAlign" val="t"/>
-                            <dgm:param type="secLinDir" val="fromT"/>
-                          </dgm:alg>
-                        </dgm:if>
-                        <dgm:else name="Name133">
-                          <dgm:alg type="hierChild">
-                            <dgm:param type="chAlign" val="l"/>
-                            <dgm:param type="linDir" val="fromR"/>
-                            <dgm:param type="secChAlign" val="t"/>
-                            <dgm:param type="secLinDir" val="fromT"/>
-                          </dgm:alg>
-                        </dgm:else>
-                      </dgm:choose>
-                    </dgm:if>
-                    <dgm:if name="Name134" func="var" arg="hierBranch" op="equ" val="std">
-                      <dgm:choose name="Name135">
-                        <dgm:if name="Name136" func="var" arg="dir" op="equ" val="norm">
-                          <dgm:alg type="hierChild"/>
-                        </dgm:if>
-                        <dgm:else name="Name137">
-                          <dgm:alg type="hierChild">
-                            <dgm:param type="linDir" val="fromR"/>
-                          </dgm:alg>
-                        </dgm:else>
-                      </dgm:choose>
-                    </dgm:if>
-                    <dgm:if name="Name138" func="var" arg="hierBranch" op="equ" val="init">
-                      <dgm:choose name="Name139">
-                        <dgm:if name="Name140" axis="des" func="maxDepth" op="lte" val="1">
-                          <dgm:alg type="hierChild">
-                            <dgm:param type="chAlign" val="l"/>
-                            <dgm:param type="linDir" val="fromT"/>
-                          </dgm:alg>
-                        </dgm:if>
-                        <dgm:else name="Name141">
-                          <dgm:alg type="hierChild"/>
-                        </dgm:else>
-                      </dgm:choose>
-                    </dgm:if>
-                    <dgm:else name="Name142"/>
-                  </dgm:choose>
-                  <dgm:shape xmlns:r="http://schemas.openxmlformats.org/officeDocument/2006/relationships" r:blip="">
-                    <dgm:adjLst/>
-                  </dgm:shape>
-                  <dgm:presOf/>
-                  <dgm:constrLst/>
-                  <dgm:ruleLst/>
-                  <dgm:forEach name="Name143" ref="rep2a"/>
-                </dgm:layoutNode>
-                <dgm:layoutNode name="hierChild7">
-                  <dgm:choose name="Name144">
-                    <dgm:if name="Name145" func="var" arg="dir" op="equ" val="norm">
-                      <dgm:alg type="hierChild">
-                        <dgm:param type="chAlign" val="l"/>
-                        <dgm:param type="linDir" val="fromL"/>
-                        <dgm:param type="secChAlign" val="t"/>
-                        <dgm:param type="secLinDir" val="fromT"/>
-                      </dgm:alg>
-                    </dgm:if>
-                    <dgm:else name="Name146">
-                      <dgm:alg type="hierChild">
-                        <dgm:param type="chAlign" val="l"/>
-                        <dgm:param type="linDir" val="fromR"/>
-                        <dgm:param type="secChAlign" val="t"/>
-                        <dgm:param type="secLinDir" val="fromT"/>
-                      </dgm:alg>
-                    </dgm:else>
-                  </dgm:choose>
-                  <dgm:shape xmlns:r="http://schemas.openxmlformats.org/officeDocument/2006/relationships" r:blip="">
-                    <dgm:adjLst/>
-                  </dgm:shape>
-                  <dgm:presOf/>
-                  <dgm:constrLst/>
-                  <dgm:ruleLst/>
-                  <dgm:forEach name="Name147" ref="rep2b"/>
-                </dgm:layoutNode>
-              </dgm:layoutNode>
-            </dgm:forEach>
-          </dgm:layoutNode>
-        </dgm:layoutNode>
-      </dgm:forEach>
-    </dgm:forEach>
-  </dgm:layoutNode>
-</dgm:layoutDef>
-</file>
-
-<file path=ppt/diagrams/quickStyle1.xml><?xml version="1.0" encoding="utf-8"?>
-<dgm:styleDef xmlns:dgm="http://schemas.openxmlformats.org/drawingml/2006/diagram" xmlns:a="http://schemas.openxmlformats.org/drawingml/2006/main" uniqueId="urn:microsoft.com/office/officeart/2005/8/quickstyle/simple1">
-  <dgm:title val=""/>
-  <dgm:desc val=""/>
-  <dgm:catLst>
-    <dgm:cat type="simple" pri="10100"/>
-  </dgm:catLst>
-  <dgm:scene3d>
-    <a:camera prst="orthographicFront"/>
-    <a:lightRig rig="threePt" dir="t"/>
-  </dgm:scene3d>
-  <dgm:styleLbl name="node0">
-    <dgm:scene3d>
-      <a:camera prst="orthographicFront"/>
-      <a:lightRig rig="threePt" dir="t"/>
-    </dgm:scene3d>
-    <dgm:sp3d/>
-    <dgm:txPr/>
-    <dgm:style>
-      <a:lnRef idx="2">
-        <a:scrgbClr r="0" g="0" b="0"/>
-      </a:lnRef>
-      <a:fillRef idx="1">
-        <a:scrgbClr r="0" g="0" b="0"/>
-      </a:fillRef>
-      <a:effectRef idx="0">
-        <a:scrgbClr r="0" g="0" b="0"/>
-      </a:effectRef>
-      <a:fontRef idx="minor">
-        <a:schemeClr val="lt1"/>
-      </a:fontRef>
-    </dgm:style>
-  </dgm:styleLbl>
-  <dgm:styleLbl name="lnNode1">
-    <dgm:scene3d>
-      <a:camera prst="orthographicFront"/>
-      <a:lightRig rig="threePt" dir="t"/>
-    </dgm:scene3d>
-    <dgm:sp3d/>
-    <dgm:txPr/>
-    <dgm:style>
-      <a:lnRef idx="2">
-        <a:scrgbClr r="0" g="0" b="0"/>
-      </a:lnRef>
-      <a:fillRef idx="1">
-        <a:scrgbClr r="0" g="0" b="0"/>
-      </a:fillRef>
-      <a:effectRef idx="0">
-        <a:scrgbClr r="0" g="0" b="0"/>
-      </a:effectRef>
-      <a:fontRef idx="minor">
-        <a:schemeClr val="lt1"/>
-      </a:fontRef>
-    </dgm:style>
-  </dgm:styleLbl>
-  <dgm:styleLbl name="vennNode1">
-    <dgm:scene3d>
-      <a:camera prst="orthographicFront"/>
-      <a:lightRig rig="threePt" dir="t"/>
-    </dgm:scene3d>
-    <dgm:sp3d/>
-    <dgm:txPr/>
-    <dgm:style>
-      <a:lnRef idx="2">
-        <a:scrgbClr r="0" g="0" b="0"/>
-      </a:lnRef>
-      <a:fillRef idx="1">
-        <a:scrgbClr r="0" g="0" b="0"/>
-      </a:fillRef>
-      <a:effectRef idx="0">
-        <a:scrgbClr r="0" g="0" b="0"/>
-      </a:effectRef>
-      <a:fontRef idx="minor">
-        <a:schemeClr val="tx1"/>
-      </a:fontRef>
-    </dgm:style>
-  </dgm:styleLbl>
-  <dgm:styleLbl name="alignNode1">
-    <dgm:scene3d>
-      <a:camera prst="orthographicFront"/>
-      <a:lightRig rig="threePt" dir="t"/>
-    </dgm:scene3d>
-    <dgm:sp3d/>
-    <dgm:txPr/>
-    <dgm:style>
-      <a:lnRef idx="2">
-        <a:scrgbClr r="0" g="0" b="0"/>
-      </a:lnRef>
-      <a:fillRef idx="1">
-        <a:scrgbClr r="0" g="0" b="0"/>
-      </a:fillRef>
-      <a:effectRef idx="0">
-        <a:scrgbClr r="0" g="0" b="0"/>
-      </a:effectRef>
-      <a:fontRef idx="minor">
-        <a:schemeClr val="lt1"/>
-      </a:fontRef>
-    </dgm:style>
-  </dgm:styleLbl>
-  <dgm:styleLbl name="node1">
-    <dgm:scene3d>
-      <a:camera prst="orthographicFront"/>
-      <a:lightRig rig="threePt" dir="t"/>
-    </dgm:scene3d>
-    <dgm:sp3d/>
-    <dgm:txPr/>
-    <dgm:style>
-      <a:lnRef idx="2">
-        <a:scrgbClr r="0" g="0" b="0"/>
-      </a:lnRef>
-      <a:fillRef idx="1">
-        <a:scrgbClr r="0" g="0" b="0"/>
-      </a:fillRef>
-      <a:effectRef idx="0">
-        <a:scrgbClr r="0" g="0" b="0"/>
-      </a:effectRef>
-      <a:fontRef idx="minor">
-        <a:schemeClr val="lt1"/>
-      </a:fontRef>
-    </dgm:style>
-  </dgm:styleLbl>
-  <dgm:styleLbl name="node2">
-    <dgm:scene3d>
-      <a:camera prst="orthographicFront"/>
-      <a:lightRig rig="threePt" dir="t"/>
-    </dgm:scene3d>
-    <dgm:sp3d/>
-    <dgm:txPr/>
-    <dgm:style>
-      <a:lnRef idx="2">
-        <a:scrgbClr r="0" g="0" b="0"/>
-      </a:lnRef>
-      <a:fillRef idx="1">
-        <a:scrgbClr r="0" g="0" b="0"/>
-      </a:fillRef>
-      <a:effectRef idx="0">
-        <a:scrgbClr r="0" g="0" b="0"/>
-      </a:effectRef>
-      <a:fontRef idx="minor">
-        <a:schemeClr val="lt1"/>
-      </a:fontRef>
-    </dgm:style>
-  </dgm:styleLbl>
-  <dgm:styleLbl name="node3">
-    <dgm:scene3d>
-      <a:camera prst="orthographicFront"/>
-      <a:lightRig rig="threePt" dir="t"/>
-    </dgm:scene3d>
-    <dgm:sp3d/>
-    <dgm:txPr/>
-    <dgm:style>
-      <a:lnRef idx="2">
-        <a:scrgbClr r="0" g="0" b="0"/>
-      </a:lnRef>
-      <a:fillRef idx="1">
-        <a:scrgbClr r="0" g="0" b="0"/>
-      </a:fillRef>
-      <a:effectRef idx="0">
-        <a:scrgbClr r="0" g="0" b="0"/>
-      </a:effectRef>
-      <a:fontRef idx="minor">
-        <a:schemeClr val="lt1"/>
-      </a:fontRef>
-    </dgm:style>
-  </dgm:styleLbl>
-  <dgm:styleLbl name="node4">
-    <dgm:scene3d>
-      <a:camera prst="orthographicFront"/>
-      <a:lightRig rig="threePt" dir="t"/>
-    </dgm:scene3d>
-    <dgm:sp3d/>
-    <dgm:txPr/>
-    <dgm:style>
-      <a:lnRef idx="2">
-        <a:scrgbClr r="0" g="0" b="0"/>
-      </a:lnRef>
-      <a:fillRef idx="1">
-        <a:scrgbClr r="0" g="0" b="0"/>
-      </a:fillRef>
-      <a:effectRef idx="0">
-        <a:scrgbClr r="0" g="0" b="0"/>
-      </a:effectRef>
-      <a:fontRef idx="minor">
-        <a:schemeClr val="lt1"/>
-      </a:fontRef>
-    </dgm:style>
-  </dgm:styleLbl>
-  <dgm:styleLbl name="fgImgPlace1">
-    <dgm:scene3d>
-      <a:camera prst="orthographicFront"/>
-      <a:lightRig rig="threePt" dir="t"/>
-    </dgm:scene3d>
-    <dgm:sp3d/>
-    <dgm:txPr/>
-    <dgm:style>
-      <a:lnRef idx="2">
-        <a:scrgbClr r="0" g="0" b="0"/>
-      </a:lnRef>
-      <a:fillRef idx="1">
-        <a:scrgbClr r="0" g="0" b="0"/>
-      </a:fillRef>
-      <a:effectRef idx="0">
-        <a:scrgbClr r="0" g="0" b="0"/>
-      </a:effectRef>
-      <a:fontRef idx="minor"/>
-    </dgm:style>
-  </dgm:styleLbl>
-  <dgm:styleLbl name="alignImgPlace1">
-    <dgm:scene3d>
-      <a:camera prst="orthographicFront"/>
-      <a:lightRig rig="threePt" dir="t"/>
-    </dgm:scene3d>
-    <dgm:sp3d/>
-    <dgm:txPr/>
-    <dgm:style>
-      <a:lnRef idx="2">
-        <a:scrgbClr r="0" g="0" b="0"/>
-      </a:lnRef>
-      <a:fillRef idx="1">
-        <a:scrgbClr r="0" g="0" b="0"/>
-      </a:fillRef>
-      <a:effectRef idx="0">
-        <a:scrgbClr r="0" g="0" b="0"/>
-      </a:effectRef>
-      <a:fontRef idx="minor"/>
-    </dgm:style>
-  </dgm:styleLbl>
-  <dgm:styleLbl name="bgImgPlace1">
-    <dgm:scene3d>
-      <a:camera prst="orthographicFront"/>
-      <a:lightRig rig="threePt" dir="t"/>
-    </dgm:scene3d>
-    <dgm:sp3d/>
-    <dgm:txPr/>
-    <dgm:style>
-      <a:lnRef idx="2">
-        <a:scrgbClr r="0" g="0" b="0"/>
-      </a:lnRef>
-      <a:fillRef idx="1">
-        <a:scrgbClr r="0" g="0" b="0"/>
-      </a:fillRef>
-      <a:effectRef idx="0">
-        <a:scrgbClr r="0" g="0" b="0"/>
-      </a:effectRef>
-      <a:fontRef idx="minor"/>
-    </dgm:style>
-  </dgm:styleLbl>
-  <dgm:styleLbl name="sibTrans2D1">
-    <dgm:scene3d>
-      <a:camera prst="orthographicFront"/>
-      <a:lightRig rig="threePt" dir="t"/>
-    </dgm:scene3d>
-    <dgm:sp3d/>
-    <dgm:txPr/>
-    <dgm:style>
-      <a:lnRef idx="0">
-        <a:scrgbClr r="0" g="0" b="0"/>
-      </a:lnRef>
-      <a:fillRef idx="1">
-        <a:scrgbClr r="0" g="0" b="0"/>
-      </a:fillRef>
-      <a:effectRef idx="0">
-        <a:scrgbClr r="0" g="0" b="0"/>
-      </a:effectRef>
-      <a:fontRef idx="minor">
-        <a:schemeClr val="lt1"/>
-      </a:fontRef>
-    </dgm:style>
-  </dgm:styleLbl>
-  <dgm:styleLbl name="fgSibTrans2D1">
-    <dgm:scene3d>
-      <a:camera prst="orthographicFront"/>
-      <a:lightRig rig="threePt" dir="t"/>
-    </dgm:scene3d>
-    <dgm:sp3d/>
-    <dgm:txPr/>
-    <dgm:style>
-      <a:lnRef idx="0">
-        <a:scrgbClr r="0" g="0" b="0"/>
-      </a:lnRef>
-      <a:fillRef idx="1">
-        <a:scrgbClr r="0" g="0" b="0"/>
-      </a:fillRef>
-      <a:effectRef idx="0">
-        <a:scrgbClr r="0" g="0" b="0"/>
-      </a:effectRef>
-      <a:fontRef idx="minor">
-        <a:schemeClr val="lt1"/>
-      </a:fontRef>
-    </dgm:style>
-  </dgm:styleLbl>
-  <dgm:styleLbl name="bgSibTrans2D1">
-    <dgm:scene3d>
-      <a:camera prst="orthographicFront"/>
-      <a:lightRig rig="threePt" dir="t"/>
-    </dgm:scene3d>
-    <dgm:sp3d/>
-    <dgm:txPr/>
-    <dgm:style>
-      <a:lnRef idx="0">
-        <a:scrgbClr r="0" g="0" b="0"/>
-      </a:lnRef>
-      <a:fillRef idx="1">
-        <a:scrgbClr r="0" g="0" b="0"/>
-      </a:fillRef>
-      <a:effectRef idx="0">
-        <a:scrgbClr r="0" g="0" b="0"/>
-      </a:effectRef>
-      <a:fontRef idx="minor">
-        <a:schemeClr val="lt1"/>
-      </a:fontRef>
-    </dgm:style>
-  </dgm:styleLbl>
-  <dgm:styleLbl name="sibTrans1D1">
-    <dgm:scene3d>
-      <a:camera prst="orthographicFront"/>
-      <a:lightRig rig="threePt" dir="t"/>
-    </dgm:scene3d>
-    <dgm:sp3d/>
-    <dgm:txPr/>
-    <dgm:style>
-      <a:lnRef idx="1">
-        <a:scrgbClr r="0" g="0" b="0"/>
-      </a:lnRef>
-      <a:fillRef idx="0">
-        <a:scrgbClr r="0" g="0" b="0"/>
-      </a:fillRef>
-      <a:effectRef idx="0">
-        <a:scrgbClr r="0" g="0" b="0"/>
-      </a:effectRef>
-      <a:fontRef idx="minor"/>
-    </dgm:style>
-  </dgm:styleLbl>
-  <dgm:styleLbl name="callout">
-    <dgm:scene3d>
-      <a:camera prst="orthographicFront"/>
-      <a:lightRig rig="threePt" dir="t"/>
-    </dgm:scene3d>
-    <dgm:sp3d/>
-    <dgm:txPr/>
-    <dgm:style>
-      <a:lnRef idx="2">
-        <a:scrgbClr r="0" g="0" b="0"/>
-      </a:lnRef>
-      <a:fillRef idx="1">
-        <a:scrgbClr r="0" g="0" b="0"/>
-      </a:fillRef>
-      <a:effectRef idx="0">
-        <a:scrgbClr r="0" g="0" b="0"/>
-      </a:effectRef>
-      <a:fontRef idx="minor"/>
-    </dgm:style>
-  </dgm:styleLbl>
-  <dgm:styleLbl name="asst0">
-    <dgm:scene3d>
-      <a:camera prst="orthographicFront"/>
-      <a:lightRig rig="threePt" dir="t"/>
-    </dgm:scene3d>
-    <dgm:sp3d/>
-    <dgm:txPr/>
-    <dgm:style>
-      <a:lnRef idx="2">
-        <a:scrgbClr r="0" g="0" b="0"/>
-      </a:lnRef>
-      <a:fillRef idx="1">
-        <a:scrgbClr r="0" g="0" b="0"/>
-      </a:fillRef>
-      <a:effectRef idx="0">
-        <a:scrgbClr r="0" g="0" b="0"/>
-      </a:effectRef>
-      <a:fontRef idx="minor">
-        <a:schemeClr val="lt1"/>
-      </a:fontRef>
-    </dgm:style>
-  </dgm:styleLbl>
-  <dgm:styleLbl name="asst1">
-    <dgm:scene3d>
-      <a:camera prst="orthographicFront"/>
-      <a:lightRig rig="threePt" dir="t"/>
-    </dgm:scene3d>
-    <dgm:sp3d/>
-    <dgm:txPr/>
-    <dgm:style>
-      <a:lnRef idx="2">
-        <a:scrgbClr r="0" g="0" b="0"/>
-      </a:lnRef>
-      <a:fillRef idx="1">
-        <a:scrgbClr r="0" g="0" b="0"/>
-      </a:fillRef>
-      <a:effectRef idx="0">
-        <a:scrgbClr r="0" g="0" b="0"/>
-      </a:effectRef>
-      <a:fontRef idx="minor">
-        <a:schemeClr val="lt1"/>
-      </a:fontRef>
-    </dgm:style>
-  </dgm:styleLbl>
-  <dgm:styleLbl name="asst2">
-    <dgm:scene3d>
-      <a:camera prst="orthographicFront"/>
-      <a:lightRig rig="threePt" dir="t"/>
-    </dgm:scene3d>
-    <dgm:sp3d/>
-    <dgm:txPr/>
-    <dgm:style>
-      <a:lnRef idx="2">
-        <a:scrgbClr r="0" g="0" b="0"/>
-      </a:lnRef>
-      <a:fillRef idx="1">
-        <a:scrgbClr r="0" g="0" b="0"/>
-      </a:fillRef>
-      <a:effectRef idx="0">
-        <a:scrgbClr r="0" g="0" b="0"/>
-      </a:effectRef>
-      <a:fontRef idx="minor">
-        <a:schemeClr val="lt1"/>
-      </a:fontRef>
-    </dgm:style>
-  </dgm:styleLbl>
-  <dgm:styleLbl name="asst3">
-    <dgm:scene3d>
-      <a:camera prst="orthographicFront"/>
-      <a:lightRig rig="threePt" dir="t"/>
-    </dgm:scene3d>
-    <dgm:sp3d/>
-    <dgm:txPr/>
-    <dgm:style>
-      <a:lnRef idx="2">
-        <a:scrgbClr r="0" g="0" b="0"/>
-      </a:lnRef>
-      <a:fillRef idx="1">
-        <a:scrgbClr r="0" g="0" b="0"/>
-      </a:fillRef>
-      <a:effectRef idx="0">
-        <a:scrgbClr r="0" g="0" b="0"/>
-      </a:effectRef>
-      <a:fontRef idx="minor">
-        <a:schemeClr val="lt1"/>
-      </a:fontRef>
-    </dgm:style>
-  </dgm:styleLbl>
-  <dgm:styleLbl name="asst4">
-    <dgm:scene3d>
-      <a:camera prst="orthographicFront"/>
-      <a:lightRig rig="threePt" dir="t"/>
-    </dgm:scene3d>
-    <dgm:sp3d/>
-    <dgm:txPr/>
-    <dgm:style>
-      <a:lnRef idx="2">
-        <a:scrgbClr r="0" g="0" b="0"/>
-      </a:lnRef>
-      <a:fillRef idx="1">
-        <a:scrgbClr r="0" g="0" b="0"/>
-      </a:fillRef>
-      <a:effectRef idx="0">
-        <a:scrgbClr r="0" g="0" b="0"/>
-      </a:effectRef>
-      <a:fontRef idx="minor">
-        <a:schemeClr val="lt1"/>
-      </a:fontRef>
-    </dgm:style>
-  </dgm:styleLbl>
-  <dgm:styleLbl name="parChTrans2D1">
-    <dgm:scene3d>
-      <a:camera prst="orthographicFront"/>
-      <a:lightRig rig="threePt" dir="t"/>
-    </dgm:scene3d>
-    <dgm:sp3d/>
-    <dgm:txPr/>
-    <dgm:style>
-      <a:lnRef idx="2">
-        <a:scrgbClr r="0" g="0" b="0"/>
-      </a:lnRef>
-      <a:fillRef idx="1">
-        <a:scrgbClr r="0" g="0" b="0"/>
-      </a:fillRef>
-      <a:effectRef idx="0">
-        <a:scrgbClr r="0" g="0" b="0"/>
-      </a:effectRef>
-      <a:fontRef idx="minor">
-        <a:schemeClr val="lt1"/>
-      </a:fontRef>
-    </dgm:style>
-  </dgm:styleLbl>
-  <dgm:styleLbl name="parChTrans2D2">
-    <dgm:scene3d>
-      <a:camera prst="orthographicFront"/>
-      <a:lightRig rig="threePt" dir="t"/>
-    </dgm:scene3d>
-    <dgm:sp3d/>
-    <dgm:txPr/>
-    <dgm:style>
-      <a:lnRef idx="2">
-        <a:scrgbClr r="0" g="0" b="0"/>
-      </a:lnRef>
-      <a:fillRef idx="1">
-        <a:scrgbClr r="0" g="0" b="0"/>
-      </a:fillRef>
-      <a:effectRef idx="0">
-        <a:scrgbClr r="0" g="0" b="0"/>
-      </a:effectRef>
-      <a:fontRef idx="minor">
-        <a:schemeClr val="lt1"/>
-      </a:fontRef>
-    </dgm:style>
-  </dgm:styleLbl>
-  <dgm:styleLbl name="parChTrans2D3">
-    <dgm:scene3d>
-      <a:camera prst="orthographicFront"/>
-      <a:lightRig rig="threePt" dir="t"/>
-    </dgm:scene3d>
-    <dgm:sp3d/>
-    <dgm:txPr/>
-    <dgm:style>
-      <a:lnRef idx="2">
-        <a:scrgbClr r="0" g="0" b="0"/>
-      </a:lnRef>
-      <a:fillRef idx="1">
-        <a:scrgbClr r="0" g="0" b="0"/>
-      </a:fillRef>
-      <a:effectRef idx="0">
-        <a:scrgbClr r="0" g="0" b="0"/>
-      </a:effectRef>
-      <a:fontRef idx="minor">
-        <a:schemeClr val="lt1"/>
-      </a:fontRef>
-    </dgm:style>
-  </dgm:styleLbl>
-  <dgm:styleLbl name="parChTrans2D4">
-    <dgm:scene3d>
-      <a:camera prst="orthographicFront"/>
-      <a:lightRig rig="threePt" dir="t"/>
-    </dgm:scene3d>
-    <dgm:sp3d/>
-    <dgm:txPr/>
-    <dgm:style>
-      <a:lnRef idx="2">
-        <a:scrgbClr r="0" g="0" b="0"/>
-      </a:lnRef>
-      <a:fillRef idx="1">
-        <a:scrgbClr r="0" g="0" b="0"/>
-      </a:fillRef>
-      <a:effectRef idx="0">
-        <a:scrgbClr r="0" g="0" b="0"/>
-      </a:effectRef>
-      <a:fontRef idx="minor">
-        <a:schemeClr val="lt1"/>
-      </a:fontRef>
-    </dgm:style>
-  </dgm:styleLbl>
-  <dgm:styleLbl name="parChTrans1D1">
-    <dgm:scene3d>
-      <a:camera prst="orthographicFront"/>
-      <a:lightRig rig="threePt" dir="t"/>
-    </dgm:scene3d>
-    <dgm:sp3d/>
-    <dgm:txPr/>
-    <dgm:style>
-      <a:lnRef idx="2">
-        <a:scrgbClr r="0" g="0" b="0"/>
-      </a:lnRef>
-      <a:fillRef idx="0">
-        <a:scrgbClr r="0" g="0" b="0"/>
-      </a:fillRef>
-      <a:effectRef idx="0">
-        <a:scrgbClr r="0" g="0" b="0"/>
-      </a:effectRef>
-      <a:fontRef idx="minor"/>
-    </dgm:style>
-  </dgm:styleLbl>
-  <dgm:styleLbl name="parChTrans1D2">
-    <dgm:scene3d>
-      <a:camera prst="orthographicFront"/>
-      <a:lightRig rig="threePt" dir="t"/>
-    </dgm:scene3d>
-    <dgm:sp3d/>
-    <dgm:txPr/>
-    <dgm:style>
-      <a:lnRef idx="2">
-        <a:scrgbClr r="0" g="0" b="0"/>
-      </a:lnRef>
-      <a:fillRef idx="0">
-        <a:scrgbClr r="0" g="0" b="0"/>
-      </a:fillRef>
-      <a:effectRef idx="0">
-        <a:scrgbClr r="0" g="0" b="0"/>
-      </a:effectRef>
-      <a:fontRef idx="minor"/>
-    </dgm:style>
-  </dgm:styleLbl>
-  <dgm:styleLbl name="parChTrans1D3">
-    <dgm:scene3d>
-      <a:camera prst="orthographicFront"/>
-      <a:lightRig rig="threePt" dir="t"/>
-    </dgm:scene3d>
-    <dgm:sp3d/>
-    <dgm:txPr/>
-    <dgm:style>
-      <a:lnRef idx="2">
-        <a:scrgbClr r="0" g="0" b="0"/>
-      </a:lnRef>
-      <a:fillRef idx="0">
-        <a:scrgbClr r="0" g="0" b="0"/>
-      </a:fillRef>
-      <a:effectRef idx="0">
-        <a:scrgbClr r="0" g="0" b="0"/>
-      </a:effectRef>
-      <a:fontRef idx="minor"/>
-    </dgm:style>
-  </dgm:styleLbl>
-  <dgm:styleLbl name="parChTrans1D4">
-    <dgm:scene3d>
-      <a:camera prst="orthographicFront"/>
-      <a:lightRig rig="threePt" dir="t"/>
-    </dgm:scene3d>
-    <dgm:sp3d/>
-    <dgm:txPr/>
-    <dgm:style>
-      <a:lnRef idx="2">
-        <a:scrgbClr r="0" g="0" b="0"/>
-      </a:lnRef>
-      <a:fillRef idx="0">
-        <a:scrgbClr r="0" g="0" b="0"/>
-      </a:fillRef>
-      <a:effectRef idx="0">
-        <a:scrgbClr r="0" g="0" b="0"/>
-      </a:effectRef>
-      <a:fontRef idx="minor"/>
-    </dgm:style>
-  </dgm:styleLbl>
-  <dgm:styleLbl name="fgAcc1">
-    <dgm:scene3d>
-      <a:camera prst="orthographicFront"/>
-      <a:lightRig rig="threePt" dir="t"/>
-    </dgm:scene3d>
-    <dgm:sp3d/>
-    <dgm:txPr/>
-    <dgm:style>
-      <a:lnRef idx="2">
-        <a:scrgbClr r="0" g="0" b="0"/>
-      </a:lnRef>
-      <a:fillRef idx="1">
-        <a:scrgbClr r="0" g="0" b="0"/>
-      </a:fillRef>
-      <a:effectRef idx="0">
-        <a:scrgbClr r="0" g="0" b="0"/>
-      </a:effectRef>
-      <a:fontRef idx="minor"/>
-    </dgm:style>
-  </dgm:styleLbl>
-  <dgm:styleLbl name="conFgAcc1">
-    <dgm:scene3d>
-      <a:camera prst="orthographicFront"/>
-      <a:lightRig rig="threePt" dir="t"/>
-    </dgm:scene3d>
-    <dgm:sp3d/>
-    <dgm:txPr/>
-    <dgm:style>
-      <a:lnRef idx="2">
-        <a:scrgbClr r="0" g="0" b="0"/>
-      </a:lnRef>
-      <a:fillRef idx="1">
-        <a:scrgbClr r="0" g="0" b="0"/>
-      </a:fillRef>
-      <a:effectRef idx="0">
-        <a:scrgbClr r="0" g="0" b="0"/>
-      </a:effectRef>
-      <a:fontRef idx="minor"/>
-    </dgm:style>
-  </dgm:styleLbl>
-  <dgm:styleLbl name="alignAcc1">
-    <dgm:scene3d>
-      <a:camera prst="orthographicFront"/>
-      <a:lightRig rig="threePt" dir="t"/>
-    </dgm:scene3d>
-    <dgm:sp3d/>
-    <dgm:txPr/>
-    <dgm:style>
-      <a:lnRef idx="2">
-        <a:scrgbClr r="0" g="0" b="0"/>
-      </a:lnRef>
-      <a:fillRef idx="1">
-        <a:scrgbClr r="0" g="0" b="0"/>
-      </a:fillRef>
-      <a:effectRef idx="0">
-        <a:scrgbClr r="0" g="0" b="0"/>
-      </a:effectRef>
-      <a:fontRef idx="minor"/>
-    </dgm:style>
-  </dgm:styleLbl>
-  <dgm:styleLbl name="trAlignAcc1">
-    <dgm:scene3d>
-      <a:camera prst="orthographicFront"/>
-      <a:lightRig rig="threePt" dir="t"/>
-    </dgm:scene3d>
-    <dgm:sp3d/>
-    <dgm:txPr/>
-    <dgm:style>
-      <a:lnRef idx="1">
-        <a:scrgbClr r="0" g="0" b="0"/>
-      </a:lnRef>
-      <a:fillRef idx="1">
-        <a:scrgbClr r="0" g="0" b="0"/>
-      </a:fillRef>
-      <a:effectRef idx="0">
-        <a:scrgbClr r="0" g="0" b="0"/>
-      </a:effectRef>
-      <a:fontRef idx="minor"/>
-    </dgm:style>
-  </dgm:styleLbl>
-  <dgm:styleLbl name="bgAcc1">
-    <dgm:scene3d>
-      <a:camera prst="orthographicFront"/>
-      <a:lightRig rig="threePt" dir="t"/>
-    </dgm:scene3d>
-    <dgm:sp3d/>
-    <dgm:txPr/>
-    <dgm:style>
-      <a:lnRef idx="2">
-        <a:scrgbClr r="0" g="0" b="0"/>
-      </a:lnRef>
-      <a:fillRef idx="1">
-        <a:scrgbClr r="0" g="0" b="0"/>
-      </a:fillRef>
-      <a:effectRef idx="0">
-        <a:scrgbClr r="0" g="0" b="0"/>
-      </a:effectRef>
-      <a:fontRef idx="minor"/>
-    </dgm:style>
-  </dgm:styleLbl>
-  <dgm:styleLbl name="solidFgAcc1">
-    <dgm:scene3d>
-      <a:camera prst="orthographicFront"/>
-      <a:lightRig rig="threePt" dir="t"/>
-    </dgm:scene3d>
-    <dgm:sp3d/>
-    <dgm:txPr/>
-    <dgm:style>
-      <a:lnRef idx="2">
-        <a:scrgbClr r="0" g="0" b="0"/>
-      </a:lnRef>
-      <a:fillRef idx="1">
-        <a:scrgbClr r="0" g="0" b="0"/>
-      </a:fillRef>
-      <a:effectRef idx="0">
-        <a:scrgbClr r="0" g="0" b="0"/>
-      </a:effectRef>
-      <a:fontRef idx="minor"/>
-    </dgm:style>
-  </dgm:styleLbl>
-  <dgm:styleLbl name="solidAlignAcc1">
-    <dgm:scene3d>
-      <a:camera prst="orthographicFront"/>
-      <a:lightRig rig="threePt" dir="t"/>
-    </dgm:scene3d>
-    <dgm:sp3d/>
-    <dgm:txPr/>
-    <dgm:style>
-      <a:lnRef idx="2">
-        <a:scrgbClr r="0" g="0" b="0"/>
-      </a:lnRef>
-      <a:fillRef idx="1">
-        <a:scrgbClr r="0" g="0" b="0"/>
-      </a:fillRef>
-      <a:effectRef idx="0">
-        <a:scrgbClr r="0" g="0" b="0"/>
-      </a:effectRef>
-      <a:fontRef idx="minor"/>
-    </dgm:style>
-  </dgm:styleLbl>
-  <dgm:styleLbl name="solidBgAcc1">
-    <dgm:scene3d>
-      <a:camera prst="orthographicFront"/>
-      <a:lightRig rig="threePt" dir="t"/>
-    </dgm:scene3d>
-    <dgm:sp3d/>
-    <dgm:txPr/>
-    <dgm:style>
-      <a:lnRef idx="2">
-        <a:scrgbClr r="0" g="0" b="0"/>
-      </a:lnRef>
-      <a:fillRef idx="1">
-        <a:scrgbClr r="0" g="0" b="0"/>
-      </a:fillRef>
-      <a:effectRef idx="0">
-        <a:scrgbClr r="0" g="0" b="0"/>
-      </a:effectRef>
-      <a:fontRef idx="minor"/>
-    </dgm:style>
-  </dgm:styleLbl>
-  <dgm:styleLbl name="fgAccFollowNode1">
-    <dgm:scene3d>
-      <a:camera prst="orthographicFront"/>
-      <a:lightRig rig="threePt" dir="t"/>
-    </dgm:scene3d>
-    <dgm:sp3d/>
-    <dgm:txPr/>
-    <dgm:style>
-      <a:lnRef idx="2">
-        <a:scrgbClr r="0" g="0" b="0"/>
-      </a:lnRef>
-      <a:fillRef idx="1">
-        <a:scrgbClr r="0" g="0" b="0"/>
-      </a:fillRef>
-      <a:effectRef idx="0">
-        <a:scrgbClr r="0" g="0" b="0"/>
-      </a:effectRef>
-      <a:fontRef idx="minor"/>
-    </dgm:style>
-  </dgm:styleLbl>
-  <dgm:styleLbl name="alignAccFollowNode1">
-    <dgm:scene3d>
-      <a:camera prst="orthographicFront"/>
-      <a:lightRig rig="threePt" dir="t"/>
-    </dgm:scene3d>
-    <dgm:sp3d/>
-    <dgm:txPr/>
-    <dgm:style>
-      <a:lnRef idx="2">
-        <a:scrgbClr r="0" g="0" b="0"/>
-      </a:lnRef>
-      <a:fillRef idx="1">
-        <a:scrgbClr r="0" g="0" b="0"/>
-      </a:fillRef>
-      <a:effectRef idx="0">
-        <a:scrgbClr r="0" g="0" b="0"/>
-      </a:effectRef>
-      <a:fontRef idx="minor"/>
-    </dgm:style>
-  </dgm:styleLbl>
-  <dgm:styleLbl name="bgAccFollowNode1">
-    <dgm:scene3d>
-      <a:camera prst="orthographicFront"/>
-      <a:lightRig rig="threePt" dir="t"/>
-    </dgm:scene3d>
-    <dgm:sp3d/>
-    <dgm:txPr/>
-    <dgm:style>
-      <a:lnRef idx="2">
-        <a:scrgbClr r="0" g="0" b="0"/>
-      </a:lnRef>
-      <a:fillRef idx="1">
-        <a:scrgbClr r="0" g="0" b="0"/>
-      </a:fillRef>
-      <a:effectRef idx="0">
-        <a:scrgbClr r="0" g="0" b="0"/>
-      </a:effectRef>
-      <a:fontRef idx="minor"/>
-    </dgm:style>
-  </dgm:styleLbl>
-  <dgm:styleLbl name="fgAcc0">
-    <dgm:scene3d>
-      <a:camera prst="orthographicFront"/>
-      <a:lightRig rig="threePt" dir="t"/>
-    </dgm:scene3d>
-    <dgm:sp3d/>
-    <dgm:txPr/>
-    <dgm:style>
-      <a:lnRef idx="2">
-        <a:scrgbClr r="0" g="0" b="0"/>
-      </a:lnRef>
-      <a:fillRef idx="1">
-        <a:scrgbClr r="0" g="0" b="0"/>
-      </a:fillRef>
-      <a:effectRef idx="0">
-        <a:scrgbClr r="0" g="0" b="0"/>
-      </a:effectRef>
-      <a:fontRef idx="minor"/>
-    </dgm:style>
-  </dgm:styleLbl>
-  <dgm:styleLbl name="fgAcc2">
-    <dgm:scene3d>
-      <a:camera prst="orthographicFront"/>
-      <a:lightRig rig="threePt" dir="t"/>
-    </dgm:scene3d>
-    <dgm:sp3d/>
-    <dgm:txPr/>
-    <dgm:style>
-      <a:lnRef idx="2">
-        <a:scrgbClr r="0" g="0" b="0"/>
-      </a:lnRef>
-      <a:fillRef idx="1">
-        <a:scrgbClr r="0" g="0" b="0"/>
-      </a:fillRef>
-      <a:effectRef idx="0">
-        <a:scrgbClr r="0" g="0" b="0"/>
-      </a:effectRef>
-      <a:fontRef idx="minor"/>
-    </dgm:style>
-  </dgm:styleLbl>
-  <dgm:styleLbl name="fgAcc3">
-    <dgm:scene3d>
-      <a:camera prst="orthographicFront"/>
-      <a:lightRig rig="threePt" dir="t"/>
-    </dgm:scene3d>
-    <dgm:sp3d/>
-    <dgm:txPr/>
-    <dgm:style>
-      <a:lnRef idx="2">
-        <a:scrgbClr r="0" g="0" b="0"/>
-      </a:lnRef>
-      <a:fillRef idx="1">
-        <a:scrgbClr r="0" g="0" b="0"/>
-      </a:fillRef>
-      <a:effectRef idx="0">
-        <a:scrgbClr r="0" g="0" b="0"/>
-      </a:effectRef>
-      <a:fontRef idx="minor"/>
-    </dgm:style>
-  </dgm:styleLbl>
-  <dgm:styleLbl name="fgAcc4">
-    <dgm:scene3d>
-      <a:camera prst="orthographicFront"/>
-      <a:lightRig rig="threePt" dir="t"/>
-    </dgm:scene3d>
-    <dgm:sp3d/>
-    <dgm:txPr/>
-    <dgm:style>
-      <a:lnRef idx="2">
-        <a:scrgbClr r="0" g="0" b="0"/>
-      </a:lnRef>
-      <a:fillRef idx="1">
-        <a:scrgbClr r="0" g="0" b="0"/>
-      </a:fillRef>
-      <a:effectRef idx="0">
-        <a:scrgbClr r="0" g="0" b="0"/>
-      </a:effectRef>
-      <a:fontRef idx="minor"/>
-    </dgm:style>
-  </dgm:styleLbl>
-  <dgm:styleLbl name="bgShp">
-    <dgm:scene3d>
-      <a:camera prst="orthographicFront"/>
-      <a:lightRig rig="threePt" dir="t"/>
-    </dgm:scene3d>
-    <dgm:sp3d/>
-    <dgm:txPr/>
-    <dgm:style>
-      <a:lnRef idx="0">
-        <a:scrgbClr r="0" g="0" b="0"/>
-      </a:lnRef>
-      <a:fillRef idx="1">
-        <a:scrgbClr r="0" g="0" b="0"/>
-      </a:fillRef>
-      <a:effectRef idx="0">
-        <a:scrgbClr r="0" g="0" b="0"/>
-      </a:effectRef>
-      <a:fontRef idx="minor"/>
-    </dgm:style>
-  </dgm:styleLbl>
-  <dgm:styleLbl name="dkBgShp">
-    <dgm:scene3d>
-      <a:camera prst="orthographicFront"/>
-      <a:lightRig rig="threePt" dir="t"/>
-    </dgm:scene3d>
-    <dgm:sp3d/>
-    <dgm:txPr/>
-    <dgm:style>
-      <a:lnRef idx="0">
-        <a:scrgbClr r="0" g="0" b="0"/>
-      </a:lnRef>
-      <a:fillRef idx="1">
-        <a:scrgbClr r="0" g="0" b="0"/>
-      </a:fillRef>
-      <a:effectRef idx="0">
-        <a:scrgbClr r="0" g="0" b="0"/>
-      </a:effectRef>
-      <a:fontRef idx="minor"/>
-    </dgm:style>
-  </dgm:styleLbl>
-  <dgm:styleLbl name="trBgShp">
-    <dgm:scene3d>
-      <a:camera prst="orthographicFront"/>
-      <a:lightRig rig="threePt" dir="t"/>
-    </dgm:scene3d>
-    <dgm:sp3d/>
-    <dgm:txPr/>
-    <dgm:style>
-      <a:lnRef idx="0">
-        <a:scrgbClr r="0" g="0" b="0"/>
-      </a:lnRef>
-      <a:fillRef idx="1">
-        <a:scrgbClr r="0" g="0" b="0"/>
-      </a:fillRef>
-      <a:effectRef idx="0">
-        <a:scrgbClr r="0" g="0" b="0"/>
-      </a:effectRef>
-      <a:fontRef idx="minor"/>
-    </dgm:style>
-  </dgm:styleLbl>
-  <dgm:styleLbl name="fgShp">
-    <dgm:scene3d>
-      <a:camera prst="orthographicFront"/>
-      <a:lightRig rig="threePt" dir="t"/>
-    </dgm:scene3d>
-    <dgm:sp3d/>
-    <dgm:txPr/>
-    <dgm:style>
-      <a:lnRef idx="2">
-        <a:scrgbClr r="0" g="0" b="0"/>
-      </a:lnRef>
-      <a:fillRef idx="1">
-        <a:scrgbClr r="0" g="0" b="0"/>
-      </a:fillRef>
-      <a:effectRef idx="0">
-        <a:scrgbClr r="0" g="0" b="0"/>
-      </a:effectRef>
-      <a:fontRef idx="minor"/>
-    </dgm:style>
-  </dgm:styleLbl>
-  <dgm:styleLbl name="revTx">
-    <dgm:scene3d>
-      <a:camera prst="orthographicFront"/>
-      <a:lightRig rig="threePt" dir="t"/>
-    </dgm:scene3d>
-    <dgm:sp3d/>
-    <dgm:txPr/>
-    <dgm:style>
-      <a:lnRef idx="0">
-        <a:scrgbClr r="0" g="0" b="0"/>
-      </a:lnRef>
-      <a:fillRef idx="0">
-        <a:scrgbClr r="0" g="0" b="0"/>
-      </a:fillRef>
-      <a:effectRef idx="0">
-        <a:scrgbClr r="0" g="0" b="0"/>
-      </a:effectRef>
-      <a:fontRef idx="minor"/>
-    </dgm:style>
-  </dgm:styleLbl>
-</dgm:styleDef>
+<file path=ppt/commentAuthors.xml><?xml version="1.0" encoding="utf-8"?>
+<p:cmAuthorLst xmlns:a="http://schemas.openxmlformats.org/drawingml/2006/main" xmlns:r="http://schemas.openxmlformats.org/officeDocument/2006/relationships" xmlns:p="http://schemas.openxmlformats.org/presentationml/2006/main">
+  <p:cmAuthor id="1" name="EASWER ALU" initials="EA" lastIdx="1" clrIdx="0">
+    <p:extLst>
+      <p:ext uri="{19B8F6BF-5375-455C-9EA6-DF929625EA0E}">
+        <p15:presenceInfo xmlns:p15="http://schemas.microsoft.com/office/powerpoint/2012/main" userId="8ecebdb504200a01" providerId="Windows Live"/>
+      </p:ext>
+    </p:extLst>
+  </p:cmAuthor>
+</p:cmAuthorLst>
 </file>
 
 <file path=ppt/notesMasters/notesMaster1.xml><?xml version="1.0" encoding="utf-8"?>
@@ -9566,15 +4475,6 @@
                 <a:latin typeface="Times New Roman" pitchFamily="18" charset="0"/>
                 <a:cs typeface="Times New Roman" pitchFamily="18" charset="0"/>
               </a:rPr>
-              <a:t>Inventory module</a:t>
-            </a:r>
-          </a:p>
-          <a:p>
-            <a:r>
-              <a:rPr lang="en-IN" dirty="0">
-                <a:latin typeface="Times New Roman" pitchFamily="18" charset="0"/>
-                <a:cs typeface="Times New Roman" pitchFamily="18" charset="0"/>
-              </a:rPr>
               <a:t>Product info module</a:t>
             </a:r>
           </a:p>
@@ -9933,7 +4833,7 @@
                 <a:latin typeface="Calibri" pitchFamily="34" charset="0"/>
                 <a:cs typeface="Arial" pitchFamily="34" charset="0"/>
               </a:rPr>
-              <a:t>Inventory module</a:t>
+              <a:t>Payment module</a:t>
             </a:r>
           </a:p>
         </p:txBody>
@@ -9958,7 +4858,7 @@
                 <a:latin typeface="Times New Roman" pitchFamily="18" charset="0"/>
                 <a:cs typeface="Times New Roman" pitchFamily="18" charset="0"/>
               </a:rPr>
-              <a:t>Inventory module will process the inventory stocking data.</a:t>
+              <a:t>This will handle the order placement and payment confirmation process</a:t>
             </a:r>
           </a:p>
           <a:p>
@@ -9967,14 +4867,8 @@
                 <a:latin typeface="Times New Roman" pitchFamily="18" charset="0"/>
                 <a:cs typeface="Times New Roman" pitchFamily="18" charset="0"/>
               </a:rPr>
-              <a:t>It will responsible for maintaining the inventory details</a:t>
-            </a:r>
-          </a:p>
-          <a:p>
-            <a:endParaRPr lang="en-IN" dirty="0">
-              <a:latin typeface="Times New Roman" pitchFamily="18" charset="0"/>
-              <a:cs typeface="Times New Roman" pitchFamily="18" charset="0"/>
-            </a:endParaRPr>
+              <a:t>It will link an order to a customer’s account</a:t>
+            </a:r>
           </a:p>
         </p:txBody>
       </p:sp>
@@ -10005,7 +4899,7 @@
     </p:spTree>
     <p:extLst>
       <p:ext uri="{BB962C8B-B14F-4D97-AF65-F5344CB8AC3E}">
-        <p14:creationId xmlns:p14="http://schemas.microsoft.com/office/powerpoint/2010/main" val="1420427835"/>
+        <p14:creationId xmlns:p14="http://schemas.microsoft.com/office/powerpoint/2010/main" val="2982415876"/>
       </p:ext>
     </p:extLst>
   </p:cSld>
@@ -10056,7 +4950,7 @@
                 <a:latin typeface="Calibri" pitchFamily="34" charset="0"/>
                 <a:cs typeface="Arial" pitchFamily="34" charset="0"/>
               </a:rPr>
-              <a:t>Payment module</a:t>
+              <a:t>Order management module</a:t>
             </a:r>
           </a:p>
         </p:txBody>
@@ -10081,17 +4975,14 @@
                 <a:latin typeface="Times New Roman" pitchFamily="18" charset="0"/>
                 <a:cs typeface="Times New Roman" pitchFamily="18" charset="0"/>
               </a:rPr>
-              <a:t>This will handle the order placement and payment confirmation process</a:t>
-            </a:r>
-          </a:p>
-          <a:p>
-            <a:r>
-              <a:rPr lang="en-IN" dirty="0">
-                <a:latin typeface="Times New Roman" pitchFamily="18" charset="0"/>
-                <a:cs typeface="Times New Roman" pitchFamily="18" charset="0"/>
-              </a:rPr>
-              <a:t>It will link an order to a customer’s account</a:t>
-            </a:r>
+              <a:t>This module will be responsible for handling order tracking, cancellation, and other issues</a:t>
+            </a:r>
+          </a:p>
+          <a:p>
+            <a:endParaRPr lang="en-IN" dirty="0">
+              <a:latin typeface="Times New Roman" pitchFamily="18" charset="0"/>
+              <a:cs typeface="Times New Roman" pitchFamily="18" charset="0"/>
+            </a:endParaRPr>
           </a:p>
         </p:txBody>
       </p:sp>
@@ -10122,7 +5013,7 @@
     </p:spTree>
     <p:extLst>
       <p:ext uri="{BB962C8B-B14F-4D97-AF65-F5344CB8AC3E}">
-        <p14:creationId xmlns:p14="http://schemas.microsoft.com/office/powerpoint/2010/main" val="2982415876"/>
+        <p14:creationId xmlns:p14="http://schemas.microsoft.com/office/powerpoint/2010/main" val="1798096664"/>
       </p:ext>
     </p:extLst>
   </p:cSld>
@@ -10173,7 +5064,7 @@
                 <a:latin typeface="Calibri" pitchFamily="34" charset="0"/>
                 <a:cs typeface="Arial" pitchFamily="34" charset="0"/>
               </a:rPr>
-              <a:t>Order management module</a:t>
+              <a:t>Front-End Code </a:t>
             </a:r>
           </a:p>
         </p:txBody>
@@ -10192,15 +5083,6 @@
         <p:txBody>
           <a:bodyPr/>
           <a:lstStyle/>
-          <a:p>
-            <a:r>
-              <a:rPr lang="en-IN" dirty="0">
-                <a:latin typeface="Times New Roman" pitchFamily="18" charset="0"/>
-                <a:cs typeface="Times New Roman" pitchFamily="18" charset="0"/>
-              </a:rPr>
-              <a:t>This module will be responsible for handling order tracking, cancellation, and other issues</a:t>
-            </a:r>
-          </a:p>
           <a:p>
             <a:endParaRPr lang="en-IN" dirty="0">
               <a:latin typeface="Times New Roman" pitchFamily="18" charset="0"/>
@@ -10234,11 +5116,6 @@
         </p:txBody>
       </p:sp>
     </p:spTree>
-    <p:extLst>
-      <p:ext uri="{BB962C8B-B14F-4D97-AF65-F5344CB8AC3E}">
-        <p14:creationId xmlns:p14="http://schemas.microsoft.com/office/powerpoint/2010/main" val="1798096664"/>
-      </p:ext>
-    </p:extLst>
   </p:cSld>
   <p:clrMapOvr>
     <a:masterClrMapping/>
@@ -10387,7 +5264,7 @@
                 <a:latin typeface="Calibri" pitchFamily="34" charset="0"/>
                 <a:cs typeface="Arial" pitchFamily="34" charset="0"/>
               </a:rPr>
-              <a:t>Front-End Code </a:t>
+              <a:t>Backend/Database Code </a:t>
             </a:r>
           </a:p>
         </p:txBody>
@@ -10487,7 +5364,7 @@
                 <a:latin typeface="Calibri" pitchFamily="34" charset="0"/>
                 <a:cs typeface="Arial" pitchFamily="34" charset="0"/>
               </a:rPr>
-              <a:t>Backend/Database Code </a:t>
+              <a:t>Backend/Database Code</a:t>
             </a:r>
           </a:p>
         </p:txBody>
@@ -10587,7 +5464,7 @@
                 <a:latin typeface="Calibri" pitchFamily="34" charset="0"/>
                 <a:cs typeface="Arial" pitchFamily="34" charset="0"/>
               </a:rPr>
-              <a:t>Backend/Database Code</a:t>
+              <a:t>Output/Screen Shots</a:t>
             </a:r>
           </a:p>
         </p:txBody>
@@ -10607,10 +5484,13 @@
           <a:bodyPr/>
           <a:lstStyle/>
           <a:p>
-            <a:endParaRPr lang="en-IN" dirty="0">
-              <a:latin typeface="Times New Roman" pitchFamily="18" charset="0"/>
-              <a:cs typeface="Times New Roman" pitchFamily="18" charset="0"/>
-            </a:endParaRPr>
+            <a:r>
+              <a:rPr lang="en-IN" dirty="0">
+                <a:latin typeface="Times New Roman" pitchFamily="18" charset="0"/>
+                <a:cs typeface="Times New Roman" pitchFamily="18" charset="0"/>
+              </a:rPr>
+              <a:t>Both front end and backend</a:t>
+            </a:r>
           </a:p>
         </p:txBody>
       </p:sp>
@@ -10830,13 +5710,10 @@
           <a:bodyPr/>
           <a:lstStyle/>
           <a:p>
-            <a:r>
-              <a:rPr lang="en-IN" dirty="0">
-                <a:latin typeface="Times New Roman" pitchFamily="18" charset="0"/>
-                <a:cs typeface="Times New Roman" pitchFamily="18" charset="0"/>
-              </a:rPr>
-              <a:t>Both front end and backend</a:t>
-            </a:r>
+            <a:endParaRPr lang="en-IN" dirty="0">
+              <a:latin typeface="Times New Roman" pitchFamily="18" charset="0"/>
+              <a:cs typeface="Times New Roman" pitchFamily="18" charset="0"/>
+            </a:endParaRPr>
           </a:p>
         </p:txBody>
       </p:sp>
@@ -10913,7 +5790,7 @@
                 <a:latin typeface="Calibri" pitchFamily="34" charset="0"/>
                 <a:cs typeface="Arial" pitchFamily="34" charset="0"/>
               </a:rPr>
-              <a:t>Output/Screen Shots</a:t>
+              <a:t>Conclusion</a:t>
             </a:r>
           </a:p>
         </p:txBody>
@@ -10933,10 +5810,13 @@
           <a:bodyPr/>
           <a:lstStyle/>
           <a:p>
-            <a:endParaRPr lang="en-IN" dirty="0">
-              <a:latin typeface="Times New Roman" pitchFamily="18" charset="0"/>
-              <a:cs typeface="Times New Roman" pitchFamily="18" charset="0"/>
-            </a:endParaRPr>
+            <a:r>
+              <a:rPr lang="en-IN" dirty="0">
+                <a:latin typeface="Times New Roman" pitchFamily="18" charset="0"/>
+                <a:cs typeface="Times New Roman" pitchFamily="18" charset="0"/>
+              </a:rPr>
+              <a:t>Summary (font-24)</a:t>
+            </a:r>
           </a:p>
         </p:txBody>
       </p:sp>
@@ -10973,109 +5853,6 @@
 </file>
 
 <file path=ppt/slides/slide22.xml><?xml version="1.0" encoding="utf-8"?>
-<p:sld xmlns:a="http://schemas.openxmlformats.org/drawingml/2006/main" xmlns:r="http://schemas.openxmlformats.org/officeDocument/2006/relationships" xmlns:p="http://schemas.openxmlformats.org/presentationml/2006/main">
-  <p:cSld>
-    <p:spTree>
-      <p:nvGrpSpPr>
-        <p:cNvPr id="1" name=""/>
-        <p:cNvGrpSpPr/>
-        <p:nvPr/>
-      </p:nvGrpSpPr>
-      <p:grpSpPr>
-        <a:xfrm>
-          <a:off x="0" y="0"/>
-          <a:ext cx="0" cy="0"/>
-          <a:chOff x="0" y="0"/>
-          <a:chExt cx="0" cy="0"/>
-        </a:xfrm>
-      </p:grpSpPr>
-      <p:sp>
-        <p:nvSpPr>
-          <p:cNvPr id="2" name="Title 1"/>
-          <p:cNvSpPr>
-            <a:spLocks noGrp="1"/>
-          </p:cNvSpPr>
-          <p:nvPr>
-            <p:ph type="title"/>
-          </p:nvPr>
-        </p:nvSpPr>
-        <p:spPr/>
-        <p:txBody>
-          <a:bodyPr/>
-          <a:lstStyle/>
-          <a:p>
-            <a:pPr algn="ctr"/>
-            <a:r>
-              <a:rPr lang="en-IN" dirty="0">
-                <a:solidFill>
-                  <a:schemeClr val="tx1"/>
-                </a:solidFill>
-                <a:latin typeface="Calibri" pitchFamily="34" charset="0"/>
-                <a:cs typeface="Arial" pitchFamily="34" charset="0"/>
-              </a:rPr>
-              <a:t>Conclusion</a:t>
-            </a:r>
-          </a:p>
-        </p:txBody>
-      </p:sp>
-      <p:sp>
-        <p:nvSpPr>
-          <p:cNvPr id="3" name="Content Placeholder 2"/>
-          <p:cNvSpPr>
-            <a:spLocks noGrp="1"/>
-          </p:cNvSpPr>
-          <p:nvPr>
-            <p:ph sz="quarter" idx="1"/>
-          </p:nvPr>
-        </p:nvSpPr>
-        <p:spPr/>
-        <p:txBody>
-          <a:bodyPr/>
-          <a:lstStyle/>
-          <a:p>
-            <a:r>
-              <a:rPr lang="en-IN" dirty="0">
-                <a:latin typeface="Times New Roman" pitchFamily="18" charset="0"/>
-                <a:cs typeface="Times New Roman" pitchFamily="18" charset="0"/>
-              </a:rPr>
-              <a:t>Summary (font-24)</a:t>
-            </a:r>
-          </a:p>
-        </p:txBody>
-      </p:sp>
-      <p:sp>
-        <p:nvSpPr>
-          <p:cNvPr id="4" name="Slide Number Placeholder 3"/>
-          <p:cNvSpPr>
-            <a:spLocks noGrp="1"/>
-          </p:cNvSpPr>
-          <p:nvPr>
-            <p:ph type="sldNum" sz="quarter" idx="12"/>
-          </p:nvPr>
-        </p:nvSpPr>
-        <p:spPr/>
-        <p:txBody>
-          <a:bodyPr/>
-          <a:lstStyle/>
-          <a:p>
-            <a:fld id="{EA7C8D44-3667-46F6-9772-CC52308E2A7F}" type="slidenum">
-              <a:rPr kumimoji="0" lang="en-US" smtClean="0"/>
-              <a:pPr/>
-              <a:t>22</a:t>
-            </a:fld>
-            <a:endParaRPr kumimoji="0" lang="en-US" dirty="0"/>
-          </a:p>
-        </p:txBody>
-      </p:sp>
-    </p:spTree>
-  </p:cSld>
-  <p:clrMapOvr>
-    <a:masterClrMapping/>
-  </p:clrMapOvr>
-</p:sld>
-</file>
-
-<file path=ppt/slides/slide23.xml><?xml version="1.0" encoding="utf-8"?>
 <p:sld xmlns:a="http://schemas.openxmlformats.org/drawingml/2006/main" xmlns:r="http://schemas.openxmlformats.org/officeDocument/2006/relationships" xmlns:p="http://schemas.openxmlformats.org/presentationml/2006/main">
   <p:cSld>
     <p:spTree>
@@ -11186,7 +5963,7 @@
             <a:fld id="{EA7C8D44-3667-46F6-9772-CC52308E2A7F}" type="slidenum">
               <a:rPr kumimoji="0" lang="en-US" smtClean="0"/>
               <a:pPr/>
-              <a:t>23</a:t>
+              <a:t>22</a:t>
             </a:fld>
             <a:endParaRPr kumimoji="0" lang="en-US" dirty="0"/>
           </a:p>
@@ -11200,7 +5977,7 @@
 </p:sld>
 </file>
 
-<file path=ppt/slides/slide24.xml><?xml version="1.0" encoding="utf-8"?>
+<file path=ppt/slides/slide23.xml><?xml version="1.0" encoding="utf-8"?>
 <p:sld xmlns:a="http://schemas.openxmlformats.org/drawingml/2006/main" xmlns:r="http://schemas.openxmlformats.org/officeDocument/2006/relationships" xmlns:p="http://schemas.openxmlformats.org/presentationml/2006/main">
   <p:cSld>
     <p:spTree>
@@ -11311,7 +6088,7 @@
             <a:fld id="{EA7C8D44-3667-46F6-9772-CC52308E2A7F}" type="slidenum">
               <a:rPr kumimoji="0" lang="en-US" smtClean="0"/>
               <a:pPr/>
-              <a:t>24</a:t>
+              <a:t>23</a:t>
             </a:fld>
             <a:endParaRPr kumimoji="0" lang="en-US" dirty="0"/>
           </a:p>
@@ -11400,16 +6177,45 @@
                 <a:latin typeface="Times New Roman" pitchFamily="18" charset="0"/>
                 <a:cs typeface="Times New Roman" pitchFamily="18" charset="0"/>
               </a:rPr>
-              <a:t>It also offers the users alternative products they can </a:t>
+              <a:t>Elaborates on climate change across past years</a:t>
+            </a:r>
+          </a:p>
+          <a:p>
+            <a:r>
+              <a:rPr lang="en-US" dirty="0">
+                <a:latin typeface="Times New Roman" pitchFamily="18" charset="0"/>
+                <a:cs typeface="Times New Roman" pitchFamily="18" charset="0"/>
+              </a:rPr>
+              <a:t>Displays the info using graphs, infographics, </a:t>
+            </a:r>
+            <a:r>
+              <a:rPr lang="en-US" dirty="0" err="1">
+                <a:latin typeface="Times New Roman" pitchFamily="18" charset="0"/>
+                <a:cs typeface="Times New Roman" pitchFamily="18" charset="0"/>
+              </a:rPr>
+              <a:t>etc</a:t>
+            </a:r>
+            <a:endParaRPr lang="en-US" dirty="0">
+              <a:latin typeface="Times New Roman" pitchFamily="18" charset="0"/>
+              <a:cs typeface="Times New Roman" pitchFamily="18" charset="0"/>
+            </a:endParaRPr>
+          </a:p>
+          <a:p>
+            <a:r>
+              <a:rPr lang="en-US" dirty="0">
+                <a:latin typeface="Times New Roman" pitchFamily="18" charset="0"/>
+                <a:cs typeface="Times New Roman" pitchFamily="18" charset="0"/>
+              </a:rPr>
+              <a:t>Educates user about eco friendly practices and offers </a:t>
             </a:r>
             <a:r>
               <a:rPr lang="en-US">
                 <a:latin typeface="Times New Roman" pitchFamily="18" charset="0"/>
                 <a:cs typeface="Times New Roman" pitchFamily="18" charset="0"/>
               </a:rPr>
-              <a:t>buy from the site.</a:t>
-            </a:r>
-            <a:endParaRPr lang="en-IN" dirty="0">
+              <a:t>some alternatives too</a:t>
+            </a:r>
+            <a:endParaRPr lang="en-US" dirty="0">
               <a:latin typeface="Times New Roman" pitchFamily="18" charset="0"/>
               <a:cs typeface="Times New Roman" pitchFamily="18" charset="0"/>
             </a:endParaRPr>
@@ -12003,7 +6809,13 @@
       </p:grpSpPr>
       <p:sp>
         <p:nvSpPr>
-          <p:cNvPr id="2" name="Title 1"/>
+          <p:cNvPr id="2" name="Title 1">
+            <a:extLst>
+              <a:ext uri="{FF2B5EF4-FFF2-40B4-BE49-F238E27FC236}">
+                <a16:creationId xmlns:a16="http://schemas.microsoft.com/office/drawing/2014/main" id="{1D1757D3-AC51-4005-B083-61307A0745AC}"/>
+              </a:ext>
+            </a:extLst>
+          </p:cNvPr>
           <p:cNvSpPr>
             <a:spLocks noGrp="1"/>
           </p:cNvSpPr>
@@ -12027,43 +6839,19 @@
               </a:rPr>
               <a:t>System Diagram/Flow Diagram</a:t>
             </a:r>
-          </a:p>
-        </p:txBody>
-      </p:sp>
-      <p:graphicFrame>
-        <p:nvGraphicFramePr>
-          <p:cNvPr id="5" name="Content Placeholder 4">
+            <a:endParaRPr lang="en-IN" dirty="0"/>
+          </a:p>
+        </p:txBody>
+      </p:sp>
+      <p:sp>
+        <p:nvSpPr>
+          <p:cNvPr id="3" name="Slide Number Placeholder 2">
             <a:extLst>
               <a:ext uri="{FF2B5EF4-FFF2-40B4-BE49-F238E27FC236}">
-                <a16:creationId xmlns:a16="http://schemas.microsoft.com/office/drawing/2014/main" id="{2A86AB80-0778-43F8-AD5D-1C1FA34EB12F}"/>
+                <a16:creationId xmlns:a16="http://schemas.microsoft.com/office/drawing/2014/main" id="{1F46673C-F82A-4CDB-A957-90085471FD93}"/>
               </a:ext>
             </a:extLst>
           </p:cNvPr>
-          <p:cNvGraphicFramePr>
-            <a:graphicFrameLocks noGrp="1"/>
-          </p:cNvGraphicFramePr>
-          <p:nvPr>
-            <p:ph sz="quarter" idx="1"/>
-            <p:extLst>
-              <p:ext uri="{D42A27DB-BD31-4B8C-83A1-F6EECF244321}">
-                <p14:modId xmlns:p14="http://schemas.microsoft.com/office/powerpoint/2010/main" val="3222394400"/>
-              </p:ext>
-            </p:extLst>
-          </p:nvPr>
-        </p:nvGraphicFramePr>
-        <p:xfrm>
-          <a:off x="457200" y="1219200"/>
-          <a:ext cx="8229600" cy="4937125"/>
-        </p:xfrm>
-        <a:graphic>
-          <a:graphicData uri="http://schemas.openxmlformats.org/drawingml/2006/diagram">
-            <dgm:relIds xmlns:dgm="http://schemas.openxmlformats.org/drawingml/2006/diagram" xmlns:r="http://schemas.openxmlformats.org/officeDocument/2006/relationships" r:dm="rId2" r:lo="rId3" r:qs="rId4" r:cs="rId5"/>
-          </a:graphicData>
-        </a:graphic>
-      </p:graphicFrame>
-      <p:sp>
-        <p:nvSpPr>
-          <p:cNvPr id="4" name="Slide Number Placeholder 3"/>
           <p:cNvSpPr>
             <a:spLocks noGrp="1"/>
           </p:cNvSpPr>
@@ -12085,7 +6873,829 @@
           </a:p>
         </p:txBody>
       </p:sp>
+      <p:pic>
+        <p:nvPicPr>
+          <p:cNvPr id="8" name="Content Placeholder 7">
+            <a:extLst>
+              <a:ext uri="{FF2B5EF4-FFF2-40B4-BE49-F238E27FC236}">
+                <a16:creationId xmlns:a16="http://schemas.microsoft.com/office/drawing/2014/main" id="{E5E66CDD-9880-4980-A17D-BAE7C5F129AA}"/>
+              </a:ext>
+            </a:extLst>
+          </p:cNvPr>
+          <p:cNvPicPr>
+            <a:picLocks noGrp="1" noChangeAspect="1"/>
+          </p:cNvPicPr>
+          <p:nvPr>
+            <p:ph sz="quarter" idx="1"/>
+          </p:nvPr>
+        </p:nvPicPr>
+        <p:blipFill>
+          <a:blip r:embed="rId2"/>
+          <a:stretch>
+            <a:fillRect/>
+          </a:stretch>
+        </p:blipFill>
+        <p:spPr>
+          <a:xfrm>
+            <a:off x="3347864" y="1901122"/>
+            <a:ext cx="2103302" cy="883997"/>
+          </a:xfrm>
+          <a:prstGeom prst="rect">
+            <a:avLst/>
+          </a:prstGeom>
+        </p:spPr>
+      </p:pic>
+      <p:sp>
+        <p:nvSpPr>
+          <p:cNvPr id="5" name="Rectangle 4">
+            <a:extLst>
+              <a:ext uri="{FF2B5EF4-FFF2-40B4-BE49-F238E27FC236}">
+                <a16:creationId xmlns:a16="http://schemas.microsoft.com/office/drawing/2014/main" id="{3165A47E-3B6A-41ED-B7A3-7DD3456D67E6}"/>
+              </a:ext>
+            </a:extLst>
+          </p:cNvPr>
+          <p:cNvSpPr/>
+          <p:nvPr/>
+        </p:nvSpPr>
+        <p:spPr>
+          <a:xfrm>
+            <a:off x="457200" y="1921023"/>
+            <a:ext cx="2088232" cy="864096"/>
+          </a:xfrm>
+          <a:prstGeom prst="rect">
+            <a:avLst/>
+          </a:prstGeom>
+        </p:spPr>
+        <p:style>
+          <a:lnRef idx="2">
+            <a:schemeClr val="accent1">
+              <a:shade val="50000"/>
+            </a:schemeClr>
+          </a:lnRef>
+          <a:fillRef idx="1">
+            <a:schemeClr val="accent1"/>
+          </a:fillRef>
+          <a:effectRef idx="0">
+            <a:schemeClr val="accent1"/>
+          </a:effectRef>
+          <a:fontRef idx="minor">
+            <a:schemeClr val="lt1"/>
+          </a:fontRef>
+        </p:style>
+        <p:txBody>
+          <a:bodyPr rtlCol="0" anchor="ctr"/>
+          <a:lstStyle/>
+          <a:p>
+            <a:pPr algn="ctr"/>
+            <a:r>
+              <a:rPr lang="en-US" dirty="0"/>
+              <a:t>Home</a:t>
+            </a:r>
+            <a:endParaRPr lang="en-IN" dirty="0"/>
+          </a:p>
+        </p:txBody>
+      </p:sp>
+      <p:pic>
+        <p:nvPicPr>
+          <p:cNvPr id="9" name="Picture 8">
+            <a:extLst>
+              <a:ext uri="{FF2B5EF4-FFF2-40B4-BE49-F238E27FC236}">
+                <a16:creationId xmlns:a16="http://schemas.microsoft.com/office/drawing/2014/main" id="{B2F97739-F5C9-41FA-B381-8517BCFAE68F}"/>
+              </a:ext>
+            </a:extLst>
+          </p:cNvPr>
+          <p:cNvPicPr>
+            <a:picLocks noChangeAspect="1"/>
+          </p:cNvPicPr>
+          <p:nvPr/>
+        </p:nvPicPr>
+        <p:blipFill>
+          <a:blip r:embed="rId2"/>
+          <a:stretch>
+            <a:fillRect/>
+          </a:stretch>
+        </p:blipFill>
+        <p:spPr>
+          <a:xfrm>
+            <a:off x="6300192" y="1901121"/>
+            <a:ext cx="2103302" cy="883997"/>
+          </a:xfrm>
+          <a:prstGeom prst="rect">
+            <a:avLst/>
+          </a:prstGeom>
+        </p:spPr>
+      </p:pic>
+      <p:sp>
+        <p:nvSpPr>
+          <p:cNvPr id="10" name="TextBox 9">
+            <a:extLst>
+              <a:ext uri="{FF2B5EF4-FFF2-40B4-BE49-F238E27FC236}">
+                <a16:creationId xmlns:a16="http://schemas.microsoft.com/office/drawing/2014/main" id="{BF9C75C8-25A0-4729-8863-2547A9FABCCE}"/>
+              </a:ext>
+            </a:extLst>
+          </p:cNvPr>
+          <p:cNvSpPr txBox="1"/>
+          <p:nvPr/>
+        </p:nvSpPr>
+        <p:spPr>
+          <a:xfrm>
+            <a:off x="3635896" y="2158453"/>
+            <a:ext cx="1678665" cy="369332"/>
+          </a:xfrm>
+          <a:prstGeom prst="rect">
+            <a:avLst/>
+          </a:prstGeom>
+          <a:noFill/>
+        </p:spPr>
+        <p:txBody>
+          <a:bodyPr wrap="none" rtlCol="0">
+            <a:spAutoFit/>
+          </a:bodyPr>
+          <a:lstStyle/>
+          <a:p>
+            <a:r>
+              <a:rPr lang="en-US" dirty="0">
+                <a:solidFill>
+                  <a:schemeClr val="bg1"/>
+                </a:solidFill>
+              </a:rPr>
+              <a:t>Climate Change</a:t>
+            </a:r>
+            <a:endParaRPr lang="en-IN" dirty="0">
+              <a:solidFill>
+                <a:schemeClr val="bg1"/>
+              </a:solidFill>
+            </a:endParaRPr>
+          </a:p>
+        </p:txBody>
+      </p:sp>
+      <p:sp>
+        <p:nvSpPr>
+          <p:cNvPr id="11" name="TextBox 10">
+            <a:extLst>
+              <a:ext uri="{FF2B5EF4-FFF2-40B4-BE49-F238E27FC236}">
+                <a16:creationId xmlns:a16="http://schemas.microsoft.com/office/drawing/2014/main" id="{12C5B634-1CC5-41BE-95CF-7505679EF5B9}"/>
+              </a:ext>
+            </a:extLst>
+          </p:cNvPr>
+          <p:cNvSpPr txBox="1"/>
+          <p:nvPr/>
+        </p:nvSpPr>
+        <p:spPr>
+          <a:xfrm>
+            <a:off x="6460541" y="2158453"/>
+            <a:ext cx="1782604" cy="369332"/>
+          </a:xfrm>
+          <a:prstGeom prst="rect">
+            <a:avLst/>
+          </a:prstGeom>
+          <a:noFill/>
+        </p:spPr>
+        <p:txBody>
+          <a:bodyPr wrap="none" rtlCol="0">
+            <a:spAutoFit/>
+          </a:bodyPr>
+          <a:lstStyle/>
+          <a:p>
+            <a:r>
+              <a:rPr lang="en-US" dirty="0">
+                <a:solidFill>
+                  <a:schemeClr val="bg1"/>
+                </a:solidFill>
+              </a:rPr>
+              <a:t>Measures to take</a:t>
+            </a:r>
+            <a:endParaRPr lang="en-IN" dirty="0">
+              <a:solidFill>
+                <a:schemeClr val="bg1"/>
+              </a:solidFill>
+            </a:endParaRPr>
+          </a:p>
+        </p:txBody>
+      </p:sp>
+      <p:cxnSp>
+        <p:nvCxnSpPr>
+          <p:cNvPr id="17" name="Straight Arrow Connector 16">
+            <a:extLst>
+              <a:ext uri="{FF2B5EF4-FFF2-40B4-BE49-F238E27FC236}">
+                <a16:creationId xmlns:a16="http://schemas.microsoft.com/office/drawing/2014/main" id="{DAF8B7AF-B98C-4A91-8C49-F250172DD9CC}"/>
+              </a:ext>
+            </a:extLst>
+          </p:cNvPr>
+          <p:cNvCxnSpPr>
+            <a:stCxn id="5" idx="3"/>
+            <a:endCxn id="8" idx="1"/>
+          </p:cNvCxnSpPr>
+          <p:nvPr/>
+        </p:nvCxnSpPr>
+        <p:spPr>
+          <a:xfrm flipV="1">
+            <a:off x="2545432" y="2343121"/>
+            <a:ext cx="802432" cy="9950"/>
+          </a:xfrm>
+          <a:prstGeom prst="straightConnector1">
+            <a:avLst/>
+          </a:prstGeom>
+          <a:ln>
+            <a:headEnd type="triangle"/>
+            <a:tailEnd type="triangle"/>
+          </a:ln>
+        </p:spPr>
+        <p:style>
+          <a:lnRef idx="2">
+            <a:schemeClr val="dk1"/>
+          </a:lnRef>
+          <a:fillRef idx="0">
+            <a:schemeClr val="dk1"/>
+          </a:fillRef>
+          <a:effectRef idx="1">
+            <a:schemeClr val="dk1"/>
+          </a:effectRef>
+          <a:fontRef idx="minor">
+            <a:schemeClr val="tx1"/>
+          </a:fontRef>
+        </p:style>
+      </p:cxnSp>
+      <p:cxnSp>
+        <p:nvCxnSpPr>
+          <p:cNvPr id="19" name="Straight Arrow Connector 18">
+            <a:extLst>
+              <a:ext uri="{FF2B5EF4-FFF2-40B4-BE49-F238E27FC236}">
+                <a16:creationId xmlns:a16="http://schemas.microsoft.com/office/drawing/2014/main" id="{207148AF-7388-4D3A-AAFC-29AC6C7537CA}"/>
+              </a:ext>
+            </a:extLst>
+          </p:cNvPr>
+          <p:cNvCxnSpPr>
+            <a:stCxn id="8" idx="3"/>
+            <a:endCxn id="9" idx="1"/>
+          </p:cNvCxnSpPr>
+          <p:nvPr/>
+        </p:nvCxnSpPr>
+        <p:spPr>
+          <a:xfrm flipV="1">
+            <a:off x="5451166" y="2343120"/>
+            <a:ext cx="849026" cy="1"/>
+          </a:xfrm>
+          <a:prstGeom prst="straightConnector1">
+            <a:avLst/>
+          </a:prstGeom>
+          <a:ln>
+            <a:headEnd type="triangle"/>
+            <a:tailEnd type="triangle"/>
+          </a:ln>
+        </p:spPr>
+        <p:style>
+          <a:lnRef idx="3">
+            <a:schemeClr val="accent1"/>
+          </a:lnRef>
+          <a:fillRef idx="0">
+            <a:schemeClr val="accent1"/>
+          </a:fillRef>
+          <a:effectRef idx="2">
+            <a:schemeClr val="accent1"/>
+          </a:effectRef>
+          <a:fontRef idx="minor">
+            <a:schemeClr val="tx1"/>
+          </a:fontRef>
+        </p:style>
+      </p:cxnSp>
+      <p:pic>
+        <p:nvPicPr>
+          <p:cNvPr id="21" name="Picture 20">
+            <a:extLst>
+              <a:ext uri="{FF2B5EF4-FFF2-40B4-BE49-F238E27FC236}">
+                <a16:creationId xmlns:a16="http://schemas.microsoft.com/office/drawing/2014/main" id="{C274B7F2-5EE8-430E-A1B2-2CEDB130B522}"/>
+              </a:ext>
+            </a:extLst>
+          </p:cNvPr>
+          <p:cNvPicPr>
+            <a:picLocks noChangeAspect="1"/>
+          </p:cNvPicPr>
+          <p:nvPr/>
+        </p:nvPicPr>
+        <p:blipFill>
+          <a:blip r:embed="rId3"/>
+          <a:stretch>
+            <a:fillRect/>
+          </a:stretch>
+        </p:blipFill>
+        <p:spPr>
+          <a:xfrm>
+            <a:off x="6378890" y="3428999"/>
+            <a:ext cx="2109399" cy="883997"/>
+          </a:xfrm>
+          <a:prstGeom prst="rect">
+            <a:avLst/>
+          </a:prstGeom>
+        </p:spPr>
+      </p:pic>
+      <p:sp>
+        <p:nvSpPr>
+          <p:cNvPr id="22" name="TextBox 21">
+            <a:extLst>
+              <a:ext uri="{FF2B5EF4-FFF2-40B4-BE49-F238E27FC236}">
+                <a16:creationId xmlns:a16="http://schemas.microsoft.com/office/drawing/2014/main" id="{3FF83FAC-698E-4DE8-89B1-C7F9F008E989}"/>
+              </a:ext>
+            </a:extLst>
+          </p:cNvPr>
+          <p:cNvSpPr txBox="1"/>
+          <p:nvPr/>
+        </p:nvSpPr>
+        <p:spPr>
+          <a:xfrm>
+            <a:off x="6824992" y="3543239"/>
+            <a:ext cx="1217193" cy="646331"/>
+          </a:xfrm>
+          <a:prstGeom prst="rect">
+            <a:avLst/>
+          </a:prstGeom>
+          <a:noFill/>
+        </p:spPr>
+        <p:txBody>
+          <a:bodyPr wrap="none" rtlCol="0">
+            <a:spAutoFit/>
+          </a:bodyPr>
+          <a:lstStyle/>
+          <a:p>
+            <a:r>
+              <a:rPr lang="en-US" dirty="0">
+                <a:solidFill>
+                  <a:schemeClr val="bg1"/>
+                </a:solidFill>
+              </a:rPr>
+              <a:t>Alternative</a:t>
+            </a:r>
+          </a:p>
+          <a:p>
+            <a:r>
+              <a:rPr lang="en-US" dirty="0">
+                <a:solidFill>
+                  <a:schemeClr val="bg1"/>
+                </a:solidFill>
+              </a:rPr>
+              <a:t> products</a:t>
+            </a:r>
+            <a:endParaRPr lang="en-IN" dirty="0">
+              <a:solidFill>
+                <a:schemeClr val="bg1"/>
+              </a:solidFill>
+            </a:endParaRPr>
+          </a:p>
+        </p:txBody>
+      </p:sp>
+      <p:cxnSp>
+        <p:nvCxnSpPr>
+          <p:cNvPr id="24" name="Straight Arrow Connector 23">
+            <a:extLst>
+              <a:ext uri="{FF2B5EF4-FFF2-40B4-BE49-F238E27FC236}">
+                <a16:creationId xmlns:a16="http://schemas.microsoft.com/office/drawing/2014/main" id="{85361DFD-B31A-48AD-8C10-0DE83BEB6BEE}"/>
+              </a:ext>
+            </a:extLst>
+          </p:cNvPr>
+          <p:cNvCxnSpPr>
+            <a:stCxn id="9" idx="2"/>
+            <a:endCxn id="21" idx="0"/>
+          </p:cNvCxnSpPr>
+          <p:nvPr/>
+        </p:nvCxnSpPr>
+        <p:spPr>
+          <a:xfrm>
+            <a:off x="7351843" y="2785118"/>
+            <a:ext cx="81747" cy="643881"/>
+          </a:xfrm>
+          <a:prstGeom prst="straightConnector1">
+            <a:avLst/>
+          </a:prstGeom>
+          <a:ln>
+            <a:headEnd type="triangle"/>
+            <a:tailEnd type="triangle"/>
+          </a:ln>
+        </p:spPr>
+        <p:style>
+          <a:lnRef idx="3">
+            <a:schemeClr val="accent1"/>
+          </a:lnRef>
+          <a:fillRef idx="0">
+            <a:schemeClr val="accent1"/>
+          </a:fillRef>
+          <a:effectRef idx="2">
+            <a:schemeClr val="accent1"/>
+          </a:effectRef>
+          <a:fontRef idx="minor">
+            <a:schemeClr val="tx1"/>
+          </a:fontRef>
+        </p:style>
+      </p:cxnSp>
+      <p:pic>
+        <p:nvPicPr>
+          <p:cNvPr id="25" name="Picture 24">
+            <a:extLst>
+              <a:ext uri="{FF2B5EF4-FFF2-40B4-BE49-F238E27FC236}">
+                <a16:creationId xmlns:a16="http://schemas.microsoft.com/office/drawing/2014/main" id="{42317591-1667-4A85-AA06-7C063941941C}"/>
+              </a:ext>
+            </a:extLst>
+          </p:cNvPr>
+          <p:cNvPicPr>
+            <a:picLocks noChangeAspect="1"/>
+          </p:cNvPicPr>
+          <p:nvPr/>
+        </p:nvPicPr>
+        <p:blipFill>
+          <a:blip r:embed="rId4"/>
+          <a:stretch>
+            <a:fillRect/>
+          </a:stretch>
+        </p:blipFill>
+        <p:spPr>
+          <a:xfrm>
+            <a:off x="3222747" y="3428999"/>
+            <a:ext cx="2109399" cy="883997"/>
+          </a:xfrm>
+          <a:prstGeom prst="rect">
+            <a:avLst/>
+          </a:prstGeom>
+        </p:spPr>
+      </p:pic>
+      <p:pic>
+        <p:nvPicPr>
+          <p:cNvPr id="26" name="Picture 25">
+            <a:extLst>
+              <a:ext uri="{FF2B5EF4-FFF2-40B4-BE49-F238E27FC236}">
+                <a16:creationId xmlns:a16="http://schemas.microsoft.com/office/drawing/2014/main" id="{6A42D44B-0623-46EA-BA56-CCAB1695E26A}"/>
+              </a:ext>
+            </a:extLst>
+          </p:cNvPr>
+          <p:cNvPicPr>
+            <a:picLocks noChangeAspect="1"/>
+          </p:cNvPicPr>
+          <p:nvPr/>
+        </p:nvPicPr>
+        <p:blipFill>
+          <a:blip r:embed="rId4"/>
+          <a:stretch>
+            <a:fillRect/>
+          </a:stretch>
+        </p:blipFill>
+        <p:spPr>
+          <a:xfrm>
+            <a:off x="548548" y="3428999"/>
+            <a:ext cx="2109399" cy="883997"/>
+          </a:xfrm>
+          <a:prstGeom prst="rect">
+            <a:avLst/>
+          </a:prstGeom>
+        </p:spPr>
+      </p:pic>
+      <p:pic>
+        <p:nvPicPr>
+          <p:cNvPr id="27" name="Picture 26">
+            <a:extLst>
+              <a:ext uri="{FF2B5EF4-FFF2-40B4-BE49-F238E27FC236}">
+                <a16:creationId xmlns:a16="http://schemas.microsoft.com/office/drawing/2014/main" id="{F92BE22D-6C9C-4AA0-BB41-D55F5491DE45}"/>
+              </a:ext>
+            </a:extLst>
+          </p:cNvPr>
+          <p:cNvPicPr>
+            <a:picLocks noChangeAspect="1"/>
+          </p:cNvPicPr>
+          <p:nvPr/>
+        </p:nvPicPr>
+        <p:blipFill>
+          <a:blip r:embed="rId4"/>
+          <a:stretch>
+            <a:fillRect/>
+          </a:stretch>
+        </p:blipFill>
+        <p:spPr>
+          <a:xfrm>
+            <a:off x="3222747" y="4869160"/>
+            <a:ext cx="2109399" cy="883997"/>
+          </a:xfrm>
+          <a:prstGeom prst="rect">
+            <a:avLst/>
+          </a:prstGeom>
+        </p:spPr>
+      </p:pic>
+      <p:sp>
+        <p:nvSpPr>
+          <p:cNvPr id="28" name="TextBox 27">
+            <a:extLst>
+              <a:ext uri="{FF2B5EF4-FFF2-40B4-BE49-F238E27FC236}">
+                <a16:creationId xmlns:a16="http://schemas.microsoft.com/office/drawing/2014/main" id="{9DA969E5-3CD3-4367-B7D3-E64E98A41A39}"/>
+              </a:ext>
+            </a:extLst>
+          </p:cNvPr>
+          <p:cNvSpPr txBox="1"/>
+          <p:nvPr/>
+        </p:nvSpPr>
+        <p:spPr>
+          <a:xfrm>
+            <a:off x="3572445" y="3723911"/>
+            <a:ext cx="1410001" cy="369332"/>
+          </a:xfrm>
+          <a:prstGeom prst="rect">
+            <a:avLst/>
+          </a:prstGeom>
+          <a:noFill/>
+        </p:spPr>
+        <p:txBody>
+          <a:bodyPr wrap="none" rtlCol="0">
+            <a:spAutoFit/>
+          </a:bodyPr>
+          <a:lstStyle/>
+          <a:p>
+            <a:r>
+              <a:rPr lang="en-US" dirty="0">
+                <a:solidFill>
+                  <a:schemeClr val="bg1"/>
+                </a:solidFill>
+              </a:rPr>
+              <a:t>Product page</a:t>
+            </a:r>
+            <a:endParaRPr lang="en-IN" dirty="0">
+              <a:solidFill>
+                <a:schemeClr val="bg1"/>
+              </a:solidFill>
+            </a:endParaRPr>
+          </a:p>
+        </p:txBody>
+      </p:sp>
+      <p:sp>
+        <p:nvSpPr>
+          <p:cNvPr id="29" name="TextBox 28">
+            <a:extLst>
+              <a:ext uri="{FF2B5EF4-FFF2-40B4-BE49-F238E27FC236}">
+                <a16:creationId xmlns:a16="http://schemas.microsoft.com/office/drawing/2014/main" id="{0FE7849A-B769-4C6D-A3C0-43FE2D7A4642}"/>
+              </a:ext>
+            </a:extLst>
+          </p:cNvPr>
+          <p:cNvSpPr txBox="1"/>
+          <p:nvPr/>
+        </p:nvSpPr>
+        <p:spPr>
+          <a:xfrm>
+            <a:off x="3240611" y="5126492"/>
+            <a:ext cx="2091535" cy="369332"/>
+          </a:xfrm>
+          <a:prstGeom prst="rect">
+            <a:avLst/>
+          </a:prstGeom>
+          <a:noFill/>
+        </p:spPr>
+        <p:txBody>
+          <a:bodyPr wrap="none" rtlCol="0">
+            <a:spAutoFit/>
+          </a:bodyPr>
+          <a:lstStyle/>
+          <a:p>
+            <a:r>
+              <a:rPr lang="en-US" dirty="0">
+                <a:solidFill>
+                  <a:schemeClr val="bg1"/>
+                </a:solidFill>
+              </a:rPr>
+              <a:t>Order and checkout</a:t>
+            </a:r>
+            <a:endParaRPr lang="en-IN" dirty="0">
+              <a:solidFill>
+                <a:schemeClr val="bg1"/>
+              </a:solidFill>
+            </a:endParaRPr>
+          </a:p>
+        </p:txBody>
+      </p:sp>
+      <p:sp>
+        <p:nvSpPr>
+          <p:cNvPr id="30" name="TextBox 29">
+            <a:extLst>
+              <a:ext uri="{FF2B5EF4-FFF2-40B4-BE49-F238E27FC236}">
+                <a16:creationId xmlns:a16="http://schemas.microsoft.com/office/drawing/2014/main" id="{5929EA80-C1D4-4A23-BFCB-D73351E0A95C}"/>
+              </a:ext>
+            </a:extLst>
+          </p:cNvPr>
+          <p:cNvSpPr txBox="1"/>
+          <p:nvPr/>
+        </p:nvSpPr>
+        <p:spPr>
+          <a:xfrm>
+            <a:off x="655711" y="3585411"/>
+            <a:ext cx="1895071" cy="646331"/>
+          </a:xfrm>
+          <a:prstGeom prst="rect">
+            <a:avLst/>
+          </a:prstGeom>
+          <a:noFill/>
+        </p:spPr>
+        <p:txBody>
+          <a:bodyPr wrap="none" rtlCol="0">
+            <a:spAutoFit/>
+          </a:bodyPr>
+          <a:lstStyle/>
+          <a:p>
+            <a:r>
+              <a:rPr lang="en-US" dirty="0">
+                <a:solidFill>
+                  <a:schemeClr val="bg1"/>
+                </a:solidFill>
+              </a:rPr>
+              <a:t>User account and </a:t>
+            </a:r>
+          </a:p>
+          <a:p>
+            <a:r>
+              <a:rPr lang="en-US" dirty="0">
+                <a:solidFill>
+                  <a:schemeClr val="bg1"/>
+                </a:solidFill>
+              </a:rPr>
+              <a:t>details</a:t>
+            </a:r>
+            <a:endParaRPr lang="en-IN" dirty="0">
+              <a:solidFill>
+                <a:schemeClr val="bg1"/>
+              </a:solidFill>
+            </a:endParaRPr>
+          </a:p>
+        </p:txBody>
+      </p:sp>
+      <p:cxnSp>
+        <p:nvCxnSpPr>
+          <p:cNvPr id="32" name="Straight Arrow Connector 31">
+            <a:extLst>
+              <a:ext uri="{FF2B5EF4-FFF2-40B4-BE49-F238E27FC236}">
+                <a16:creationId xmlns:a16="http://schemas.microsoft.com/office/drawing/2014/main" id="{F9CDF9A3-2FA6-4FD0-9607-D859F2F78D7F}"/>
+              </a:ext>
+            </a:extLst>
+          </p:cNvPr>
+          <p:cNvCxnSpPr>
+            <a:stCxn id="25" idx="3"/>
+            <a:endCxn id="21" idx="1"/>
+          </p:cNvCxnSpPr>
+          <p:nvPr/>
+        </p:nvCxnSpPr>
+        <p:spPr>
+          <a:xfrm>
+            <a:off x="5332146" y="3870998"/>
+            <a:ext cx="1046744" cy="0"/>
+          </a:xfrm>
+          <a:prstGeom prst="straightConnector1">
+            <a:avLst/>
+          </a:prstGeom>
+          <a:ln>
+            <a:headEnd type="triangle"/>
+            <a:tailEnd type="triangle"/>
+          </a:ln>
+        </p:spPr>
+        <p:style>
+          <a:lnRef idx="3">
+            <a:schemeClr val="accent1"/>
+          </a:lnRef>
+          <a:fillRef idx="0">
+            <a:schemeClr val="accent1"/>
+          </a:fillRef>
+          <a:effectRef idx="2">
+            <a:schemeClr val="accent1"/>
+          </a:effectRef>
+          <a:fontRef idx="minor">
+            <a:schemeClr val="tx1"/>
+          </a:fontRef>
+        </p:style>
+      </p:cxnSp>
+      <p:cxnSp>
+        <p:nvCxnSpPr>
+          <p:cNvPr id="34" name="Straight Arrow Connector 33">
+            <a:extLst>
+              <a:ext uri="{FF2B5EF4-FFF2-40B4-BE49-F238E27FC236}">
+                <a16:creationId xmlns:a16="http://schemas.microsoft.com/office/drawing/2014/main" id="{00A7C66B-83A6-4D09-A5FB-1F835AC8B223}"/>
+              </a:ext>
+            </a:extLst>
+          </p:cNvPr>
+          <p:cNvCxnSpPr>
+            <a:stCxn id="5" idx="2"/>
+            <a:endCxn id="26" idx="0"/>
+          </p:cNvCxnSpPr>
+          <p:nvPr/>
+        </p:nvCxnSpPr>
+        <p:spPr>
+          <a:xfrm>
+            <a:off x="1501316" y="2785119"/>
+            <a:ext cx="101932" cy="643880"/>
+          </a:xfrm>
+          <a:prstGeom prst="straightConnector1">
+            <a:avLst/>
+          </a:prstGeom>
+          <a:ln>
+            <a:headEnd type="triangle"/>
+            <a:tailEnd type="triangle"/>
+          </a:ln>
+        </p:spPr>
+        <p:style>
+          <a:lnRef idx="3">
+            <a:schemeClr val="accent1"/>
+          </a:lnRef>
+          <a:fillRef idx="0">
+            <a:schemeClr val="accent1"/>
+          </a:fillRef>
+          <a:effectRef idx="2">
+            <a:schemeClr val="accent1"/>
+          </a:effectRef>
+          <a:fontRef idx="minor">
+            <a:schemeClr val="tx1"/>
+          </a:fontRef>
+        </p:style>
+      </p:cxnSp>
+      <p:cxnSp>
+        <p:nvCxnSpPr>
+          <p:cNvPr id="36" name="Straight Arrow Connector 35">
+            <a:extLst>
+              <a:ext uri="{FF2B5EF4-FFF2-40B4-BE49-F238E27FC236}">
+                <a16:creationId xmlns:a16="http://schemas.microsoft.com/office/drawing/2014/main" id="{7A613C90-EDA7-44D3-B3E6-49E969817A55}"/>
+              </a:ext>
+            </a:extLst>
+          </p:cNvPr>
+          <p:cNvCxnSpPr>
+            <a:stCxn id="25" idx="2"/>
+            <a:endCxn id="27" idx="0"/>
+          </p:cNvCxnSpPr>
+          <p:nvPr/>
+        </p:nvCxnSpPr>
+        <p:spPr>
+          <a:xfrm>
+            <a:off x="4277447" y="4312996"/>
+            <a:ext cx="0" cy="556164"/>
+          </a:xfrm>
+          <a:prstGeom prst="straightConnector1">
+            <a:avLst/>
+          </a:prstGeom>
+          <a:ln>
+            <a:headEnd type="triangle"/>
+            <a:tailEnd type="triangle"/>
+          </a:ln>
+        </p:spPr>
+        <p:style>
+          <a:lnRef idx="3">
+            <a:schemeClr val="accent1"/>
+          </a:lnRef>
+          <a:fillRef idx="0">
+            <a:schemeClr val="accent1"/>
+          </a:fillRef>
+          <a:effectRef idx="2">
+            <a:schemeClr val="accent1"/>
+          </a:effectRef>
+          <a:fontRef idx="minor">
+            <a:schemeClr val="tx1"/>
+          </a:fontRef>
+        </p:style>
+      </p:cxnSp>
+      <p:cxnSp>
+        <p:nvCxnSpPr>
+          <p:cNvPr id="41" name="Connector: Curved 40">
+            <a:extLst>
+              <a:ext uri="{FF2B5EF4-FFF2-40B4-BE49-F238E27FC236}">
+                <a16:creationId xmlns:a16="http://schemas.microsoft.com/office/drawing/2014/main" id="{79EF694C-FEEB-479A-A906-C728E474D8EF}"/>
+              </a:ext>
+            </a:extLst>
+          </p:cNvPr>
+          <p:cNvCxnSpPr>
+            <a:cxnSpLocks/>
+            <a:stCxn id="29" idx="1"/>
+            <a:endCxn id="26" idx="2"/>
+          </p:cNvCxnSpPr>
+          <p:nvPr/>
+        </p:nvCxnSpPr>
+        <p:spPr>
+          <a:xfrm rot="10800000">
+            <a:off x="1603249" y="4312996"/>
+            <a:ext cx="1637363" cy="998162"/>
+          </a:xfrm>
+          <a:prstGeom prst="curvedConnector2">
+            <a:avLst/>
+          </a:prstGeom>
+          <a:ln>
+            <a:tailEnd type="triangle"/>
+          </a:ln>
+        </p:spPr>
+        <p:style>
+          <a:lnRef idx="1">
+            <a:schemeClr val="accent1"/>
+          </a:lnRef>
+          <a:fillRef idx="0">
+            <a:schemeClr val="accent1"/>
+          </a:fillRef>
+          <a:effectRef idx="0">
+            <a:schemeClr val="accent1"/>
+          </a:effectRef>
+          <a:fontRef idx="minor">
+            <a:schemeClr val="tx1"/>
+          </a:fontRef>
+        </p:style>
+      </p:cxnSp>
     </p:spTree>
+    <p:extLst>
+      <p:ext uri="{BB962C8B-B14F-4D97-AF65-F5344CB8AC3E}">
+        <p14:creationId xmlns:p14="http://schemas.microsoft.com/office/powerpoint/2010/main" val="2418941044"/>
+      </p:ext>
+    </p:extLst>
   </p:cSld>
   <p:clrMapOvr>
     <a:masterClrMapping/>
@@ -12154,6 +7764,12 @@
           <a:bodyPr/>
           <a:lstStyle/>
           <a:p>
+            <a:endParaRPr lang="en-IN" dirty="0">
+              <a:latin typeface="Times New Roman" pitchFamily="18" charset="0"/>
+              <a:cs typeface="Times New Roman" pitchFamily="18" charset="0"/>
+            </a:endParaRPr>
+          </a:p>
+          <a:p>
             <a:r>
               <a:rPr lang="en-IN" dirty="0">
                 <a:latin typeface="Times New Roman" pitchFamily="18" charset="0"/>
@@ -12168,7 +7784,7 @@
                 <a:latin typeface="Times New Roman" pitchFamily="18" charset="0"/>
                 <a:cs typeface="Times New Roman" pitchFamily="18" charset="0"/>
               </a:rPr>
-              <a:t>Software : HTML supported browser</a:t>
+              <a:t>Software : Any 	browser</a:t>
             </a:r>
           </a:p>
         </p:txBody>
